--- a/Rezptapp.pptx
+++ b/Rezptapp.pptx
@@ -5,11 +5,17 @@
     <p:sldMasterId id="2147483671" r:id="rId1"/>
   </p:sldMasterIdLst>
   <p:notesMasterIdLst>
-    <p:notesMasterId r:id="rId4"/>
+    <p:notesMasterId r:id="rId10"/>
   </p:notesMasterIdLst>
   <p:sldIdLst>
     <p:sldId id="256" r:id="rId2"/>
     <p:sldId id="257" r:id="rId3"/>
+    <p:sldId id="258" r:id="rId4"/>
+    <p:sldId id="259" r:id="rId5"/>
+    <p:sldId id="260" r:id="rId6"/>
+    <p:sldId id="261" r:id="rId7"/>
+    <p:sldId id="262" r:id="rId8"/>
+    <p:sldId id="263" r:id="rId9"/>
   </p:sldIdLst>
   <p:sldSz cx="12192000" cy="6858000"/>
   <p:notesSz cx="6858000" cy="9144000"/>
@@ -624,6 +630,90 @@
     <p:extLst>
       <p:ext uri="{BB962C8B-B14F-4D97-AF65-F5344CB8AC3E}">
         <p14:creationId xmlns:p14="http://schemas.microsoft.com/office/powerpoint/2010/main" val="3610826465"/>
+      </p:ext>
+    </p:extLst>
+  </p:cSld>
+  <p:clrMapOvr>
+    <a:masterClrMapping/>
+  </p:clrMapOvr>
+</p:notes>
+</file>
+
+<file path=ppt/notesSlides/notesSlide3.xml><?xml version="1.0" encoding="utf-8"?>
+<p:notes xmlns:a="http://schemas.openxmlformats.org/drawingml/2006/main" xmlns:r="http://schemas.openxmlformats.org/officeDocument/2006/relationships" xmlns:p="http://schemas.openxmlformats.org/presentationml/2006/main">
+  <p:cSld>
+    <p:spTree>
+      <p:nvGrpSpPr>
+        <p:cNvPr id="1" name=""/>
+        <p:cNvGrpSpPr/>
+        <p:nvPr/>
+      </p:nvGrpSpPr>
+      <p:grpSpPr>
+        <a:xfrm>
+          <a:off x="0" y="0"/>
+          <a:ext cx="0" cy="0"/>
+          <a:chOff x="0" y="0"/>
+          <a:chExt cx="0" cy="0"/>
+        </a:xfrm>
+      </p:grpSpPr>
+      <p:sp>
+        <p:nvSpPr>
+          <p:cNvPr id="2" name="Folienbildplatzhalter 1"/>
+          <p:cNvSpPr>
+            <a:spLocks noGrp="1" noRot="1" noChangeAspect="1"/>
+          </p:cNvSpPr>
+          <p:nvPr>
+            <p:ph type="sldImg"/>
+          </p:nvPr>
+        </p:nvSpPr>
+        <p:spPr/>
+      </p:sp>
+      <p:sp>
+        <p:nvSpPr>
+          <p:cNvPr id="3" name="Notizenplatzhalter 2"/>
+          <p:cNvSpPr>
+            <a:spLocks noGrp="1"/>
+          </p:cNvSpPr>
+          <p:nvPr>
+            <p:ph type="body" idx="1"/>
+          </p:nvPr>
+        </p:nvSpPr>
+        <p:spPr/>
+        <p:txBody>
+          <a:bodyPr/>
+          <a:lstStyle/>
+          <a:p>
+            <a:endParaRPr lang="de-DE"/>
+          </a:p>
+        </p:txBody>
+      </p:sp>
+      <p:sp>
+        <p:nvSpPr>
+          <p:cNvPr id="4" name="Foliennummernplatzhalter 3"/>
+          <p:cNvSpPr>
+            <a:spLocks noGrp="1"/>
+          </p:cNvSpPr>
+          <p:nvPr>
+            <p:ph type="sldNum" sz="quarter" idx="10"/>
+          </p:nvPr>
+        </p:nvSpPr>
+        <p:spPr/>
+        <p:txBody>
+          <a:bodyPr/>
+          <a:lstStyle/>
+          <a:p>
+            <a:fld id="{0F565E2B-0033-4D47-8B58-5FB2078FE6FF}" type="slidenum">
+              <a:rPr lang="de-DE"/>
+              <a:t>8</a:t>
+            </a:fld>
+            <a:endParaRPr lang="de-DE"/>
+          </a:p>
+        </p:txBody>
+      </p:sp>
+    </p:spTree>
+    <p:extLst>
+      <p:ext uri="{BB962C8B-B14F-4D97-AF65-F5344CB8AC3E}">
+        <p14:creationId xmlns:p14="http://schemas.microsoft.com/office/powerpoint/2010/main" val="3045749672"/>
       </p:ext>
     </p:extLst>
   </p:cSld>
@@ -6574,23 +6664,7 @@
           <a:p>
             <a:r>
               <a:rPr lang="de-DE" dirty="0" smtClean="0"/>
-              <a:t>App-programmierung</a:t>
-            </a:r>
-            <a:r>
-              <a:rPr lang="de-DE" dirty="0" smtClean="0"/>
-              <a:t> </a:t>
-            </a:r>
-            <a:r>
-              <a:rPr lang="de-DE" dirty="0" smtClean="0"/>
-              <a:t>von </a:t>
-            </a:r>
-            <a:r>
-              <a:rPr lang="de-DE" dirty="0" smtClean="0"/>
-              <a:t>Anna S. Rodewald </a:t>
-            </a:r>
-            <a:r>
-              <a:rPr lang="de-DE" dirty="0" smtClean="0"/>
-              <a:t>und </a:t>
+              <a:t>App-programmierung von Anna S. Rodewald und </a:t>
             </a:r>
             <a:r>
               <a:rPr lang="de-DE" dirty="0" err="1" smtClean="0"/>
@@ -6717,6 +6791,1443 @@
   <p:clrMapOvr>
     <a:masterClrMapping/>
   </p:clrMapOvr>
+</p:sld>
+</file>
+
+<file path=ppt/slides/slide3.xml><?xml version="1.0" encoding="utf-8"?>
+<p:sld xmlns:a="http://schemas.openxmlformats.org/drawingml/2006/main" xmlns:r="http://schemas.openxmlformats.org/officeDocument/2006/relationships" xmlns:p="http://schemas.openxmlformats.org/presentationml/2006/main">
+  <p:cSld>
+    <p:spTree>
+      <p:nvGrpSpPr>
+        <p:cNvPr id="1" name=""/>
+        <p:cNvGrpSpPr/>
+        <p:nvPr/>
+      </p:nvGrpSpPr>
+      <p:grpSpPr>
+        <a:xfrm>
+          <a:off x="0" y="0"/>
+          <a:ext cx="0" cy="0"/>
+          <a:chOff x="0" y="0"/>
+          <a:chExt cx="0" cy="0"/>
+        </a:xfrm>
+      </p:grpSpPr>
+      <p:sp>
+        <p:nvSpPr>
+          <p:cNvPr id="2" name="Titel 1"/>
+          <p:cNvSpPr>
+            <a:spLocks noGrp="1"/>
+          </p:cNvSpPr>
+          <p:nvPr>
+            <p:ph type="title"/>
+          </p:nvPr>
+        </p:nvSpPr>
+        <p:spPr/>
+        <p:txBody>
+          <a:bodyPr/>
+          <a:lstStyle/>
+          <a:p>
+            <a:r>
+              <a:rPr lang="de-DE" dirty="0" err="1" smtClean="0"/>
+              <a:t>Use</a:t>
+            </a:r>
+            <a:r>
+              <a:rPr lang="de-DE" dirty="0" smtClean="0"/>
+              <a:t> Case</a:t>
+            </a:r>
+            <a:endParaRPr lang="de-DE" dirty="0"/>
+          </a:p>
+        </p:txBody>
+      </p:sp>
+      <p:sp>
+        <p:nvSpPr>
+          <p:cNvPr id="3" name="Inhaltsplatzhalter 2"/>
+          <p:cNvSpPr>
+            <a:spLocks noGrp="1"/>
+          </p:cNvSpPr>
+          <p:nvPr>
+            <p:ph idx="1"/>
+          </p:nvPr>
+        </p:nvSpPr>
+        <p:spPr/>
+        <p:txBody>
+          <a:bodyPr/>
+          <a:lstStyle/>
+          <a:p>
+            <a:r>
+              <a:rPr lang="de-DE" dirty="0" smtClean="0"/>
+              <a:t>Ein Diagramm vielleicht? </a:t>
+            </a:r>
+            <a:endParaRPr lang="de-DE" dirty="0"/>
+          </a:p>
+        </p:txBody>
+      </p:sp>
+    </p:spTree>
+    <p:extLst>
+      <p:ext uri="{BB962C8B-B14F-4D97-AF65-F5344CB8AC3E}">
+        <p14:creationId xmlns:p14="http://schemas.microsoft.com/office/powerpoint/2010/main" val="686378267"/>
+      </p:ext>
+    </p:extLst>
+  </p:cSld>
+  <p:clrMapOvr>
+    <a:masterClrMapping/>
+  </p:clrMapOvr>
+</p:sld>
+</file>
+
+<file path=ppt/slides/slide4.xml><?xml version="1.0" encoding="utf-8"?>
+<p:sld xmlns:a="http://schemas.openxmlformats.org/drawingml/2006/main" xmlns:r="http://schemas.openxmlformats.org/officeDocument/2006/relationships" xmlns:p="http://schemas.openxmlformats.org/presentationml/2006/main">
+  <p:cSld>
+    <p:spTree>
+      <p:nvGrpSpPr>
+        <p:cNvPr id="1" name=""/>
+        <p:cNvGrpSpPr/>
+        <p:nvPr/>
+      </p:nvGrpSpPr>
+      <p:grpSpPr>
+        <a:xfrm>
+          <a:off x="0" y="0"/>
+          <a:ext cx="0" cy="0"/>
+          <a:chOff x="0" y="0"/>
+          <a:chExt cx="0" cy="0"/>
+        </a:xfrm>
+      </p:grpSpPr>
+      <p:sp>
+        <p:nvSpPr>
+          <p:cNvPr id="2" name="Titel 1"/>
+          <p:cNvSpPr>
+            <a:spLocks noGrp="1"/>
+          </p:cNvSpPr>
+          <p:nvPr>
+            <p:ph type="title"/>
+          </p:nvPr>
+        </p:nvSpPr>
+        <p:spPr/>
+        <p:txBody>
+          <a:bodyPr/>
+          <a:lstStyle/>
+          <a:p>
+            <a:r>
+              <a:rPr lang="de-DE" dirty="0" smtClean="0"/>
+              <a:t>Home</a:t>
+            </a:r>
+            <a:endParaRPr lang="de-DE" dirty="0"/>
+          </a:p>
+        </p:txBody>
+      </p:sp>
+      <p:pic>
+        <p:nvPicPr>
+          <p:cNvPr id="4" name="Inhaltsplatzhalter 3" descr="Bildschirmfoto 2015-06-23 um 22.13.42.png"/>
+          <p:cNvPicPr>
+            <a:picLocks noGrp="1" noChangeAspect="1"/>
+          </p:cNvPicPr>
+          <p:nvPr>
+            <p:ph idx="1"/>
+          </p:nvPr>
+        </p:nvPicPr>
+        <p:blipFill rotWithShape="1">
+          <a:blip r:embed="rId2">
+            <a:extLst>
+              <a:ext uri="{28A0092B-C50C-407E-A947-70E740481C1C}">
+                <a14:useLocalDpi xmlns:a14="http://schemas.microsoft.com/office/drawing/2010/main" val="0"/>
+              </a:ext>
+            </a:extLst>
+          </a:blip>
+          <a:srcRect l="275" t="-588" r="-276980" b="588"/>
+          <a:stretch/>
+        </p:blipFill>
+        <p:spPr/>
+      </p:pic>
+      <p:sp>
+        <p:nvSpPr>
+          <p:cNvPr id="5" name="Inhaltsplatzhalter 2"/>
+          <p:cNvSpPr txBox="1">
+            <a:spLocks/>
+          </p:cNvSpPr>
+          <p:nvPr/>
+        </p:nvSpPr>
+        <p:spPr>
+          <a:xfrm>
+            <a:off x="3773201" y="2095929"/>
+            <a:ext cx="6429052" cy="4117882"/>
+          </a:xfrm>
+          <a:prstGeom prst="rect">
+            <a:avLst/>
+          </a:prstGeom>
+        </p:spPr>
+        <p:txBody>
+          <a:bodyPr vert="horz" lIns="91440" tIns="45720" rIns="91440" bIns="45720" rtlCol="0">
+            <a:normAutofit/>
+          </a:bodyPr>
+          <a:lstStyle>
+            <a:lvl1pPr marL="342900" indent="-342900" algn="l" defTabSz="457200" rtl="0" eaLnBrk="1" latinLnBrk="0" hangingPunct="1">
+              <a:spcBef>
+                <a:spcPts val="1000"/>
+              </a:spcBef>
+              <a:spcAft>
+                <a:spcPts val="0"/>
+              </a:spcAft>
+              <a:buClr>
+                <a:schemeClr val="accent1"/>
+              </a:buClr>
+              <a:buSzPct val="80000"/>
+              <a:buFont typeface="Wingdings 3" charset="2"/>
+              <a:buChar char=""/>
+              <a:defRPr sz="2000" b="0" i="0" kern="1200">
+                <a:solidFill>
+                  <a:schemeClr val="tx1"/>
+                </a:solidFill>
+                <a:latin typeface="+mj-lt"/>
+                <a:ea typeface="+mj-ea"/>
+                <a:cs typeface="+mj-cs"/>
+              </a:defRPr>
+            </a:lvl1pPr>
+            <a:lvl2pPr marL="742950" indent="-285750" algn="l" defTabSz="457200" rtl="0" eaLnBrk="1" latinLnBrk="0" hangingPunct="1">
+              <a:spcBef>
+                <a:spcPts val="1000"/>
+              </a:spcBef>
+              <a:spcAft>
+                <a:spcPts val="0"/>
+              </a:spcAft>
+              <a:buClr>
+                <a:schemeClr val="accent1"/>
+              </a:buClr>
+              <a:buSzPct val="80000"/>
+              <a:buFont typeface="Wingdings 3" charset="2"/>
+              <a:buChar char=""/>
+              <a:defRPr sz="1800" b="0" i="0" kern="1200">
+                <a:solidFill>
+                  <a:schemeClr val="tx1"/>
+                </a:solidFill>
+                <a:latin typeface="+mj-lt"/>
+                <a:ea typeface="+mj-ea"/>
+                <a:cs typeface="+mj-cs"/>
+              </a:defRPr>
+            </a:lvl2pPr>
+            <a:lvl3pPr marL="1143000" indent="-228600" algn="l" defTabSz="457200" rtl="0" eaLnBrk="1" latinLnBrk="0" hangingPunct="1">
+              <a:spcBef>
+                <a:spcPts val="1000"/>
+              </a:spcBef>
+              <a:spcAft>
+                <a:spcPts val="0"/>
+              </a:spcAft>
+              <a:buClr>
+                <a:schemeClr val="accent1"/>
+              </a:buClr>
+              <a:buSzPct val="80000"/>
+              <a:buFont typeface="Wingdings 3" charset="2"/>
+              <a:buChar char=""/>
+              <a:defRPr sz="1600" b="0" i="0" kern="1200">
+                <a:solidFill>
+                  <a:schemeClr val="tx1"/>
+                </a:solidFill>
+                <a:latin typeface="+mj-lt"/>
+                <a:ea typeface="+mj-ea"/>
+                <a:cs typeface="+mj-cs"/>
+              </a:defRPr>
+            </a:lvl3pPr>
+            <a:lvl4pPr marL="1600200" indent="-228600" algn="l" defTabSz="457200" rtl="0" eaLnBrk="1" latinLnBrk="0" hangingPunct="1">
+              <a:spcBef>
+                <a:spcPts val="1000"/>
+              </a:spcBef>
+              <a:spcAft>
+                <a:spcPts val="0"/>
+              </a:spcAft>
+              <a:buClr>
+                <a:schemeClr val="accent1"/>
+              </a:buClr>
+              <a:buSzPct val="80000"/>
+              <a:buFont typeface="Wingdings 3" charset="2"/>
+              <a:buChar char=""/>
+              <a:defRPr sz="1400" b="0" i="0" kern="1200">
+                <a:solidFill>
+                  <a:schemeClr val="tx1"/>
+                </a:solidFill>
+                <a:latin typeface="+mj-lt"/>
+                <a:ea typeface="+mj-ea"/>
+                <a:cs typeface="+mj-cs"/>
+              </a:defRPr>
+            </a:lvl4pPr>
+            <a:lvl5pPr marL="2057400" indent="-228600" algn="l" defTabSz="457200" rtl="0" eaLnBrk="1" latinLnBrk="0" hangingPunct="1">
+              <a:spcBef>
+                <a:spcPts val="1000"/>
+              </a:spcBef>
+              <a:spcAft>
+                <a:spcPts val="0"/>
+              </a:spcAft>
+              <a:buClr>
+                <a:schemeClr val="accent1"/>
+              </a:buClr>
+              <a:buSzPct val="80000"/>
+              <a:buFont typeface="Wingdings 3" charset="2"/>
+              <a:buChar char=""/>
+              <a:defRPr sz="1400" b="0" i="0" kern="1200">
+                <a:solidFill>
+                  <a:schemeClr val="tx1"/>
+                </a:solidFill>
+                <a:latin typeface="+mj-lt"/>
+                <a:ea typeface="+mj-ea"/>
+                <a:cs typeface="+mj-cs"/>
+              </a:defRPr>
+            </a:lvl5pPr>
+            <a:lvl6pPr marL="2514600" indent="-228600" algn="l" defTabSz="457200" rtl="0" eaLnBrk="1" latinLnBrk="0" hangingPunct="1">
+              <a:spcBef>
+                <a:spcPts val="1000"/>
+              </a:spcBef>
+              <a:spcAft>
+                <a:spcPts val="0"/>
+              </a:spcAft>
+              <a:buClr>
+                <a:schemeClr val="accent1"/>
+              </a:buClr>
+              <a:buSzPct val="80000"/>
+              <a:buFont typeface="Wingdings 3" charset="2"/>
+              <a:buChar char=""/>
+              <a:defRPr sz="1400" b="0" i="0" kern="1200">
+                <a:solidFill>
+                  <a:schemeClr val="tx1"/>
+                </a:solidFill>
+                <a:latin typeface="+mj-lt"/>
+                <a:ea typeface="+mj-ea"/>
+                <a:cs typeface="+mj-cs"/>
+              </a:defRPr>
+            </a:lvl6pPr>
+            <a:lvl7pPr marL="2971800" indent="-228600" algn="l" defTabSz="457200" rtl="0" eaLnBrk="1" latinLnBrk="0" hangingPunct="1">
+              <a:spcBef>
+                <a:spcPts val="1000"/>
+              </a:spcBef>
+              <a:spcAft>
+                <a:spcPts val="0"/>
+              </a:spcAft>
+              <a:buClr>
+                <a:schemeClr val="accent1"/>
+              </a:buClr>
+              <a:buSzPct val="80000"/>
+              <a:buFont typeface="Wingdings 3" charset="2"/>
+              <a:buChar char=""/>
+              <a:defRPr sz="1400" b="0" i="0" kern="1200">
+                <a:solidFill>
+                  <a:schemeClr val="tx1"/>
+                </a:solidFill>
+                <a:latin typeface="+mj-lt"/>
+                <a:ea typeface="+mj-ea"/>
+                <a:cs typeface="+mj-cs"/>
+              </a:defRPr>
+            </a:lvl7pPr>
+            <a:lvl8pPr marL="3429000" indent="-228600" algn="l" defTabSz="457200" rtl="0" eaLnBrk="1" latinLnBrk="0" hangingPunct="1">
+              <a:spcBef>
+                <a:spcPts val="1000"/>
+              </a:spcBef>
+              <a:spcAft>
+                <a:spcPts val="0"/>
+              </a:spcAft>
+              <a:buClr>
+                <a:schemeClr val="accent1"/>
+              </a:buClr>
+              <a:buSzPct val="80000"/>
+              <a:buFont typeface="Wingdings 3" charset="2"/>
+              <a:buChar char=""/>
+              <a:defRPr sz="1400" b="0" i="0" kern="1200">
+                <a:solidFill>
+                  <a:schemeClr val="tx1"/>
+                </a:solidFill>
+                <a:latin typeface="+mj-lt"/>
+                <a:ea typeface="+mj-ea"/>
+                <a:cs typeface="+mj-cs"/>
+              </a:defRPr>
+            </a:lvl8pPr>
+            <a:lvl9pPr marL="3886200" indent="-228600" algn="l" defTabSz="457200" rtl="0" eaLnBrk="1" latinLnBrk="0" hangingPunct="1">
+              <a:spcBef>
+                <a:spcPts val="1000"/>
+              </a:spcBef>
+              <a:spcAft>
+                <a:spcPts val="0"/>
+              </a:spcAft>
+              <a:buClr>
+                <a:schemeClr val="accent1"/>
+              </a:buClr>
+              <a:buSzPct val="80000"/>
+              <a:buFont typeface="Wingdings 3" charset="2"/>
+              <a:buChar char=""/>
+              <a:defRPr sz="1400" b="0" i="0" kern="1200">
+                <a:solidFill>
+                  <a:schemeClr val="tx1"/>
+                </a:solidFill>
+                <a:latin typeface="+mj-lt"/>
+                <a:ea typeface="+mj-ea"/>
+                <a:cs typeface="+mj-cs"/>
+              </a:defRPr>
+            </a:lvl9pPr>
+          </a:lstStyle>
+          <a:p>
+            <a:r>
+              <a:rPr lang="de-DE" dirty="0" err="1" smtClean="0"/>
+              <a:t>Adfadf</a:t>
+            </a:r>
+            <a:endParaRPr lang="de-DE" dirty="0" smtClean="0"/>
+          </a:p>
+          <a:p>
+            <a:r>
+              <a:rPr lang="de-DE" dirty="0" err="1" smtClean="0"/>
+              <a:t>adfadf</a:t>
+            </a:r>
+            <a:endParaRPr lang="de-DE" dirty="0"/>
+          </a:p>
+        </p:txBody>
+      </p:sp>
+    </p:spTree>
+    <p:extLst>
+      <p:ext uri="{BB962C8B-B14F-4D97-AF65-F5344CB8AC3E}">
+        <p14:creationId xmlns:p14="http://schemas.microsoft.com/office/powerpoint/2010/main" val="2428661020"/>
+      </p:ext>
+    </p:extLst>
+  </p:cSld>
+  <p:clrMapOvr>
+    <a:masterClrMapping/>
+  </p:clrMapOvr>
+</p:sld>
+</file>
+
+<file path=ppt/slides/slide5.xml><?xml version="1.0" encoding="utf-8"?>
+<p:sld xmlns:a="http://schemas.openxmlformats.org/drawingml/2006/main" xmlns:r="http://schemas.openxmlformats.org/officeDocument/2006/relationships" xmlns:p="http://schemas.openxmlformats.org/presentationml/2006/main">
+  <p:cSld>
+    <p:spTree>
+      <p:nvGrpSpPr>
+        <p:cNvPr id="1" name=""/>
+        <p:cNvGrpSpPr/>
+        <p:nvPr/>
+      </p:nvGrpSpPr>
+      <p:grpSpPr>
+        <a:xfrm>
+          <a:off x="0" y="0"/>
+          <a:ext cx="0" cy="0"/>
+          <a:chOff x="0" y="0"/>
+          <a:chExt cx="0" cy="0"/>
+        </a:xfrm>
+      </p:grpSpPr>
+      <p:sp>
+        <p:nvSpPr>
+          <p:cNvPr id="2" name="Titel 1"/>
+          <p:cNvSpPr>
+            <a:spLocks noGrp="1"/>
+          </p:cNvSpPr>
+          <p:nvPr>
+            <p:ph type="title"/>
+          </p:nvPr>
+        </p:nvSpPr>
+        <p:spPr/>
+        <p:txBody>
+          <a:bodyPr/>
+          <a:lstStyle/>
+          <a:p>
+            <a:r>
+              <a:rPr lang="de-DE" dirty="0" smtClean="0"/>
+              <a:t>Merkzettel</a:t>
+            </a:r>
+            <a:endParaRPr lang="de-DE" dirty="0"/>
+          </a:p>
+        </p:txBody>
+      </p:sp>
+      <p:pic>
+        <p:nvPicPr>
+          <p:cNvPr id="6" name="Inhaltsplatzhalter 5" descr="Bildschirmfoto 2015-06-23 um 22.12.00.png"/>
+          <p:cNvPicPr>
+            <a:picLocks noGrp="1" noChangeAspect="1"/>
+          </p:cNvPicPr>
+          <p:nvPr>
+            <p:ph idx="1"/>
+          </p:nvPr>
+        </p:nvPicPr>
+        <p:blipFill rotWithShape="1">
+          <a:blip r:embed="rId2">
+            <a:extLst>
+              <a:ext uri="{28A0092B-C50C-407E-A947-70E740481C1C}">
+                <a14:useLocalDpi xmlns:a14="http://schemas.microsoft.com/office/drawing/2010/main" val="0"/>
+              </a:ext>
+            </a:extLst>
+          </a:blip>
+          <a:srcRect l="57" t="-882" r="-282408" b="882"/>
+          <a:stretch/>
+        </p:blipFill>
+        <p:spPr/>
+      </p:pic>
+      <p:sp>
+        <p:nvSpPr>
+          <p:cNvPr id="9" name="Inhaltsplatzhalter 2"/>
+          <p:cNvSpPr txBox="1">
+            <a:spLocks/>
+          </p:cNvSpPr>
+          <p:nvPr/>
+        </p:nvSpPr>
+        <p:spPr>
+          <a:xfrm>
+            <a:off x="3773201" y="2095929"/>
+            <a:ext cx="6429052" cy="4117882"/>
+          </a:xfrm>
+          <a:prstGeom prst="rect">
+            <a:avLst/>
+          </a:prstGeom>
+        </p:spPr>
+        <p:txBody>
+          <a:bodyPr vert="horz" lIns="91440" tIns="45720" rIns="91440" bIns="45720" rtlCol="0">
+            <a:normAutofit/>
+          </a:bodyPr>
+          <a:lstStyle>
+            <a:lvl1pPr marL="342900" indent="-342900" algn="l" defTabSz="457200" rtl="0" eaLnBrk="1" latinLnBrk="0" hangingPunct="1">
+              <a:spcBef>
+                <a:spcPts val="1000"/>
+              </a:spcBef>
+              <a:spcAft>
+                <a:spcPts val="0"/>
+              </a:spcAft>
+              <a:buClr>
+                <a:schemeClr val="accent1"/>
+              </a:buClr>
+              <a:buSzPct val="80000"/>
+              <a:buFont typeface="Wingdings 3" charset="2"/>
+              <a:buChar char=""/>
+              <a:defRPr sz="2000" b="0" i="0" kern="1200">
+                <a:solidFill>
+                  <a:schemeClr val="tx1"/>
+                </a:solidFill>
+                <a:latin typeface="+mj-lt"/>
+                <a:ea typeface="+mj-ea"/>
+                <a:cs typeface="+mj-cs"/>
+              </a:defRPr>
+            </a:lvl1pPr>
+            <a:lvl2pPr marL="742950" indent="-285750" algn="l" defTabSz="457200" rtl="0" eaLnBrk="1" latinLnBrk="0" hangingPunct="1">
+              <a:spcBef>
+                <a:spcPts val="1000"/>
+              </a:spcBef>
+              <a:spcAft>
+                <a:spcPts val="0"/>
+              </a:spcAft>
+              <a:buClr>
+                <a:schemeClr val="accent1"/>
+              </a:buClr>
+              <a:buSzPct val="80000"/>
+              <a:buFont typeface="Wingdings 3" charset="2"/>
+              <a:buChar char=""/>
+              <a:defRPr sz="1800" b="0" i="0" kern="1200">
+                <a:solidFill>
+                  <a:schemeClr val="tx1"/>
+                </a:solidFill>
+                <a:latin typeface="+mj-lt"/>
+                <a:ea typeface="+mj-ea"/>
+                <a:cs typeface="+mj-cs"/>
+              </a:defRPr>
+            </a:lvl2pPr>
+            <a:lvl3pPr marL="1143000" indent="-228600" algn="l" defTabSz="457200" rtl="0" eaLnBrk="1" latinLnBrk="0" hangingPunct="1">
+              <a:spcBef>
+                <a:spcPts val="1000"/>
+              </a:spcBef>
+              <a:spcAft>
+                <a:spcPts val="0"/>
+              </a:spcAft>
+              <a:buClr>
+                <a:schemeClr val="accent1"/>
+              </a:buClr>
+              <a:buSzPct val="80000"/>
+              <a:buFont typeface="Wingdings 3" charset="2"/>
+              <a:buChar char=""/>
+              <a:defRPr sz="1600" b="0" i="0" kern="1200">
+                <a:solidFill>
+                  <a:schemeClr val="tx1"/>
+                </a:solidFill>
+                <a:latin typeface="+mj-lt"/>
+                <a:ea typeface="+mj-ea"/>
+                <a:cs typeface="+mj-cs"/>
+              </a:defRPr>
+            </a:lvl3pPr>
+            <a:lvl4pPr marL="1600200" indent="-228600" algn="l" defTabSz="457200" rtl="0" eaLnBrk="1" latinLnBrk="0" hangingPunct="1">
+              <a:spcBef>
+                <a:spcPts val="1000"/>
+              </a:spcBef>
+              <a:spcAft>
+                <a:spcPts val="0"/>
+              </a:spcAft>
+              <a:buClr>
+                <a:schemeClr val="accent1"/>
+              </a:buClr>
+              <a:buSzPct val="80000"/>
+              <a:buFont typeface="Wingdings 3" charset="2"/>
+              <a:buChar char=""/>
+              <a:defRPr sz="1400" b="0" i="0" kern="1200">
+                <a:solidFill>
+                  <a:schemeClr val="tx1"/>
+                </a:solidFill>
+                <a:latin typeface="+mj-lt"/>
+                <a:ea typeface="+mj-ea"/>
+                <a:cs typeface="+mj-cs"/>
+              </a:defRPr>
+            </a:lvl4pPr>
+            <a:lvl5pPr marL="2057400" indent="-228600" algn="l" defTabSz="457200" rtl="0" eaLnBrk="1" latinLnBrk="0" hangingPunct="1">
+              <a:spcBef>
+                <a:spcPts val="1000"/>
+              </a:spcBef>
+              <a:spcAft>
+                <a:spcPts val="0"/>
+              </a:spcAft>
+              <a:buClr>
+                <a:schemeClr val="accent1"/>
+              </a:buClr>
+              <a:buSzPct val="80000"/>
+              <a:buFont typeface="Wingdings 3" charset="2"/>
+              <a:buChar char=""/>
+              <a:defRPr sz="1400" b="0" i="0" kern="1200">
+                <a:solidFill>
+                  <a:schemeClr val="tx1"/>
+                </a:solidFill>
+                <a:latin typeface="+mj-lt"/>
+                <a:ea typeface="+mj-ea"/>
+                <a:cs typeface="+mj-cs"/>
+              </a:defRPr>
+            </a:lvl5pPr>
+            <a:lvl6pPr marL="2514600" indent="-228600" algn="l" defTabSz="457200" rtl="0" eaLnBrk="1" latinLnBrk="0" hangingPunct="1">
+              <a:spcBef>
+                <a:spcPts val="1000"/>
+              </a:spcBef>
+              <a:spcAft>
+                <a:spcPts val="0"/>
+              </a:spcAft>
+              <a:buClr>
+                <a:schemeClr val="accent1"/>
+              </a:buClr>
+              <a:buSzPct val="80000"/>
+              <a:buFont typeface="Wingdings 3" charset="2"/>
+              <a:buChar char=""/>
+              <a:defRPr sz="1400" b="0" i="0" kern="1200">
+                <a:solidFill>
+                  <a:schemeClr val="tx1"/>
+                </a:solidFill>
+                <a:latin typeface="+mj-lt"/>
+                <a:ea typeface="+mj-ea"/>
+                <a:cs typeface="+mj-cs"/>
+              </a:defRPr>
+            </a:lvl6pPr>
+            <a:lvl7pPr marL="2971800" indent="-228600" algn="l" defTabSz="457200" rtl="0" eaLnBrk="1" latinLnBrk="0" hangingPunct="1">
+              <a:spcBef>
+                <a:spcPts val="1000"/>
+              </a:spcBef>
+              <a:spcAft>
+                <a:spcPts val="0"/>
+              </a:spcAft>
+              <a:buClr>
+                <a:schemeClr val="accent1"/>
+              </a:buClr>
+              <a:buSzPct val="80000"/>
+              <a:buFont typeface="Wingdings 3" charset="2"/>
+              <a:buChar char=""/>
+              <a:defRPr sz="1400" b="0" i="0" kern="1200">
+                <a:solidFill>
+                  <a:schemeClr val="tx1"/>
+                </a:solidFill>
+                <a:latin typeface="+mj-lt"/>
+                <a:ea typeface="+mj-ea"/>
+                <a:cs typeface="+mj-cs"/>
+              </a:defRPr>
+            </a:lvl7pPr>
+            <a:lvl8pPr marL="3429000" indent="-228600" algn="l" defTabSz="457200" rtl="0" eaLnBrk="1" latinLnBrk="0" hangingPunct="1">
+              <a:spcBef>
+                <a:spcPts val="1000"/>
+              </a:spcBef>
+              <a:spcAft>
+                <a:spcPts val="0"/>
+              </a:spcAft>
+              <a:buClr>
+                <a:schemeClr val="accent1"/>
+              </a:buClr>
+              <a:buSzPct val="80000"/>
+              <a:buFont typeface="Wingdings 3" charset="2"/>
+              <a:buChar char=""/>
+              <a:defRPr sz="1400" b="0" i="0" kern="1200">
+                <a:solidFill>
+                  <a:schemeClr val="tx1"/>
+                </a:solidFill>
+                <a:latin typeface="+mj-lt"/>
+                <a:ea typeface="+mj-ea"/>
+                <a:cs typeface="+mj-cs"/>
+              </a:defRPr>
+            </a:lvl8pPr>
+            <a:lvl9pPr marL="3886200" indent="-228600" algn="l" defTabSz="457200" rtl="0" eaLnBrk="1" latinLnBrk="0" hangingPunct="1">
+              <a:spcBef>
+                <a:spcPts val="1000"/>
+              </a:spcBef>
+              <a:spcAft>
+                <a:spcPts val="0"/>
+              </a:spcAft>
+              <a:buClr>
+                <a:schemeClr val="accent1"/>
+              </a:buClr>
+              <a:buSzPct val="80000"/>
+              <a:buFont typeface="Wingdings 3" charset="2"/>
+              <a:buChar char=""/>
+              <a:defRPr sz="1400" b="0" i="0" kern="1200">
+                <a:solidFill>
+                  <a:schemeClr val="tx1"/>
+                </a:solidFill>
+                <a:latin typeface="+mj-lt"/>
+                <a:ea typeface="+mj-ea"/>
+                <a:cs typeface="+mj-cs"/>
+              </a:defRPr>
+            </a:lvl9pPr>
+          </a:lstStyle>
+          <a:p>
+            <a:r>
+              <a:rPr lang="de-DE" dirty="0" err="1" smtClean="0"/>
+              <a:t>Adfadf</a:t>
+            </a:r>
+            <a:endParaRPr lang="de-DE" dirty="0" smtClean="0"/>
+          </a:p>
+          <a:p>
+            <a:r>
+              <a:rPr lang="de-DE" dirty="0" err="1" smtClean="0"/>
+              <a:t>adfadf</a:t>
+            </a:r>
+            <a:endParaRPr lang="de-DE" dirty="0"/>
+          </a:p>
+        </p:txBody>
+      </p:sp>
+    </p:spTree>
+    <p:extLst>
+      <p:ext uri="{BB962C8B-B14F-4D97-AF65-F5344CB8AC3E}">
+        <p14:creationId xmlns:p14="http://schemas.microsoft.com/office/powerpoint/2010/main" val="775034076"/>
+      </p:ext>
+    </p:extLst>
+  </p:cSld>
+  <p:clrMapOvr>
+    <a:masterClrMapping/>
+  </p:clrMapOvr>
+</p:sld>
+</file>
+
+<file path=ppt/slides/slide6.xml><?xml version="1.0" encoding="utf-8"?>
+<p:sld xmlns:a="http://schemas.openxmlformats.org/drawingml/2006/main" xmlns:r="http://schemas.openxmlformats.org/officeDocument/2006/relationships" xmlns:p="http://schemas.openxmlformats.org/presentationml/2006/main">
+  <p:cSld>
+    <p:spTree>
+      <p:nvGrpSpPr>
+        <p:cNvPr id="1" name=""/>
+        <p:cNvGrpSpPr/>
+        <p:nvPr/>
+      </p:nvGrpSpPr>
+      <p:grpSpPr>
+        <a:xfrm>
+          <a:off x="0" y="0"/>
+          <a:ext cx="0" cy="0"/>
+          <a:chOff x="0" y="0"/>
+          <a:chExt cx="0" cy="0"/>
+        </a:xfrm>
+      </p:grpSpPr>
+      <p:sp>
+        <p:nvSpPr>
+          <p:cNvPr id="2" name="Titel 1"/>
+          <p:cNvSpPr>
+            <a:spLocks noGrp="1"/>
+          </p:cNvSpPr>
+          <p:nvPr>
+            <p:ph type="title"/>
+          </p:nvPr>
+        </p:nvSpPr>
+        <p:spPr/>
+        <p:txBody>
+          <a:bodyPr/>
+          <a:lstStyle/>
+          <a:p>
+            <a:r>
+              <a:rPr lang="de-DE" dirty="0" smtClean="0"/>
+              <a:t>Suche</a:t>
+            </a:r>
+            <a:endParaRPr lang="de-DE" dirty="0"/>
+          </a:p>
+        </p:txBody>
+      </p:sp>
+      <p:pic>
+        <p:nvPicPr>
+          <p:cNvPr id="6" name="Inhaltsplatzhalter 5" descr="Bildschirmfoto 2015-06-23 um 22.12.00.png"/>
+          <p:cNvPicPr>
+            <a:picLocks noGrp="1" noChangeAspect="1"/>
+          </p:cNvPicPr>
+          <p:nvPr>
+            <p:ph idx="1"/>
+          </p:nvPr>
+        </p:nvPicPr>
+        <p:blipFill rotWithShape="1">
+          <a:blip r:embed="rId2">
+            <a:extLst>
+              <a:ext uri="{28A0092B-C50C-407E-A947-70E740481C1C}">
+                <a14:useLocalDpi xmlns:a14="http://schemas.microsoft.com/office/drawing/2010/main" val="0"/>
+              </a:ext>
+            </a:extLst>
+          </a:blip>
+          <a:srcRect l="57" t="-882" r="-282408" b="882"/>
+          <a:stretch/>
+        </p:blipFill>
+        <p:spPr>
+          <a:xfrm>
+            <a:off x="1103312" y="2052918"/>
+            <a:ext cx="8946541" cy="4195481"/>
+          </a:xfrm>
+        </p:spPr>
+      </p:pic>
+      <p:sp>
+        <p:nvSpPr>
+          <p:cNvPr id="7" name="Inhaltsplatzhalter 2"/>
+          <p:cNvSpPr txBox="1">
+            <a:spLocks/>
+          </p:cNvSpPr>
+          <p:nvPr/>
+        </p:nvSpPr>
+        <p:spPr>
+          <a:xfrm>
+            <a:off x="3773201" y="2095929"/>
+            <a:ext cx="6429052" cy="4117882"/>
+          </a:xfrm>
+          <a:prstGeom prst="rect">
+            <a:avLst/>
+          </a:prstGeom>
+        </p:spPr>
+        <p:txBody>
+          <a:bodyPr vert="horz" lIns="91440" tIns="45720" rIns="91440" bIns="45720" rtlCol="0">
+            <a:normAutofit/>
+          </a:bodyPr>
+          <a:lstStyle>
+            <a:lvl1pPr marL="342900" indent="-342900" algn="l" defTabSz="457200" rtl="0" eaLnBrk="1" latinLnBrk="0" hangingPunct="1">
+              <a:spcBef>
+                <a:spcPts val="1000"/>
+              </a:spcBef>
+              <a:spcAft>
+                <a:spcPts val="0"/>
+              </a:spcAft>
+              <a:buClr>
+                <a:schemeClr val="accent1"/>
+              </a:buClr>
+              <a:buSzPct val="80000"/>
+              <a:buFont typeface="Wingdings 3" charset="2"/>
+              <a:buChar char=""/>
+              <a:defRPr sz="2000" b="0" i="0" kern="1200">
+                <a:solidFill>
+                  <a:schemeClr val="tx1"/>
+                </a:solidFill>
+                <a:latin typeface="+mj-lt"/>
+                <a:ea typeface="+mj-ea"/>
+                <a:cs typeface="+mj-cs"/>
+              </a:defRPr>
+            </a:lvl1pPr>
+            <a:lvl2pPr marL="742950" indent="-285750" algn="l" defTabSz="457200" rtl="0" eaLnBrk="1" latinLnBrk="0" hangingPunct="1">
+              <a:spcBef>
+                <a:spcPts val="1000"/>
+              </a:spcBef>
+              <a:spcAft>
+                <a:spcPts val="0"/>
+              </a:spcAft>
+              <a:buClr>
+                <a:schemeClr val="accent1"/>
+              </a:buClr>
+              <a:buSzPct val="80000"/>
+              <a:buFont typeface="Wingdings 3" charset="2"/>
+              <a:buChar char=""/>
+              <a:defRPr sz="1800" b="0" i="0" kern="1200">
+                <a:solidFill>
+                  <a:schemeClr val="tx1"/>
+                </a:solidFill>
+                <a:latin typeface="+mj-lt"/>
+                <a:ea typeface="+mj-ea"/>
+                <a:cs typeface="+mj-cs"/>
+              </a:defRPr>
+            </a:lvl2pPr>
+            <a:lvl3pPr marL="1143000" indent="-228600" algn="l" defTabSz="457200" rtl="0" eaLnBrk="1" latinLnBrk="0" hangingPunct="1">
+              <a:spcBef>
+                <a:spcPts val="1000"/>
+              </a:spcBef>
+              <a:spcAft>
+                <a:spcPts val="0"/>
+              </a:spcAft>
+              <a:buClr>
+                <a:schemeClr val="accent1"/>
+              </a:buClr>
+              <a:buSzPct val="80000"/>
+              <a:buFont typeface="Wingdings 3" charset="2"/>
+              <a:buChar char=""/>
+              <a:defRPr sz="1600" b="0" i="0" kern="1200">
+                <a:solidFill>
+                  <a:schemeClr val="tx1"/>
+                </a:solidFill>
+                <a:latin typeface="+mj-lt"/>
+                <a:ea typeface="+mj-ea"/>
+                <a:cs typeface="+mj-cs"/>
+              </a:defRPr>
+            </a:lvl3pPr>
+            <a:lvl4pPr marL="1600200" indent="-228600" algn="l" defTabSz="457200" rtl="0" eaLnBrk="1" latinLnBrk="0" hangingPunct="1">
+              <a:spcBef>
+                <a:spcPts val="1000"/>
+              </a:spcBef>
+              <a:spcAft>
+                <a:spcPts val="0"/>
+              </a:spcAft>
+              <a:buClr>
+                <a:schemeClr val="accent1"/>
+              </a:buClr>
+              <a:buSzPct val="80000"/>
+              <a:buFont typeface="Wingdings 3" charset="2"/>
+              <a:buChar char=""/>
+              <a:defRPr sz="1400" b="0" i="0" kern="1200">
+                <a:solidFill>
+                  <a:schemeClr val="tx1"/>
+                </a:solidFill>
+                <a:latin typeface="+mj-lt"/>
+                <a:ea typeface="+mj-ea"/>
+                <a:cs typeface="+mj-cs"/>
+              </a:defRPr>
+            </a:lvl4pPr>
+            <a:lvl5pPr marL="2057400" indent="-228600" algn="l" defTabSz="457200" rtl="0" eaLnBrk="1" latinLnBrk="0" hangingPunct="1">
+              <a:spcBef>
+                <a:spcPts val="1000"/>
+              </a:spcBef>
+              <a:spcAft>
+                <a:spcPts val="0"/>
+              </a:spcAft>
+              <a:buClr>
+                <a:schemeClr val="accent1"/>
+              </a:buClr>
+              <a:buSzPct val="80000"/>
+              <a:buFont typeface="Wingdings 3" charset="2"/>
+              <a:buChar char=""/>
+              <a:defRPr sz="1400" b="0" i="0" kern="1200">
+                <a:solidFill>
+                  <a:schemeClr val="tx1"/>
+                </a:solidFill>
+                <a:latin typeface="+mj-lt"/>
+                <a:ea typeface="+mj-ea"/>
+                <a:cs typeface="+mj-cs"/>
+              </a:defRPr>
+            </a:lvl5pPr>
+            <a:lvl6pPr marL="2514600" indent="-228600" algn="l" defTabSz="457200" rtl="0" eaLnBrk="1" latinLnBrk="0" hangingPunct="1">
+              <a:spcBef>
+                <a:spcPts val="1000"/>
+              </a:spcBef>
+              <a:spcAft>
+                <a:spcPts val="0"/>
+              </a:spcAft>
+              <a:buClr>
+                <a:schemeClr val="accent1"/>
+              </a:buClr>
+              <a:buSzPct val="80000"/>
+              <a:buFont typeface="Wingdings 3" charset="2"/>
+              <a:buChar char=""/>
+              <a:defRPr sz="1400" b="0" i="0" kern="1200">
+                <a:solidFill>
+                  <a:schemeClr val="tx1"/>
+                </a:solidFill>
+                <a:latin typeface="+mj-lt"/>
+                <a:ea typeface="+mj-ea"/>
+                <a:cs typeface="+mj-cs"/>
+              </a:defRPr>
+            </a:lvl6pPr>
+            <a:lvl7pPr marL="2971800" indent="-228600" algn="l" defTabSz="457200" rtl="0" eaLnBrk="1" latinLnBrk="0" hangingPunct="1">
+              <a:spcBef>
+                <a:spcPts val="1000"/>
+              </a:spcBef>
+              <a:spcAft>
+                <a:spcPts val="0"/>
+              </a:spcAft>
+              <a:buClr>
+                <a:schemeClr val="accent1"/>
+              </a:buClr>
+              <a:buSzPct val="80000"/>
+              <a:buFont typeface="Wingdings 3" charset="2"/>
+              <a:buChar char=""/>
+              <a:defRPr sz="1400" b="0" i="0" kern="1200">
+                <a:solidFill>
+                  <a:schemeClr val="tx1"/>
+                </a:solidFill>
+                <a:latin typeface="+mj-lt"/>
+                <a:ea typeface="+mj-ea"/>
+                <a:cs typeface="+mj-cs"/>
+              </a:defRPr>
+            </a:lvl7pPr>
+            <a:lvl8pPr marL="3429000" indent="-228600" algn="l" defTabSz="457200" rtl="0" eaLnBrk="1" latinLnBrk="0" hangingPunct="1">
+              <a:spcBef>
+                <a:spcPts val="1000"/>
+              </a:spcBef>
+              <a:spcAft>
+                <a:spcPts val="0"/>
+              </a:spcAft>
+              <a:buClr>
+                <a:schemeClr val="accent1"/>
+              </a:buClr>
+              <a:buSzPct val="80000"/>
+              <a:buFont typeface="Wingdings 3" charset="2"/>
+              <a:buChar char=""/>
+              <a:defRPr sz="1400" b="0" i="0" kern="1200">
+                <a:solidFill>
+                  <a:schemeClr val="tx1"/>
+                </a:solidFill>
+                <a:latin typeface="+mj-lt"/>
+                <a:ea typeface="+mj-ea"/>
+                <a:cs typeface="+mj-cs"/>
+              </a:defRPr>
+            </a:lvl8pPr>
+            <a:lvl9pPr marL="3886200" indent="-228600" algn="l" defTabSz="457200" rtl="0" eaLnBrk="1" latinLnBrk="0" hangingPunct="1">
+              <a:spcBef>
+                <a:spcPts val="1000"/>
+              </a:spcBef>
+              <a:spcAft>
+                <a:spcPts val="0"/>
+              </a:spcAft>
+              <a:buClr>
+                <a:schemeClr val="accent1"/>
+              </a:buClr>
+              <a:buSzPct val="80000"/>
+              <a:buFont typeface="Wingdings 3" charset="2"/>
+              <a:buChar char=""/>
+              <a:defRPr sz="1400" b="0" i="0" kern="1200">
+                <a:solidFill>
+                  <a:schemeClr val="tx1"/>
+                </a:solidFill>
+                <a:latin typeface="+mj-lt"/>
+                <a:ea typeface="+mj-ea"/>
+                <a:cs typeface="+mj-cs"/>
+              </a:defRPr>
+            </a:lvl9pPr>
+          </a:lstStyle>
+          <a:p>
+            <a:r>
+              <a:rPr lang="de-DE" dirty="0" err="1" smtClean="0"/>
+              <a:t>Adfadf</a:t>
+            </a:r>
+            <a:endParaRPr lang="de-DE" dirty="0" smtClean="0"/>
+          </a:p>
+          <a:p>
+            <a:r>
+              <a:rPr lang="de-DE" dirty="0" err="1" smtClean="0"/>
+              <a:t>adfadf</a:t>
+            </a:r>
+            <a:endParaRPr lang="de-DE" dirty="0"/>
+          </a:p>
+        </p:txBody>
+      </p:sp>
+    </p:spTree>
+    <p:extLst>
+      <p:ext uri="{BB962C8B-B14F-4D97-AF65-F5344CB8AC3E}">
+        <p14:creationId xmlns:p14="http://schemas.microsoft.com/office/powerpoint/2010/main" val="3316431477"/>
+      </p:ext>
+    </p:extLst>
+  </p:cSld>
+  <p:clrMapOvr>
+    <a:masterClrMapping/>
+  </p:clrMapOvr>
+</p:sld>
+</file>
+
+<file path=ppt/slides/slide7.xml><?xml version="1.0" encoding="utf-8"?>
+<p:sld xmlns:a="http://schemas.openxmlformats.org/drawingml/2006/main" xmlns:r="http://schemas.openxmlformats.org/officeDocument/2006/relationships" xmlns:p="http://schemas.openxmlformats.org/presentationml/2006/main">
+  <p:cSld>
+    <p:spTree>
+      <p:nvGrpSpPr>
+        <p:cNvPr id="1" name=""/>
+        <p:cNvGrpSpPr/>
+        <p:nvPr/>
+      </p:nvGrpSpPr>
+      <p:grpSpPr>
+        <a:xfrm>
+          <a:off x="0" y="0"/>
+          <a:ext cx="0" cy="0"/>
+          <a:chOff x="0" y="0"/>
+          <a:chExt cx="0" cy="0"/>
+        </a:xfrm>
+      </p:grpSpPr>
+      <p:sp>
+        <p:nvSpPr>
+          <p:cNvPr id="2" name="Titel 1"/>
+          <p:cNvSpPr>
+            <a:spLocks noGrp="1"/>
+          </p:cNvSpPr>
+          <p:nvPr>
+            <p:ph type="title"/>
+          </p:nvPr>
+        </p:nvSpPr>
+        <p:spPr/>
+        <p:txBody>
+          <a:bodyPr/>
+          <a:lstStyle/>
+          <a:p>
+            <a:r>
+              <a:rPr lang="de-DE" dirty="0" smtClean="0"/>
+              <a:t>Detail-Seite</a:t>
+            </a:r>
+            <a:endParaRPr lang="de-DE" dirty="0"/>
+          </a:p>
+        </p:txBody>
+      </p:sp>
+      <p:pic>
+        <p:nvPicPr>
+          <p:cNvPr id="4" name="Inhaltsplatzhalter 5" descr="Bildschirmfoto 2015-06-23 um 22.12.00.png"/>
+          <p:cNvPicPr>
+            <a:picLocks noGrp="1" noChangeAspect="1"/>
+          </p:cNvPicPr>
+          <p:nvPr>
+            <p:ph idx="1"/>
+          </p:nvPr>
+        </p:nvPicPr>
+        <p:blipFill rotWithShape="1">
+          <a:blip r:embed="rId2">
+            <a:extLst>
+              <a:ext uri="{28A0092B-C50C-407E-A947-70E740481C1C}">
+                <a14:useLocalDpi xmlns:a14="http://schemas.microsoft.com/office/drawing/2010/main" val="0"/>
+              </a:ext>
+            </a:extLst>
+          </a:blip>
+          <a:srcRect l="57" t="-882" r="-282408" b="882"/>
+          <a:stretch/>
+        </p:blipFill>
+        <p:spPr>
+          <a:xfrm>
+            <a:off x="1103312" y="2052918"/>
+            <a:ext cx="8946541" cy="4195481"/>
+          </a:xfrm>
+        </p:spPr>
+      </p:pic>
+      <p:sp>
+        <p:nvSpPr>
+          <p:cNvPr id="5" name="Inhaltsplatzhalter 2"/>
+          <p:cNvSpPr txBox="1">
+            <a:spLocks/>
+          </p:cNvSpPr>
+          <p:nvPr/>
+        </p:nvSpPr>
+        <p:spPr>
+          <a:xfrm>
+            <a:off x="3773201" y="2095929"/>
+            <a:ext cx="6429052" cy="4117882"/>
+          </a:xfrm>
+          <a:prstGeom prst="rect">
+            <a:avLst/>
+          </a:prstGeom>
+        </p:spPr>
+        <p:txBody>
+          <a:bodyPr vert="horz" lIns="91440" tIns="45720" rIns="91440" bIns="45720" rtlCol="0">
+            <a:normAutofit/>
+          </a:bodyPr>
+          <a:lstStyle>
+            <a:lvl1pPr marL="342900" indent="-342900" algn="l" defTabSz="457200" rtl="0" eaLnBrk="1" latinLnBrk="0" hangingPunct="1">
+              <a:spcBef>
+                <a:spcPts val="1000"/>
+              </a:spcBef>
+              <a:spcAft>
+                <a:spcPts val="0"/>
+              </a:spcAft>
+              <a:buClr>
+                <a:schemeClr val="accent1"/>
+              </a:buClr>
+              <a:buSzPct val="80000"/>
+              <a:buFont typeface="Wingdings 3" charset="2"/>
+              <a:buChar char=""/>
+              <a:defRPr sz="2000" b="0" i="0" kern="1200">
+                <a:solidFill>
+                  <a:schemeClr val="tx1"/>
+                </a:solidFill>
+                <a:latin typeface="+mj-lt"/>
+                <a:ea typeface="+mj-ea"/>
+                <a:cs typeface="+mj-cs"/>
+              </a:defRPr>
+            </a:lvl1pPr>
+            <a:lvl2pPr marL="742950" indent="-285750" algn="l" defTabSz="457200" rtl="0" eaLnBrk="1" latinLnBrk="0" hangingPunct="1">
+              <a:spcBef>
+                <a:spcPts val="1000"/>
+              </a:spcBef>
+              <a:spcAft>
+                <a:spcPts val="0"/>
+              </a:spcAft>
+              <a:buClr>
+                <a:schemeClr val="accent1"/>
+              </a:buClr>
+              <a:buSzPct val="80000"/>
+              <a:buFont typeface="Wingdings 3" charset="2"/>
+              <a:buChar char=""/>
+              <a:defRPr sz="1800" b="0" i="0" kern="1200">
+                <a:solidFill>
+                  <a:schemeClr val="tx1"/>
+                </a:solidFill>
+                <a:latin typeface="+mj-lt"/>
+                <a:ea typeface="+mj-ea"/>
+                <a:cs typeface="+mj-cs"/>
+              </a:defRPr>
+            </a:lvl2pPr>
+            <a:lvl3pPr marL="1143000" indent="-228600" algn="l" defTabSz="457200" rtl="0" eaLnBrk="1" latinLnBrk="0" hangingPunct="1">
+              <a:spcBef>
+                <a:spcPts val="1000"/>
+              </a:spcBef>
+              <a:spcAft>
+                <a:spcPts val="0"/>
+              </a:spcAft>
+              <a:buClr>
+                <a:schemeClr val="accent1"/>
+              </a:buClr>
+              <a:buSzPct val="80000"/>
+              <a:buFont typeface="Wingdings 3" charset="2"/>
+              <a:buChar char=""/>
+              <a:defRPr sz="1600" b="0" i="0" kern="1200">
+                <a:solidFill>
+                  <a:schemeClr val="tx1"/>
+                </a:solidFill>
+                <a:latin typeface="+mj-lt"/>
+                <a:ea typeface="+mj-ea"/>
+                <a:cs typeface="+mj-cs"/>
+              </a:defRPr>
+            </a:lvl3pPr>
+            <a:lvl4pPr marL="1600200" indent="-228600" algn="l" defTabSz="457200" rtl="0" eaLnBrk="1" latinLnBrk="0" hangingPunct="1">
+              <a:spcBef>
+                <a:spcPts val="1000"/>
+              </a:spcBef>
+              <a:spcAft>
+                <a:spcPts val="0"/>
+              </a:spcAft>
+              <a:buClr>
+                <a:schemeClr val="accent1"/>
+              </a:buClr>
+              <a:buSzPct val="80000"/>
+              <a:buFont typeface="Wingdings 3" charset="2"/>
+              <a:buChar char=""/>
+              <a:defRPr sz="1400" b="0" i="0" kern="1200">
+                <a:solidFill>
+                  <a:schemeClr val="tx1"/>
+                </a:solidFill>
+                <a:latin typeface="+mj-lt"/>
+                <a:ea typeface="+mj-ea"/>
+                <a:cs typeface="+mj-cs"/>
+              </a:defRPr>
+            </a:lvl4pPr>
+            <a:lvl5pPr marL="2057400" indent="-228600" algn="l" defTabSz="457200" rtl="0" eaLnBrk="1" latinLnBrk="0" hangingPunct="1">
+              <a:spcBef>
+                <a:spcPts val="1000"/>
+              </a:spcBef>
+              <a:spcAft>
+                <a:spcPts val="0"/>
+              </a:spcAft>
+              <a:buClr>
+                <a:schemeClr val="accent1"/>
+              </a:buClr>
+              <a:buSzPct val="80000"/>
+              <a:buFont typeface="Wingdings 3" charset="2"/>
+              <a:buChar char=""/>
+              <a:defRPr sz="1400" b="0" i="0" kern="1200">
+                <a:solidFill>
+                  <a:schemeClr val="tx1"/>
+                </a:solidFill>
+                <a:latin typeface="+mj-lt"/>
+                <a:ea typeface="+mj-ea"/>
+                <a:cs typeface="+mj-cs"/>
+              </a:defRPr>
+            </a:lvl5pPr>
+            <a:lvl6pPr marL="2514600" indent="-228600" algn="l" defTabSz="457200" rtl="0" eaLnBrk="1" latinLnBrk="0" hangingPunct="1">
+              <a:spcBef>
+                <a:spcPts val="1000"/>
+              </a:spcBef>
+              <a:spcAft>
+                <a:spcPts val="0"/>
+              </a:spcAft>
+              <a:buClr>
+                <a:schemeClr val="accent1"/>
+              </a:buClr>
+              <a:buSzPct val="80000"/>
+              <a:buFont typeface="Wingdings 3" charset="2"/>
+              <a:buChar char=""/>
+              <a:defRPr sz="1400" b="0" i="0" kern="1200">
+                <a:solidFill>
+                  <a:schemeClr val="tx1"/>
+                </a:solidFill>
+                <a:latin typeface="+mj-lt"/>
+                <a:ea typeface="+mj-ea"/>
+                <a:cs typeface="+mj-cs"/>
+              </a:defRPr>
+            </a:lvl6pPr>
+            <a:lvl7pPr marL="2971800" indent="-228600" algn="l" defTabSz="457200" rtl="0" eaLnBrk="1" latinLnBrk="0" hangingPunct="1">
+              <a:spcBef>
+                <a:spcPts val="1000"/>
+              </a:spcBef>
+              <a:spcAft>
+                <a:spcPts val="0"/>
+              </a:spcAft>
+              <a:buClr>
+                <a:schemeClr val="accent1"/>
+              </a:buClr>
+              <a:buSzPct val="80000"/>
+              <a:buFont typeface="Wingdings 3" charset="2"/>
+              <a:buChar char=""/>
+              <a:defRPr sz="1400" b="0" i="0" kern="1200">
+                <a:solidFill>
+                  <a:schemeClr val="tx1"/>
+                </a:solidFill>
+                <a:latin typeface="+mj-lt"/>
+                <a:ea typeface="+mj-ea"/>
+                <a:cs typeface="+mj-cs"/>
+              </a:defRPr>
+            </a:lvl7pPr>
+            <a:lvl8pPr marL="3429000" indent="-228600" algn="l" defTabSz="457200" rtl="0" eaLnBrk="1" latinLnBrk="0" hangingPunct="1">
+              <a:spcBef>
+                <a:spcPts val="1000"/>
+              </a:spcBef>
+              <a:spcAft>
+                <a:spcPts val="0"/>
+              </a:spcAft>
+              <a:buClr>
+                <a:schemeClr val="accent1"/>
+              </a:buClr>
+              <a:buSzPct val="80000"/>
+              <a:buFont typeface="Wingdings 3" charset="2"/>
+              <a:buChar char=""/>
+              <a:defRPr sz="1400" b="0" i="0" kern="1200">
+                <a:solidFill>
+                  <a:schemeClr val="tx1"/>
+                </a:solidFill>
+                <a:latin typeface="+mj-lt"/>
+                <a:ea typeface="+mj-ea"/>
+                <a:cs typeface="+mj-cs"/>
+              </a:defRPr>
+            </a:lvl8pPr>
+            <a:lvl9pPr marL="3886200" indent="-228600" algn="l" defTabSz="457200" rtl="0" eaLnBrk="1" latinLnBrk="0" hangingPunct="1">
+              <a:spcBef>
+                <a:spcPts val="1000"/>
+              </a:spcBef>
+              <a:spcAft>
+                <a:spcPts val="0"/>
+              </a:spcAft>
+              <a:buClr>
+                <a:schemeClr val="accent1"/>
+              </a:buClr>
+              <a:buSzPct val="80000"/>
+              <a:buFont typeface="Wingdings 3" charset="2"/>
+              <a:buChar char=""/>
+              <a:defRPr sz="1400" b="0" i="0" kern="1200">
+                <a:solidFill>
+                  <a:schemeClr val="tx1"/>
+                </a:solidFill>
+                <a:latin typeface="+mj-lt"/>
+                <a:ea typeface="+mj-ea"/>
+                <a:cs typeface="+mj-cs"/>
+              </a:defRPr>
+            </a:lvl9pPr>
+          </a:lstStyle>
+          <a:p>
+            <a:r>
+              <a:rPr lang="de-DE" dirty="0" err="1" smtClean="0"/>
+              <a:t>Adfadf</a:t>
+            </a:r>
+            <a:endParaRPr lang="de-DE" dirty="0" smtClean="0"/>
+          </a:p>
+          <a:p>
+            <a:r>
+              <a:rPr lang="de-DE" dirty="0" err="1" smtClean="0"/>
+              <a:t>adfadf</a:t>
+            </a:r>
+            <a:endParaRPr lang="de-DE" dirty="0"/>
+          </a:p>
+        </p:txBody>
+      </p:sp>
+    </p:spTree>
+    <p:extLst>
+      <p:ext uri="{BB962C8B-B14F-4D97-AF65-F5344CB8AC3E}">
+        <p14:creationId xmlns:p14="http://schemas.microsoft.com/office/powerpoint/2010/main" val="1109848632"/>
+      </p:ext>
+    </p:extLst>
+  </p:cSld>
+  <p:clrMapOvr>
+    <a:masterClrMapping/>
+  </p:clrMapOvr>
+</p:sld>
+</file>
+
+<file path=ppt/slides/slide8.xml><?xml version="1.0" encoding="utf-8"?>
+<p:sld xmlns:a="http://schemas.openxmlformats.org/drawingml/2006/main" xmlns:r="http://schemas.openxmlformats.org/officeDocument/2006/relationships" xmlns:p="http://schemas.openxmlformats.org/presentationml/2006/main">
+  <p:cSld>
+    <p:spTree>
+      <p:nvGrpSpPr>
+        <p:cNvPr id="1" name=""/>
+        <p:cNvGrpSpPr/>
+        <p:nvPr/>
+      </p:nvGrpSpPr>
+      <p:grpSpPr>
+        <a:xfrm>
+          <a:off x="0" y="0"/>
+          <a:ext cx="0" cy="0"/>
+          <a:chOff x="0" y="0"/>
+          <a:chExt cx="0" cy="0"/>
+        </a:xfrm>
+      </p:grpSpPr>
+      <p:sp>
+        <p:nvSpPr>
+          <p:cNvPr id="2" name="Titel 1"/>
+          <p:cNvSpPr>
+            <a:spLocks noGrp="1"/>
+          </p:cNvSpPr>
+          <p:nvPr>
+            <p:ph type="ctrTitle"/>
+          </p:nvPr>
+        </p:nvSpPr>
+        <p:spPr/>
+        <p:txBody>
+          <a:bodyPr/>
+          <a:lstStyle/>
+          <a:p>
+            <a:r>
+              <a:rPr lang="de-DE" dirty="0" err="1" smtClean="0"/>
+              <a:t>Rezeptapp</a:t>
+            </a:r>
+            <a:endParaRPr lang="de-DE" dirty="0"/>
+          </a:p>
+        </p:txBody>
+      </p:sp>
+      <p:sp>
+        <p:nvSpPr>
+          <p:cNvPr id="3" name="Untertitel 2"/>
+          <p:cNvSpPr>
+            <a:spLocks noGrp="1"/>
+          </p:cNvSpPr>
+          <p:nvPr>
+            <p:ph type="subTitle" idx="1"/>
+          </p:nvPr>
+        </p:nvSpPr>
+        <p:spPr/>
+        <p:txBody>
+          <a:bodyPr/>
+          <a:lstStyle/>
+          <a:p>
+            <a:r>
+              <a:rPr lang="de-DE" dirty="0" smtClean="0"/>
+              <a:t>App-programmierung von Anna S. Rodewald und </a:t>
+            </a:r>
+            <a:r>
+              <a:rPr lang="de-DE" dirty="0" err="1" smtClean="0"/>
+              <a:t>wenja</a:t>
+            </a:r>
+            <a:r>
+              <a:rPr lang="de-DE" dirty="0" smtClean="0"/>
+              <a:t> </a:t>
+            </a:r>
+            <a:r>
+              <a:rPr lang="de-DE" dirty="0" err="1" smtClean="0"/>
+              <a:t>shan</a:t>
+            </a:r>
+            <a:endParaRPr lang="de-DE" dirty="0"/>
+          </a:p>
+        </p:txBody>
+      </p:sp>
+    </p:spTree>
+    <p:extLst>
+      <p:ext uri="{BB962C8B-B14F-4D97-AF65-F5344CB8AC3E}">
+        <p14:creationId xmlns:p14="http://schemas.microsoft.com/office/powerpoint/2010/main" val="876706863"/>
+      </p:ext>
+    </p:extLst>
+  </p:cSld>
+  <p:clrMapOvr>
+    <a:masterClrMapping/>
+  </p:clrMapOvr>
+  <p:timing>
+    <p:tnLst>
+      <p:par>
+        <p:cTn xmlns:p14="http://schemas.microsoft.com/office/powerpoint/2010/main" id="1" dur="indefinite" restart="never" nodeType="tmRoot"/>
+      </p:par>
+    </p:tnLst>
+  </p:timing>
 </p:sld>
 </file>
 

--- a/Rezptapp.pptx
+++ b/Rezptapp.pptx
@@ -5,17 +5,20 @@
     <p:sldMasterId id="2147483671" r:id="rId1"/>
   </p:sldMasterIdLst>
   <p:notesMasterIdLst>
-    <p:notesMasterId r:id="rId10"/>
+    <p:notesMasterId r:id="rId13"/>
   </p:notesMasterIdLst>
   <p:sldIdLst>
     <p:sldId id="256" r:id="rId2"/>
     <p:sldId id="257" r:id="rId3"/>
     <p:sldId id="258" r:id="rId4"/>
     <p:sldId id="259" r:id="rId5"/>
-    <p:sldId id="260" r:id="rId6"/>
-    <p:sldId id="261" r:id="rId7"/>
-    <p:sldId id="262" r:id="rId8"/>
-    <p:sldId id="263" r:id="rId9"/>
+    <p:sldId id="266" r:id="rId6"/>
+    <p:sldId id="260" r:id="rId7"/>
+    <p:sldId id="261" r:id="rId8"/>
+    <p:sldId id="262" r:id="rId9"/>
+    <p:sldId id="265" r:id="rId10"/>
+    <p:sldId id="264" r:id="rId11"/>
+    <p:sldId id="263" r:id="rId12"/>
   </p:sldIdLst>
   <p:sldSz cx="12192000" cy="6858000"/>
   <p:notesSz cx="6858000" cy="9144000"/>
@@ -204,7 +207,7 @@
           <a:p>
             <a:fld id="{9F85C77C-F69C-4500-9FAE-D7D50C9B1661}" type="datetimeFigureOut">
               <a:rPr lang="de-DE"/>
-              <a:t>23.06.15</a:t>
+              <a:t>24.06.15</a:t>
             </a:fld>
             <a:endParaRPr lang="de-DE"/>
           </a:p>
@@ -704,7 +707,7 @@
           <a:p>
             <a:fld id="{0F565E2B-0033-4D47-8B58-5FB2078FE6FF}" type="slidenum">
               <a:rPr lang="de-DE"/>
-              <a:t>8</a:t>
+              <a:t>11</a:t>
             </a:fld>
             <a:endParaRPr lang="de-DE"/>
           </a:p>
@@ -906,7 +909,7 @@
           <a:p>
             <a:fld id="{4AAD347D-5ACD-4C99-B74B-A9C85AD731AF}" type="datetimeFigureOut">
               <a:rPr lang="en-US" smtClean="0"/>
-              <a:t>23.06.15</a:t>
+              <a:t>24.06.15</a:t>
             </a:fld>
             <a:endParaRPr lang="en-US" dirty="0"/>
           </a:p>
@@ -1181,7 +1184,7 @@
           <a:p>
             <a:fld id="{4509A250-FF31-4206-8172-F9D3106AACB1}" type="datetimeFigureOut">
               <a:rPr lang="en-US" smtClean="0"/>
-              <a:t>23.06.15</a:t>
+              <a:t>24.06.15</a:t>
             </a:fld>
             <a:endParaRPr lang="en-US" dirty="0"/>
           </a:p>
@@ -1375,7 +1378,7 @@
           <a:p>
             <a:fld id="{4509A250-FF31-4206-8172-F9D3106AACB1}" type="datetimeFigureOut">
               <a:rPr lang="en-US" smtClean="0"/>
-              <a:t>23.06.15</a:t>
+              <a:t>24.06.15</a:t>
             </a:fld>
             <a:endParaRPr lang="en-US" dirty="0"/>
           </a:p>
@@ -1643,7 +1646,7 @@
           <a:p>
             <a:fld id="{4509A250-FF31-4206-8172-F9D3106AACB1}" type="datetimeFigureOut">
               <a:rPr lang="en-US" smtClean="0"/>
-              <a:t>23.06.15</a:t>
+              <a:t>24.06.15</a:t>
             </a:fld>
             <a:endParaRPr lang="en-US" dirty="0"/>
           </a:p>
@@ -1975,7 +1978,7 @@
           <a:p>
             <a:fld id="{4509A250-FF31-4206-8172-F9D3106AACB1}" type="datetimeFigureOut">
               <a:rPr lang="en-US" smtClean="0"/>
-              <a:t>23.06.15</a:t>
+              <a:t>24.06.15</a:t>
             </a:fld>
             <a:endParaRPr lang="en-US" dirty="0"/>
           </a:p>
@@ -2585,7 +2588,7 @@
           <a:p>
             <a:fld id="{4509A250-FF31-4206-8172-F9D3106AACB1}" type="datetimeFigureOut">
               <a:rPr lang="en-US" smtClean="0"/>
-              <a:t>23.06.15</a:t>
+              <a:t>24.06.15</a:t>
             </a:fld>
             <a:endParaRPr lang="en-US" dirty="0"/>
           </a:p>
@@ -3432,7 +3435,7 @@
           <a:p>
             <a:fld id="{4509A250-FF31-4206-8172-F9D3106AACB1}" type="datetimeFigureOut">
               <a:rPr lang="en-US" smtClean="0"/>
-              <a:t>23.06.15</a:t>
+              <a:t>24.06.15</a:t>
             </a:fld>
             <a:endParaRPr lang="en-US" dirty="0"/>
           </a:p>
@@ -3602,7 +3605,7 @@
           <a:p>
             <a:fld id="{4509A250-FF31-4206-8172-F9D3106AACB1}" type="datetimeFigureOut">
               <a:rPr lang="en-US" smtClean="0"/>
-              <a:t>23.06.15</a:t>
+              <a:t>24.06.15</a:t>
             </a:fld>
             <a:endParaRPr lang="en-US" dirty="0"/>
           </a:p>
@@ -3782,7 +3785,7 @@
           <a:p>
             <a:fld id="{4509A250-FF31-4206-8172-F9D3106AACB1}" type="datetimeFigureOut">
               <a:rPr lang="en-US" smtClean="0"/>
-              <a:t>23.06.15</a:t>
+              <a:t>24.06.15</a:t>
             </a:fld>
             <a:endParaRPr lang="en-US" dirty="0"/>
           </a:p>
@@ -3952,7 +3955,7 @@
           <a:p>
             <a:fld id="{4509A250-FF31-4206-8172-F9D3106AACB1}" type="datetimeFigureOut">
               <a:rPr lang="en-US" smtClean="0"/>
-              <a:t>23.06.15</a:t>
+              <a:t>24.06.15</a:t>
             </a:fld>
             <a:endParaRPr lang="en-US" dirty="0"/>
           </a:p>
@@ -4196,7 +4199,7 @@
           <a:p>
             <a:fld id="{9796027F-7875-4030-9381-8BD8C4F21935}" type="datetimeFigureOut">
               <a:rPr lang="en-US" smtClean="0"/>
-              <a:t>23.06.15</a:t>
+              <a:t>24.06.15</a:t>
             </a:fld>
             <a:endParaRPr lang="en-US" dirty="0"/>
           </a:p>
@@ -4488,7 +4491,7 @@
           <a:p>
             <a:fld id="{9796027F-7875-4030-9381-8BD8C4F21935}" type="datetimeFigureOut">
               <a:rPr lang="en-US" smtClean="0"/>
-              <a:t>23.06.15</a:t>
+              <a:t>24.06.15</a:t>
             </a:fld>
             <a:endParaRPr lang="en-US" dirty="0"/>
           </a:p>
@@ -4926,7 +4929,7 @@
           <a:p>
             <a:fld id="{9796027F-7875-4030-9381-8BD8C4F21935}" type="datetimeFigureOut">
               <a:rPr lang="en-US" smtClean="0"/>
-              <a:t>23.06.15</a:t>
+              <a:t>24.06.15</a:t>
             </a:fld>
             <a:endParaRPr lang="en-US" dirty="0"/>
           </a:p>
@@ -5044,7 +5047,7 @@
           <a:p>
             <a:fld id="{4509A250-FF31-4206-8172-F9D3106AACB1}" type="datetimeFigureOut">
               <a:rPr lang="en-US" smtClean="0"/>
-              <a:t>23.06.15</a:t>
+              <a:t>24.06.15</a:t>
             </a:fld>
             <a:endParaRPr lang="en-US" dirty="0"/>
           </a:p>
@@ -5139,7 +5142,7 @@
           <a:p>
             <a:fld id="{4509A250-FF31-4206-8172-F9D3106AACB1}" type="datetimeFigureOut">
               <a:rPr lang="en-US" smtClean="0"/>
-              <a:t>23.06.15</a:t>
+              <a:t>24.06.15</a:t>
             </a:fld>
             <a:endParaRPr lang="en-US" dirty="0"/>
           </a:p>
@@ -5418,7 +5421,7 @@
           <a:p>
             <a:fld id="{4509A250-FF31-4206-8172-F9D3106AACB1}" type="datetimeFigureOut">
               <a:rPr lang="en-US" smtClean="0"/>
-              <a:t>23.06.15</a:t>
+              <a:t>24.06.15</a:t>
             </a:fld>
             <a:endParaRPr lang="en-US" dirty="0"/>
           </a:p>
@@ -5693,7 +5696,7 @@
           <a:p>
             <a:fld id="{4509A250-FF31-4206-8172-F9D3106AACB1}" type="datetimeFigureOut">
               <a:rPr lang="en-US" smtClean="0"/>
-              <a:t>23.06.15</a:t>
+              <a:t>24.06.15</a:t>
             </a:fld>
             <a:endParaRPr lang="en-US" dirty="0"/>
           </a:p>
@@ -6122,7 +6125,7 @@
           <a:p>
             <a:fld id="{4AAD347D-5ACD-4C99-B74B-A9C85AD731AF}" type="datetimeFigureOut">
               <a:rPr lang="en-US" smtClean="0"/>
-              <a:t>23.06.15</a:t>
+              <a:t>24.06.15</a:t>
             </a:fld>
             <a:endParaRPr lang="en-US" dirty="0"/>
           </a:p>
@@ -6702,6 +6705,199 @@
 </p:sld>
 </file>
 
+<file path=ppt/slides/slide10.xml><?xml version="1.0" encoding="utf-8"?>
+<p:sld xmlns:a="http://schemas.openxmlformats.org/drawingml/2006/main" xmlns:r="http://schemas.openxmlformats.org/officeDocument/2006/relationships" xmlns:p="http://schemas.openxmlformats.org/presentationml/2006/main">
+  <p:cSld>
+    <p:spTree>
+      <p:nvGrpSpPr>
+        <p:cNvPr id="1" name=""/>
+        <p:cNvGrpSpPr/>
+        <p:nvPr/>
+      </p:nvGrpSpPr>
+      <p:grpSpPr>
+        <a:xfrm>
+          <a:off x="0" y="0"/>
+          <a:ext cx="0" cy="0"/>
+          <a:chOff x="0" y="0"/>
+          <a:chExt cx="0" cy="0"/>
+        </a:xfrm>
+      </p:grpSpPr>
+      <p:sp>
+        <p:nvSpPr>
+          <p:cNvPr id="2" name="Titel 1"/>
+          <p:cNvSpPr>
+            <a:spLocks noGrp="1"/>
+          </p:cNvSpPr>
+          <p:nvPr>
+            <p:ph type="title"/>
+          </p:nvPr>
+        </p:nvSpPr>
+        <p:spPr/>
+        <p:txBody>
+          <a:bodyPr/>
+          <a:lstStyle/>
+          <a:p>
+            <a:r>
+              <a:rPr lang="de-DE" dirty="0" smtClean="0"/>
+              <a:t>Besonderheiten</a:t>
+            </a:r>
+            <a:endParaRPr lang="de-DE" dirty="0"/>
+          </a:p>
+        </p:txBody>
+      </p:sp>
+      <p:sp>
+        <p:nvSpPr>
+          <p:cNvPr id="3" name="Inhaltsplatzhalter 2"/>
+          <p:cNvSpPr>
+            <a:spLocks noGrp="1"/>
+          </p:cNvSpPr>
+          <p:nvPr>
+            <p:ph idx="1"/>
+          </p:nvPr>
+        </p:nvSpPr>
+        <p:spPr/>
+        <p:txBody>
+          <a:bodyPr/>
+          <a:lstStyle/>
+          <a:p>
+            <a:r>
+              <a:rPr lang="de-DE" dirty="0" smtClean="0"/>
+              <a:t>Datenbankanbindung </a:t>
+            </a:r>
+            <a:r>
+              <a:rPr lang="de-DE" dirty="0" smtClean="0">
+                <a:sym typeface="Wingdings"/>
+              </a:rPr>
+              <a:t> Lokale Speicherung</a:t>
+            </a:r>
+          </a:p>
+          <a:p>
+            <a:r>
+              <a:rPr lang="de-DE" dirty="0" smtClean="0">
+                <a:sym typeface="Wingdings"/>
+              </a:rPr>
+              <a:t>Rezept nach Personenzahl anpassen</a:t>
+            </a:r>
+          </a:p>
+          <a:p>
+            <a:r>
+              <a:rPr lang="de-DE" dirty="0" smtClean="0">
+                <a:sym typeface="Wingdings"/>
+              </a:rPr>
+              <a:t>Zubereitung in Listenform </a:t>
+            </a:r>
+            <a:endParaRPr lang="de-DE" dirty="0"/>
+          </a:p>
+        </p:txBody>
+      </p:sp>
+    </p:spTree>
+    <p:extLst>
+      <p:ext uri="{BB962C8B-B14F-4D97-AF65-F5344CB8AC3E}">
+        <p14:creationId xmlns:p14="http://schemas.microsoft.com/office/powerpoint/2010/main" val="789704548"/>
+      </p:ext>
+    </p:extLst>
+  </p:cSld>
+  <p:clrMapOvr>
+    <a:masterClrMapping/>
+  </p:clrMapOvr>
+</p:sld>
+</file>
+
+<file path=ppt/slides/slide11.xml><?xml version="1.0" encoding="utf-8"?>
+<p:sld xmlns:a="http://schemas.openxmlformats.org/drawingml/2006/main" xmlns:r="http://schemas.openxmlformats.org/officeDocument/2006/relationships" xmlns:p="http://schemas.openxmlformats.org/presentationml/2006/main">
+  <p:cSld>
+    <p:spTree>
+      <p:nvGrpSpPr>
+        <p:cNvPr id="1" name=""/>
+        <p:cNvGrpSpPr/>
+        <p:nvPr/>
+      </p:nvGrpSpPr>
+      <p:grpSpPr>
+        <a:xfrm>
+          <a:off x="0" y="0"/>
+          <a:ext cx="0" cy="0"/>
+          <a:chOff x="0" y="0"/>
+          <a:chExt cx="0" cy="0"/>
+        </a:xfrm>
+      </p:grpSpPr>
+      <p:sp>
+        <p:nvSpPr>
+          <p:cNvPr id="2" name="Titel 1"/>
+          <p:cNvSpPr>
+            <a:spLocks noGrp="1"/>
+          </p:cNvSpPr>
+          <p:nvPr>
+            <p:ph type="ctrTitle"/>
+          </p:nvPr>
+        </p:nvSpPr>
+        <p:spPr/>
+        <p:txBody>
+          <a:bodyPr/>
+          <a:lstStyle/>
+          <a:p>
+            <a:r>
+              <a:rPr lang="de-DE" dirty="0" err="1" smtClean="0"/>
+              <a:t>Rezeptapp</a:t>
+            </a:r>
+            <a:endParaRPr lang="de-DE" dirty="0"/>
+          </a:p>
+        </p:txBody>
+      </p:sp>
+      <p:sp>
+        <p:nvSpPr>
+          <p:cNvPr id="3" name="Untertitel 2"/>
+          <p:cNvSpPr>
+            <a:spLocks noGrp="1"/>
+          </p:cNvSpPr>
+          <p:nvPr>
+            <p:ph type="subTitle" idx="1"/>
+          </p:nvPr>
+        </p:nvSpPr>
+        <p:spPr/>
+        <p:txBody>
+          <a:bodyPr/>
+          <a:lstStyle/>
+          <a:p>
+            <a:r>
+              <a:rPr lang="de-DE" dirty="0" smtClean="0"/>
+              <a:t>App-programmierung von Anna S. Rodewald und </a:t>
+            </a:r>
+            <a:r>
+              <a:rPr lang="de-DE" dirty="0" err="1" smtClean="0"/>
+              <a:t>wenja</a:t>
+            </a:r>
+            <a:r>
+              <a:rPr lang="de-DE" dirty="0" smtClean="0"/>
+              <a:t> </a:t>
+            </a:r>
+            <a:r>
+              <a:rPr lang="de-DE" dirty="0" err="1" smtClean="0"/>
+              <a:t>shan</a:t>
+            </a:r>
+            <a:endParaRPr lang="de-DE" dirty="0"/>
+          </a:p>
+        </p:txBody>
+      </p:sp>
+    </p:spTree>
+    <p:extLst>
+      <p:ext uri="{BB962C8B-B14F-4D97-AF65-F5344CB8AC3E}">
+        <p14:creationId xmlns:p14="http://schemas.microsoft.com/office/powerpoint/2010/main" val="876706863"/>
+      </p:ext>
+    </p:extLst>
+  </p:cSld>
+  <p:clrMapOvr>
+    <a:masterClrMapping/>
+  </p:clrMapOvr>
+  <p:timing>
+    <p:tnLst>
+      <p:par>
+        <p:cTn xmlns:p14="http://schemas.microsoft.com/office/powerpoint/2010/main" id="1" dur="indefinite" restart="never" nodeType="tmRoot"/>
+      </p:par>
+    </p:tnLst>
+  </p:timing>
+</p:sld>
+</file>
+
 <file path=ppt/slides/slide2.xml><?xml version="1.0" encoding="utf-8"?>
 <p:sld xmlns:a="http://schemas.openxmlformats.org/drawingml/2006/main" xmlns:r="http://schemas.openxmlformats.org/officeDocument/2006/relationships" xmlns:p="http://schemas.openxmlformats.org/presentationml/2006/main">
   <p:cSld>
@@ -6754,30 +6950,32 @@
         </p:nvSpPr>
         <p:spPr/>
         <p:txBody>
-          <a:bodyPr/>
+          <a:bodyPr>
+            <a:normAutofit/>
+          </a:bodyPr>
           <a:lstStyle/>
           <a:p>
             <a:r>
-              <a:rPr lang="de-DE" dirty="0" err="1" smtClean="0"/>
+              <a:rPr lang="de-DE" sz="2800" dirty="0" err="1" smtClean="0"/>
               <a:t>Use</a:t>
             </a:r>
             <a:r>
-              <a:rPr lang="de-DE" dirty="0" smtClean="0"/>
+              <a:rPr lang="de-DE" sz="2800" dirty="0" smtClean="0"/>
               <a:t> Case</a:t>
             </a:r>
           </a:p>
           <a:p>
             <a:r>
-              <a:rPr lang="de-DE" dirty="0" smtClean="0"/>
+              <a:rPr lang="de-DE" sz="2800" dirty="0" smtClean="0"/>
               <a:t>Screenshots</a:t>
             </a:r>
           </a:p>
           <a:p>
             <a:r>
-              <a:rPr lang="de-DE" dirty="0" smtClean="0"/>
+              <a:rPr lang="de-DE" sz="2800" dirty="0" smtClean="0"/>
               <a:t>Besonderheiten</a:t>
             </a:r>
-            <a:endParaRPr lang="de-DE" dirty="0"/>
+            <a:endParaRPr lang="de-DE" sz="2800" dirty="0"/>
           </a:p>
         </p:txBody>
       </p:sp>
@@ -6832,7 +7030,11 @@
             </a:r>
             <a:r>
               <a:rPr lang="de-DE" dirty="0" smtClean="0"/>
-              <a:t> Case</a:t>
+              <a:t> </a:t>
+            </a:r>
+            <a:r>
+              <a:rPr lang="de-DE" dirty="0" smtClean="0"/>
+              <a:t>Case - Privatperson</a:t>
             </a:r>
             <a:endParaRPr lang="de-DE" dirty="0"/>
           </a:p>
@@ -6855,9 +7057,31 @@
           <a:p>
             <a:r>
               <a:rPr lang="de-DE" dirty="0" smtClean="0"/>
-              <a:t>Ein Diagramm vielleicht? </a:t>
-            </a:r>
-            <a:endParaRPr lang="de-DE" dirty="0"/>
+              <a:t>Tagesrezept und Rezeptvorschläge anschauen  </a:t>
+            </a:r>
+          </a:p>
+          <a:p>
+            <a:r>
+              <a:rPr lang="de-DE" dirty="0" smtClean="0"/>
+              <a:t>Rezept erstellen</a:t>
+            </a:r>
+            <a:r>
+              <a:rPr lang="de-DE" dirty="0" smtClean="0"/>
+              <a:t> </a:t>
+            </a:r>
+          </a:p>
+          <a:p>
+            <a:r>
+              <a:rPr lang="de-DE" dirty="0" smtClean="0"/>
+              <a:t>Rezept merken / favorisieren</a:t>
+            </a:r>
+          </a:p>
+          <a:p>
+            <a:r>
+              <a:rPr lang="de-DE" dirty="0" smtClean="0"/>
+              <a:t>Rezept suchen</a:t>
+            </a:r>
+            <a:endParaRPr lang="de-DE" dirty="0" smtClean="0"/>
           </a:p>
         </p:txBody>
       </p:sp>
@@ -7160,17 +7384,16 @@
           </a:lstStyle>
           <a:p>
             <a:r>
-              <a:rPr lang="de-DE" dirty="0" err="1" smtClean="0"/>
-              <a:t>Adfadf</a:t>
+              <a:rPr lang="de-DE" dirty="0" smtClean="0"/>
+              <a:t>Rezepte einfügen</a:t>
             </a:r>
             <a:endParaRPr lang="de-DE" dirty="0" smtClean="0"/>
           </a:p>
           <a:p>
             <a:r>
-              <a:rPr lang="de-DE" dirty="0" err="1" smtClean="0"/>
-              <a:t>adfadf</a:t>
-            </a:r>
-            <a:endParaRPr lang="de-DE" dirty="0"/>
+              <a:rPr lang="de-DE" dirty="0" smtClean="0"/>
+              <a:t>Tagesrezepte anzeigen</a:t>
+            </a:r>
           </a:p>
         </p:txBody>
       </p:sp>
@@ -7221,7 +7444,7 @@
           <a:p>
             <a:r>
               <a:rPr lang="de-DE" dirty="0" smtClean="0"/>
-              <a:t>Merkzettel</a:t>
+              <a:t>Rezept eintragen</a:t>
             </a:r>
             <a:endParaRPr lang="de-DE" dirty="0"/>
           </a:p>
@@ -7229,7 +7452,7 @@
       </p:sp>
       <p:pic>
         <p:nvPicPr>
-          <p:cNvPr id="6" name="Inhaltsplatzhalter 5" descr="Bildschirmfoto 2015-06-23 um 22.12.00.png"/>
+          <p:cNvPr id="4" name="Inhaltsplatzhalter 5" descr="Bildschirmfoto 2015-06-23 um 22.12.00.png"/>
           <p:cNvPicPr>
             <a:picLocks noGrp="1" noChangeAspect="1"/>
           </p:cNvPicPr>
@@ -7248,11 +7471,16 @@
           <a:srcRect l="57" t="-882" r="-282408" b="882"/>
           <a:stretch/>
         </p:blipFill>
-        <p:spPr/>
+        <p:spPr>
+          <a:xfrm>
+            <a:off x="1103312" y="2052918"/>
+            <a:ext cx="8946541" cy="4195481"/>
+          </a:xfrm>
+        </p:spPr>
       </p:pic>
       <p:sp>
         <p:nvSpPr>
-          <p:cNvPr id="9" name="Inhaltsplatzhalter 2"/>
+          <p:cNvPr id="5" name="Inhaltsplatzhalter 2"/>
           <p:cNvSpPr txBox="1">
             <a:spLocks/>
           </p:cNvSpPr>
@@ -7473,24 +7701,31 @@
           </a:lstStyle>
           <a:p>
             <a:r>
-              <a:rPr lang="de-DE" dirty="0" err="1" smtClean="0"/>
-              <a:t>Adfadf</a:t>
+              <a:rPr lang="de-DE" dirty="0" smtClean="0"/>
+              <a:t>Eigene Rezepte eintragen </a:t>
+            </a:r>
+          </a:p>
+          <a:p>
+            <a:pPr lvl="1"/>
+            <a:r>
+              <a:rPr lang="de-DE" dirty="0" smtClean="0"/>
+              <a:t>Zutaten hinzufügen </a:t>
+            </a:r>
+          </a:p>
+          <a:p>
+            <a:pPr lvl="1"/>
+            <a:r>
+              <a:rPr lang="de-DE" dirty="0" smtClean="0"/>
+              <a:t>Arbeitsschritte definieren</a:t>
             </a:r>
             <a:endParaRPr lang="de-DE" dirty="0" smtClean="0"/>
-          </a:p>
-          <a:p>
-            <a:r>
-              <a:rPr lang="de-DE" dirty="0" err="1" smtClean="0"/>
-              <a:t>adfadf</a:t>
-            </a:r>
-            <a:endParaRPr lang="de-DE" dirty="0"/>
           </a:p>
         </p:txBody>
       </p:sp>
     </p:spTree>
     <p:extLst>
       <p:ext uri="{BB962C8B-B14F-4D97-AF65-F5344CB8AC3E}">
-        <p14:creationId xmlns:p14="http://schemas.microsoft.com/office/powerpoint/2010/main" val="775034076"/>
+        <p14:creationId xmlns:p14="http://schemas.microsoft.com/office/powerpoint/2010/main" val="4064448407"/>
       </p:ext>
     </p:extLst>
   </p:cSld>
@@ -7534,7 +7769,7 @@
           <a:p>
             <a:r>
               <a:rPr lang="de-DE" dirty="0" smtClean="0"/>
-              <a:t>Suche</a:t>
+              <a:t>Merkzettel</a:t>
             </a:r>
             <a:endParaRPr lang="de-DE" dirty="0"/>
           </a:p>
@@ -7561,16 +7796,11 @@
           <a:srcRect l="57" t="-882" r="-282408" b="882"/>
           <a:stretch/>
         </p:blipFill>
-        <p:spPr>
-          <a:xfrm>
-            <a:off x="1103312" y="2052918"/>
-            <a:ext cx="8946541" cy="4195481"/>
-          </a:xfrm>
-        </p:spPr>
+        <p:spPr/>
       </p:pic>
       <p:sp>
         <p:nvSpPr>
-          <p:cNvPr id="7" name="Inhaltsplatzhalter 2"/>
+          <p:cNvPr id="9" name="Inhaltsplatzhalter 2"/>
           <p:cNvSpPr txBox="1">
             <a:spLocks/>
           </p:cNvSpPr>
@@ -7791,15 +8021,21 @@
           </a:lstStyle>
           <a:p>
             <a:r>
-              <a:rPr lang="de-DE" dirty="0" err="1" smtClean="0"/>
-              <a:t>Adfadf</a:t>
+              <a:rPr lang="de-DE" dirty="0" smtClean="0"/>
+              <a:t>Lieblingsrezepte merken</a:t>
             </a:r>
             <a:endParaRPr lang="de-DE" dirty="0" smtClean="0"/>
           </a:p>
           <a:p>
             <a:r>
-              <a:rPr lang="de-DE" dirty="0" err="1" smtClean="0"/>
-              <a:t>adfadf</a:t>
+              <a:rPr lang="de-DE" dirty="0" smtClean="0"/>
+              <a:t>Vermerkte Rezepte anzeigen</a:t>
+            </a:r>
+          </a:p>
+          <a:p>
+            <a:r>
+              <a:rPr lang="de-DE" dirty="0" smtClean="0"/>
+              <a:t>Nach einem bestimmten Rezept filtern</a:t>
             </a:r>
             <a:endParaRPr lang="de-DE" dirty="0"/>
           </a:p>
@@ -7808,7 +8044,7 @@
     </p:spTree>
     <p:extLst>
       <p:ext uri="{BB962C8B-B14F-4D97-AF65-F5344CB8AC3E}">
-        <p14:creationId xmlns:p14="http://schemas.microsoft.com/office/powerpoint/2010/main" val="3316431477"/>
+        <p14:creationId xmlns:p14="http://schemas.microsoft.com/office/powerpoint/2010/main" val="775034076"/>
       </p:ext>
     </p:extLst>
   </p:cSld>
@@ -7852,7 +8088,7 @@
           <a:p>
             <a:r>
               <a:rPr lang="de-DE" dirty="0" smtClean="0"/>
-              <a:t>Detail-Seite</a:t>
+              <a:t>Suche</a:t>
             </a:r>
             <a:endParaRPr lang="de-DE" dirty="0"/>
           </a:p>
@@ -7860,7 +8096,7 @@
       </p:sp>
       <p:pic>
         <p:nvPicPr>
-          <p:cNvPr id="4" name="Inhaltsplatzhalter 5" descr="Bildschirmfoto 2015-06-23 um 22.12.00.png"/>
+          <p:cNvPr id="6" name="Inhaltsplatzhalter 5" descr="Bildschirmfoto 2015-06-23 um 22.12.00.png"/>
           <p:cNvPicPr>
             <a:picLocks noGrp="1" noChangeAspect="1"/>
           </p:cNvPicPr>
@@ -7888,7 +8124,7 @@
       </p:pic>
       <p:sp>
         <p:nvSpPr>
-          <p:cNvPr id="5" name="Inhaltsplatzhalter 2"/>
+          <p:cNvPr id="7" name="Inhaltsplatzhalter 2"/>
           <p:cNvSpPr txBox="1">
             <a:spLocks/>
           </p:cNvSpPr>
@@ -8109,15 +8345,35 @@
           </a:lstStyle>
           <a:p>
             <a:r>
-              <a:rPr lang="de-DE" dirty="0" err="1" smtClean="0"/>
-              <a:t>Adfadf</a:t>
+              <a:rPr lang="de-DE" dirty="0" smtClean="0"/>
+              <a:t>Nach einem Rezept filtern</a:t>
+            </a:r>
+          </a:p>
+          <a:p>
+            <a:pPr lvl="1"/>
+            <a:r>
+              <a:rPr lang="de-DE" dirty="0" smtClean="0"/>
+              <a:t>Rezeptname</a:t>
+            </a:r>
+          </a:p>
+          <a:p>
+            <a:pPr lvl="1"/>
+            <a:r>
+              <a:rPr lang="de-DE" dirty="0" smtClean="0"/>
+              <a:t>Rezeptzutaten</a:t>
             </a:r>
             <a:endParaRPr lang="de-DE" dirty="0" smtClean="0"/>
           </a:p>
           <a:p>
             <a:r>
-              <a:rPr lang="de-DE" dirty="0" err="1" smtClean="0"/>
-              <a:t>adfadf</a:t>
+              <a:rPr lang="de-DE" dirty="0" smtClean="0"/>
+              <a:t>Rezeptdetails anzeigen</a:t>
+            </a:r>
+          </a:p>
+          <a:p>
+            <a:r>
+              <a:rPr lang="de-DE" dirty="0" smtClean="0"/>
+              <a:t>Vegetarische und Vegane Rezepte anzeigen</a:t>
             </a:r>
             <a:endParaRPr lang="de-DE" dirty="0"/>
           </a:p>
@@ -8126,7 +8382,7 @@
     </p:spTree>
     <p:extLst>
       <p:ext uri="{BB962C8B-B14F-4D97-AF65-F5344CB8AC3E}">
-        <p14:creationId xmlns:p14="http://schemas.microsoft.com/office/powerpoint/2010/main" val="1109848632"/>
+        <p14:creationId xmlns:p14="http://schemas.microsoft.com/office/powerpoint/2010/main" val="3316431477"/>
       </p:ext>
     </p:extLst>
   </p:cSld>
@@ -8160,7 +8416,7 @@
             <a:spLocks noGrp="1"/>
           </p:cNvSpPr>
           <p:nvPr>
-            <p:ph type="ctrTitle"/>
+            <p:ph type="title"/>
           </p:nvPr>
         </p:nvSpPr>
         <p:spPr/>
@@ -8169,43 +8425,279 @@
           <a:lstStyle/>
           <a:p>
             <a:r>
-              <a:rPr lang="de-DE" dirty="0" err="1" smtClean="0"/>
-              <a:t>Rezeptapp</a:t>
+              <a:rPr lang="de-DE" dirty="0" smtClean="0"/>
+              <a:t>Detail-Seite</a:t>
             </a:r>
             <a:endParaRPr lang="de-DE" dirty="0"/>
           </a:p>
         </p:txBody>
       </p:sp>
-      <p:sp>
-        <p:nvSpPr>
-          <p:cNvPr id="3" name="Untertitel 2"/>
-          <p:cNvSpPr>
-            <a:spLocks noGrp="1"/>
-          </p:cNvSpPr>
-          <p:nvPr>
-            <p:ph type="subTitle" idx="1"/>
-          </p:nvPr>
-        </p:nvSpPr>
-        <p:spPr/>
-        <p:txBody>
-          <a:bodyPr/>
-          <a:lstStyle/>
+      <p:pic>
+        <p:nvPicPr>
+          <p:cNvPr id="4" name="Inhaltsplatzhalter 5" descr="Bildschirmfoto 2015-06-23 um 22.12.00.png"/>
+          <p:cNvPicPr>
+            <a:picLocks noGrp="1" noChangeAspect="1"/>
+          </p:cNvPicPr>
+          <p:nvPr>
+            <p:ph idx="1"/>
+          </p:nvPr>
+        </p:nvPicPr>
+        <p:blipFill rotWithShape="1">
+          <a:blip r:embed="rId2">
+            <a:extLst>
+              <a:ext uri="{28A0092B-C50C-407E-A947-70E740481C1C}">
+                <a14:useLocalDpi xmlns:a14="http://schemas.microsoft.com/office/drawing/2010/main" val="0"/>
+              </a:ext>
+            </a:extLst>
+          </a:blip>
+          <a:srcRect l="57" t="-882" r="-282408" b="882"/>
+          <a:stretch/>
+        </p:blipFill>
+        <p:spPr>
+          <a:xfrm>
+            <a:off x="1103312" y="2052918"/>
+            <a:ext cx="8946541" cy="4195481"/>
+          </a:xfrm>
+        </p:spPr>
+      </p:pic>
+      <p:sp>
+        <p:nvSpPr>
+          <p:cNvPr id="5" name="Inhaltsplatzhalter 2"/>
+          <p:cNvSpPr txBox="1">
+            <a:spLocks/>
+          </p:cNvSpPr>
+          <p:nvPr/>
+        </p:nvSpPr>
+        <p:spPr>
+          <a:xfrm>
+            <a:off x="3773201" y="2095929"/>
+            <a:ext cx="6429052" cy="4117882"/>
+          </a:xfrm>
+          <a:prstGeom prst="rect">
+            <a:avLst/>
+          </a:prstGeom>
+        </p:spPr>
+        <p:txBody>
+          <a:bodyPr vert="horz" lIns="91440" tIns="45720" rIns="91440" bIns="45720" rtlCol="0">
+            <a:normAutofit/>
+          </a:bodyPr>
+          <a:lstStyle>
+            <a:lvl1pPr marL="342900" indent="-342900" algn="l" defTabSz="457200" rtl="0" eaLnBrk="1" latinLnBrk="0" hangingPunct="1">
+              <a:spcBef>
+                <a:spcPts val="1000"/>
+              </a:spcBef>
+              <a:spcAft>
+                <a:spcPts val="0"/>
+              </a:spcAft>
+              <a:buClr>
+                <a:schemeClr val="accent1"/>
+              </a:buClr>
+              <a:buSzPct val="80000"/>
+              <a:buFont typeface="Wingdings 3" charset="2"/>
+              <a:buChar char=""/>
+              <a:defRPr sz="2000" b="0" i="0" kern="1200">
+                <a:solidFill>
+                  <a:schemeClr val="tx1"/>
+                </a:solidFill>
+                <a:latin typeface="+mj-lt"/>
+                <a:ea typeface="+mj-ea"/>
+                <a:cs typeface="+mj-cs"/>
+              </a:defRPr>
+            </a:lvl1pPr>
+            <a:lvl2pPr marL="742950" indent="-285750" algn="l" defTabSz="457200" rtl="0" eaLnBrk="1" latinLnBrk="0" hangingPunct="1">
+              <a:spcBef>
+                <a:spcPts val="1000"/>
+              </a:spcBef>
+              <a:spcAft>
+                <a:spcPts val="0"/>
+              </a:spcAft>
+              <a:buClr>
+                <a:schemeClr val="accent1"/>
+              </a:buClr>
+              <a:buSzPct val="80000"/>
+              <a:buFont typeface="Wingdings 3" charset="2"/>
+              <a:buChar char=""/>
+              <a:defRPr sz="1800" b="0" i="0" kern="1200">
+                <a:solidFill>
+                  <a:schemeClr val="tx1"/>
+                </a:solidFill>
+                <a:latin typeface="+mj-lt"/>
+                <a:ea typeface="+mj-ea"/>
+                <a:cs typeface="+mj-cs"/>
+              </a:defRPr>
+            </a:lvl2pPr>
+            <a:lvl3pPr marL="1143000" indent="-228600" algn="l" defTabSz="457200" rtl="0" eaLnBrk="1" latinLnBrk="0" hangingPunct="1">
+              <a:spcBef>
+                <a:spcPts val="1000"/>
+              </a:spcBef>
+              <a:spcAft>
+                <a:spcPts val="0"/>
+              </a:spcAft>
+              <a:buClr>
+                <a:schemeClr val="accent1"/>
+              </a:buClr>
+              <a:buSzPct val="80000"/>
+              <a:buFont typeface="Wingdings 3" charset="2"/>
+              <a:buChar char=""/>
+              <a:defRPr sz="1600" b="0" i="0" kern="1200">
+                <a:solidFill>
+                  <a:schemeClr val="tx1"/>
+                </a:solidFill>
+                <a:latin typeface="+mj-lt"/>
+                <a:ea typeface="+mj-ea"/>
+                <a:cs typeface="+mj-cs"/>
+              </a:defRPr>
+            </a:lvl3pPr>
+            <a:lvl4pPr marL="1600200" indent="-228600" algn="l" defTabSz="457200" rtl="0" eaLnBrk="1" latinLnBrk="0" hangingPunct="1">
+              <a:spcBef>
+                <a:spcPts val="1000"/>
+              </a:spcBef>
+              <a:spcAft>
+                <a:spcPts val="0"/>
+              </a:spcAft>
+              <a:buClr>
+                <a:schemeClr val="accent1"/>
+              </a:buClr>
+              <a:buSzPct val="80000"/>
+              <a:buFont typeface="Wingdings 3" charset="2"/>
+              <a:buChar char=""/>
+              <a:defRPr sz="1400" b="0" i="0" kern="1200">
+                <a:solidFill>
+                  <a:schemeClr val="tx1"/>
+                </a:solidFill>
+                <a:latin typeface="+mj-lt"/>
+                <a:ea typeface="+mj-ea"/>
+                <a:cs typeface="+mj-cs"/>
+              </a:defRPr>
+            </a:lvl4pPr>
+            <a:lvl5pPr marL="2057400" indent="-228600" algn="l" defTabSz="457200" rtl="0" eaLnBrk="1" latinLnBrk="0" hangingPunct="1">
+              <a:spcBef>
+                <a:spcPts val="1000"/>
+              </a:spcBef>
+              <a:spcAft>
+                <a:spcPts val="0"/>
+              </a:spcAft>
+              <a:buClr>
+                <a:schemeClr val="accent1"/>
+              </a:buClr>
+              <a:buSzPct val="80000"/>
+              <a:buFont typeface="Wingdings 3" charset="2"/>
+              <a:buChar char=""/>
+              <a:defRPr sz="1400" b="0" i="0" kern="1200">
+                <a:solidFill>
+                  <a:schemeClr val="tx1"/>
+                </a:solidFill>
+                <a:latin typeface="+mj-lt"/>
+                <a:ea typeface="+mj-ea"/>
+                <a:cs typeface="+mj-cs"/>
+              </a:defRPr>
+            </a:lvl5pPr>
+            <a:lvl6pPr marL="2514600" indent="-228600" algn="l" defTabSz="457200" rtl="0" eaLnBrk="1" latinLnBrk="0" hangingPunct="1">
+              <a:spcBef>
+                <a:spcPts val="1000"/>
+              </a:spcBef>
+              <a:spcAft>
+                <a:spcPts val="0"/>
+              </a:spcAft>
+              <a:buClr>
+                <a:schemeClr val="accent1"/>
+              </a:buClr>
+              <a:buSzPct val="80000"/>
+              <a:buFont typeface="Wingdings 3" charset="2"/>
+              <a:buChar char=""/>
+              <a:defRPr sz="1400" b="0" i="0" kern="1200">
+                <a:solidFill>
+                  <a:schemeClr val="tx1"/>
+                </a:solidFill>
+                <a:latin typeface="+mj-lt"/>
+                <a:ea typeface="+mj-ea"/>
+                <a:cs typeface="+mj-cs"/>
+              </a:defRPr>
+            </a:lvl6pPr>
+            <a:lvl7pPr marL="2971800" indent="-228600" algn="l" defTabSz="457200" rtl="0" eaLnBrk="1" latinLnBrk="0" hangingPunct="1">
+              <a:spcBef>
+                <a:spcPts val="1000"/>
+              </a:spcBef>
+              <a:spcAft>
+                <a:spcPts val="0"/>
+              </a:spcAft>
+              <a:buClr>
+                <a:schemeClr val="accent1"/>
+              </a:buClr>
+              <a:buSzPct val="80000"/>
+              <a:buFont typeface="Wingdings 3" charset="2"/>
+              <a:buChar char=""/>
+              <a:defRPr sz="1400" b="0" i="0" kern="1200">
+                <a:solidFill>
+                  <a:schemeClr val="tx1"/>
+                </a:solidFill>
+                <a:latin typeface="+mj-lt"/>
+                <a:ea typeface="+mj-ea"/>
+                <a:cs typeface="+mj-cs"/>
+              </a:defRPr>
+            </a:lvl7pPr>
+            <a:lvl8pPr marL="3429000" indent="-228600" algn="l" defTabSz="457200" rtl="0" eaLnBrk="1" latinLnBrk="0" hangingPunct="1">
+              <a:spcBef>
+                <a:spcPts val="1000"/>
+              </a:spcBef>
+              <a:spcAft>
+                <a:spcPts val="0"/>
+              </a:spcAft>
+              <a:buClr>
+                <a:schemeClr val="accent1"/>
+              </a:buClr>
+              <a:buSzPct val="80000"/>
+              <a:buFont typeface="Wingdings 3" charset="2"/>
+              <a:buChar char=""/>
+              <a:defRPr sz="1400" b="0" i="0" kern="1200">
+                <a:solidFill>
+                  <a:schemeClr val="tx1"/>
+                </a:solidFill>
+                <a:latin typeface="+mj-lt"/>
+                <a:ea typeface="+mj-ea"/>
+                <a:cs typeface="+mj-cs"/>
+              </a:defRPr>
+            </a:lvl8pPr>
+            <a:lvl9pPr marL="3886200" indent="-228600" algn="l" defTabSz="457200" rtl="0" eaLnBrk="1" latinLnBrk="0" hangingPunct="1">
+              <a:spcBef>
+                <a:spcPts val="1000"/>
+              </a:spcBef>
+              <a:spcAft>
+                <a:spcPts val="0"/>
+              </a:spcAft>
+              <a:buClr>
+                <a:schemeClr val="accent1"/>
+              </a:buClr>
+              <a:buSzPct val="80000"/>
+              <a:buFont typeface="Wingdings 3" charset="2"/>
+              <a:buChar char=""/>
+              <a:defRPr sz="1400" b="0" i="0" kern="1200">
+                <a:solidFill>
+                  <a:schemeClr val="tx1"/>
+                </a:solidFill>
+                <a:latin typeface="+mj-lt"/>
+                <a:ea typeface="+mj-ea"/>
+                <a:cs typeface="+mj-cs"/>
+              </a:defRPr>
+            </a:lvl9pPr>
+          </a:lstStyle>
           <a:p>
             <a:r>
               <a:rPr lang="de-DE" dirty="0" smtClean="0"/>
-              <a:t>App-programmierung von Anna S. Rodewald und </a:t>
-            </a:r>
-            <a:r>
-              <a:rPr lang="de-DE" dirty="0" err="1" smtClean="0"/>
-              <a:t>wenja</a:t>
-            </a:r>
+              <a:t>Rezeptdetails anzeigen </a:t>
+            </a:r>
+            <a:endParaRPr lang="de-DE" dirty="0" smtClean="0"/>
+          </a:p>
+          <a:p>
             <a:r>
               <a:rPr lang="de-DE" dirty="0" smtClean="0"/>
-              <a:t> </a:t>
-            </a:r>
-            <a:r>
-              <a:rPr lang="de-DE" dirty="0" err="1" smtClean="0"/>
-              <a:t>shan</a:t>
+              <a:t>Bilder anschauen</a:t>
+            </a:r>
+          </a:p>
+          <a:p>
+            <a:r>
+              <a:rPr lang="de-DE" dirty="0" smtClean="0"/>
+              <a:t>Rezept nach Personenzahl anpassen</a:t>
             </a:r>
             <a:endParaRPr lang="de-DE" dirty="0"/>
           </a:p>
@@ -8214,20 +8706,337 @@
     </p:spTree>
     <p:extLst>
       <p:ext uri="{BB962C8B-B14F-4D97-AF65-F5344CB8AC3E}">
-        <p14:creationId xmlns:p14="http://schemas.microsoft.com/office/powerpoint/2010/main" val="876706863"/>
+        <p14:creationId xmlns:p14="http://schemas.microsoft.com/office/powerpoint/2010/main" val="1109848632"/>
       </p:ext>
     </p:extLst>
   </p:cSld>
   <p:clrMapOvr>
     <a:masterClrMapping/>
   </p:clrMapOvr>
-  <p:timing>
-    <p:tnLst>
-      <p:par>
-        <p:cTn xmlns:p14="http://schemas.microsoft.com/office/powerpoint/2010/main" id="1" dur="indefinite" restart="never" nodeType="tmRoot"/>
-      </p:par>
-    </p:tnLst>
-  </p:timing>
+</p:sld>
+</file>
+
+<file path=ppt/slides/slide9.xml><?xml version="1.0" encoding="utf-8"?>
+<p:sld xmlns:a="http://schemas.openxmlformats.org/drawingml/2006/main" xmlns:r="http://schemas.openxmlformats.org/officeDocument/2006/relationships" xmlns:p="http://schemas.openxmlformats.org/presentationml/2006/main">
+  <p:cSld>
+    <p:spTree>
+      <p:nvGrpSpPr>
+        <p:cNvPr id="1" name=""/>
+        <p:cNvGrpSpPr/>
+        <p:nvPr/>
+      </p:nvGrpSpPr>
+      <p:grpSpPr>
+        <a:xfrm>
+          <a:off x="0" y="0"/>
+          <a:ext cx="0" cy="0"/>
+          <a:chOff x="0" y="0"/>
+          <a:chExt cx="0" cy="0"/>
+        </a:xfrm>
+      </p:grpSpPr>
+      <p:sp>
+        <p:nvSpPr>
+          <p:cNvPr id="2" name="Titel 1"/>
+          <p:cNvSpPr>
+            <a:spLocks noGrp="1"/>
+          </p:cNvSpPr>
+          <p:nvPr>
+            <p:ph type="title"/>
+          </p:nvPr>
+        </p:nvSpPr>
+        <p:spPr/>
+        <p:txBody>
+          <a:bodyPr/>
+          <a:lstStyle/>
+          <a:p>
+            <a:r>
+              <a:rPr lang="de-DE" dirty="0" smtClean="0"/>
+              <a:t>Zubereitung</a:t>
+            </a:r>
+            <a:endParaRPr lang="de-DE" dirty="0"/>
+          </a:p>
+        </p:txBody>
+      </p:sp>
+      <p:pic>
+        <p:nvPicPr>
+          <p:cNvPr id="4" name="Inhaltsplatzhalter 5" descr="Bildschirmfoto 2015-06-23 um 22.12.00.png"/>
+          <p:cNvPicPr>
+            <a:picLocks noChangeAspect="1"/>
+          </p:cNvPicPr>
+          <p:nvPr/>
+        </p:nvPicPr>
+        <p:blipFill rotWithShape="1">
+          <a:blip r:embed="rId2">
+            <a:extLst>
+              <a:ext uri="{28A0092B-C50C-407E-A947-70E740481C1C}">
+                <a14:useLocalDpi xmlns:a14="http://schemas.microsoft.com/office/drawing/2010/main" val="0"/>
+              </a:ext>
+            </a:extLst>
+          </a:blip>
+          <a:srcRect l="57" t="-882" r="-282408" b="882"/>
+          <a:stretch/>
+        </p:blipFill>
+        <p:spPr>
+          <a:xfrm>
+            <a:off x="1103312" y="2052918"/>
+            <a:ext cx="8946541" cy="4195481"/>
+          </a:xfrm>
+          <a:prstGeom prst="rect">
+            <a:avLst/>
+          </a:prstGeom>
+        </p:spPr>
+      </p:pic>
+      <p:sp>
+        <p:nvSpPr>
+          <p:cNvPr id="5" name="Inhaltsplatzhalter 2"/>
+          <p:cNvSpPr txBox="1">
+            <a:spLocks/>
+          </p:cNvSpPr>
+          <p:nvPr/>
+        </p:nvSpPr>
+        <p:spPr>
+          <a:xfrm>
+            <a:off x="3773201" y="2095929"/>
+            <a:ext cx="6429052" cy="4117882"/>
+          </a:xfrm>
+          <a:prstGeom prst="rect">
+            <a:avLst/>
+          </a:prstGeom>
+        </p:spPr>
+        <p:txBody>
+          <a:bodyPr vert="horz" lIns="91440" tIns="45720" rIns="91440" bIns="45720" rtlCol="0">
+            <a:normAutofit/>
+          </a:bodyPr>
+          <a:lstStyle>
+            <a:lvl1pPr marL="342900" indent="-342900" algn="l" defTabSz="457200" rtl="0" eaLnBrk="1" latinLnBrk="0" hangingPunct="1">
+              <a:spcBef>
+                <a:spcPts val="1000"/>
+              </a:spcBef>
+              <a:spcAft>
+                <a:spcPts val="0"/>
+              </a:spcAft>
+              <a:buClr>
+                <a:schemeClr val="accent1"/>
+              </a:buClr>
+              <a:buSzPct val="80000"/>
+              <a:buFont typeface="Wingdings 3" charset="2"/>
+              <a:buChar char=""/>
+              <a:defRPr sz="2000" b="0" i="0" kern="1200">
+                <a:solidFill>
+                  <a:schemeClr val="tx1"/>
+                </a:solidFill>
+                <a:latin typeface="+mj-lt"/>
+                <a:ea typeface="+mj-ea"/>
+                <a:cs typeface="+mj-cs"/>
+              </a:defRPr>
+            </a:lvl1pPr>
+            <a:lvl2pPr marL="742950" indent="-285750" algn="l" defTabSz="457200" rtl="0" eaLnBrk="1" latinLnBrk="0" hangingPunct="1">
+              <a:spcBef>
+                <a:spcPts val="1000"/>
+              </a:spcBef>
+              <a:spcAft>
+                <a:spcPts val="0"/>
+              </a:spcAft>
+              <a:buClr>
+                <a:schemeClr val="accent1"/>
+              </a:buClr>
+              <a:buSzPct val="80000"/>
+              <a:buFont typeface="Wingdings 3" charset="2"/>
+              <a:buChar char=""/>
+              <a:defRPr sz="1800" b="0" i="0" kern="1200">
+                <a:solidFill>
+                  <a:schemeClr val="tx1"/>
+                </a:solidFill>
+                <a:latin typeface="+mj-lt"/>
+                <a:ea typeface="+mj-ea"/>
+                <a:cs typeface="+mj-cs"/>
+              </a:defRPr>
+            </a:lvl2pPr>
+            <a:lvl3pPr marL="1143000" indent="-228600" algn="l" defTabSz="457200" rtl="0" eaLnBrk="1" latinLnBrk="0" hangingPunct="1">
+              <a:spcBef>
+                <a:spcPts val="1000"/>
+              </a:spcBef>
+              <a:spcAft>
+                <a:spcPts val="0"/>
+              </a:spcAft>
+              <a:buClr>
+                <a:schemeClr val="accent1"/>
+              </a:buClr>
+              <a:buSzPct val="80000"/>
+              <a:buFont typeface="Wingdings 3" charset="2"/>
+              <a:buChar char=""/>
+              <a:defRPr sz="1600" b="0" i="0" kern="1200">
+                <a:solidFill>
+                  <a:schemeClr val="tx1"/>
+                </a:solidFill>
+                <a:latin typeface="+mj-lt"/>
+                <a:ea typeface="+mj-ea"/>
+                <a:cs typeface="+mj-cs"/>
+              </a:defRPr>
+            </a:lvl3pPr>
+            <a:lvl4pPr marL="1600200" indent="-228600" algn="l" defTabSz="457200" rtl="0" eaLnBrk="1" latinLnBrk="0" hangingPunct="1">
+              <a:spcBef>
+                <a:spcPts val="1000"/>
+              </a:spcBef>
+              <a:spcAft>
+                <a:spcPts val="0"/>
+              </a:spcAft>
+              <a:buClr>
+                <a:schemeClr val="accent1"/>
+              </a:buClr>
+              <a:buSzPct val="80000"/>
+              <a:buFont typeface="Wingdings 3" charset="2"/>
+              <a:buChar char=""/>
+              <a:defRPr sz="1400" b="0" i="0" kern="1200">
+                <a:solidFill>
+                  <a:schemeClr val="tx1"/>
+                </a:solidFill>
+                <a:latin typeface="+mj-lt"/>
+                <a:ea typeface="+mj-ea"/>
+                <a:cs typeface="+mj-cs"/>
+              </a:defRPr>
+            </a:lvl4pPr>
+            <a:lvl5pPr marL="2057400" indent="-228600" algn="l" defTabSz="457200" rtl="0" eaLnBrk="1" latinLnBrk="0" hangingPunct="1">
+              <a:spcBef>
+                <a:spcPts val="1000"/>
+              </a:spcBef>
+              <a:spcAft>
+                <a:spcPts val="0"/>
+              </a:spcAft>
+              <a:buClr>
+                <a:schemeClr val="accent1"/>
+              </a:buClr>
+              <a:buSzPct val="80000"/>
+              <a:buFont typeface="Wingdings 3" charset="2"/>
+              <a:buChar char=""/>
+              <a:defRPr sz="1400" b="0" i="0" kern="1200">
+                <a:solidFill>
+                  <a:schemeClr val="tx1"/>
+                </a:solidFill>
+                <a:latin typeface="+mj-lt"/>
+                <a:ea typeface="+mj-ea"/>
+                <a:cs typeface="+mj-cs"/>
+              </a:defRPr>
+            </a:lvl5pPr>
+            <a:lvl6pPr marL="2514600" indent="-228600" algn="l" defTabSz="457200" rtl="0" eaLnBrk="1" latinLnBrk="0" hangingPunct="1">
+              <a:spcBef>
+                <a:spcPts val="1000"/>
+              </a:spcBef>
+              <a:spcAft>
+                <a:spcPts val="0"/>
+              </a:spcAft>
+              <a:buClr>
+                <a:schemeClr val="accent1"/>
+              </a:buClr>
+              <a:buSzPct val="80000"/>
+              <a:buFont typeface="Wingdings 3" charset="2"/>
+              <a:buChar char=""/>
+              <a:defRPr sz="1400" b="0" i="0" kern="1200">
+                <a:solidFill>
+                  <a:schemeClr val="tx1"/>
+                </a:solidFill>
+                <a:latin typeface="+mj-lt"/>
+                <a:ea typeface="+mj-ea"/>
+                <a:cs typeface="+mj-cs"/>
+              </a:defRPr>
+            </a:lvl6pPr>
+            <a:lvl7pPr marL="2971800" indent="-228600" algn="l" defTabSz="457200" rtl="0" eaLnBrk="1" latinLnBrk="0" hangingPunct="1">
+              <a:spcBef>
+                <a:spcPts val="1000"/>
+              </a:spcBef>
+              <a:spcAft>
+                <a:spcPts val="0"/>
+              </a:spcAft>
+              <a:buClr>
+                <a:schemeClr val="accent1"/>
+              </a:buClr>
+              <a:buSzPct val="80000"/>
+              <a:buFont typeface="Wingdings 3" charset="2"/>
+              <a:buChar char=""/>
+              <a:defRPr sz="1400" b="0" i="0" kern="1200">
+                <a:solidFill>
+                  <a:schemeClr val="tx1"/>
+                </a:solidFill>
+                <a:latin typeface="+mj-lt"/>
+                <a:ea typeface="+mj-ea"/>
+                <a:cs typeface="+mj-cs"/>
+              </a:defRPr>
+            </a:lvl7pPr>
+            <a:lvl8pPr marL="3429000" indent="-228600" algn="l" defTabSz="457200" rtl="0" eaLnBrk="1" latinLnBrk="0" hangingPunct="1">
+              <a:spcBef>
+                <a:spcPts val="1000"/>
+              </a:spcBef>
+              <a:spcAft>
+                <a:spcPts val="0"/>
+              </a:spcAft>
+              <a:buClr>
+                <a:schemeClr val="accent1"/>
+              </a:buClr>
+              <a:buSzPct val="80000"/>
+              <a:buFont typeface="Wingdings 3" charset="2"/>
+              <a:buChar char=""/>
+              <a:defRPr sz="1400" b="0" i="0" kern="1200">
+                <a:solidFill>
+                  <a:schemeClr val="tx1"/>
+                </a:solidFill>
+                <a:latin typeface="+mj-lt"/>
+                <a:ea typeface="+mj-ea"/>
+                <a:cs typeface="+mj-cs"/>
+              </a:defRPr>
+            </a:lvl8pPr>
+            <a:lvl9pPr marL="3886200" indent="-228600" algn="l" defTabSz="457200" rtl="0" eaLnBrk="1" latinLnBrk="0" hangingPunct="1">
+              <a:spcBef>
+                <a:spcPts val="1000"/>
+              </a:spcBef>
+              <a:spcAft>
+                <a:spcPts val="0"/>
+              </a:spcAft>
+              <a:buClr>
+                <a:schemeClr val="accent1"/>
+              </a:buClr>
+              <a:buSzPct val="80000"/>
+              <a:buFont typeface="Wingdings 3" charset="2"/>
+              <a:buChar char=""/>
+              <a:defRPr sz="1400" b="0" i="0" kern="1200">
+                <a:solidFill>
+                  <a:schemeClr val="tx1"/>
+                </a:solidFill>
+                <a:latin typeface="+mj-lt"/>
+                <a:ea typeface="+mj-ea"/>
+                <a:cs typeface="+mj-cs"/>
+              </a:defRPr>
+            </a:lvl9pPr>
+          </a:lstStyle>
+          <a:p>
+            <a:r>
+              <a:rPr lang="de-DE" dirty="0" smtClean="0"/>
+              <a:t>Listenansicht der einzelnen Schritten</a:t>
+            </a:r>
+            <a:endParaRPr lang="de-DE" dirty="0" smtClean="0"/>
+          </a:p>
+          <a:p>
+            <a:r>
+              <a:rPr lang="de-DE" dirty="0" smtClean="0"/>
+              <a:t>Icons von zu verwendenden Werkzeugen</a:t>
+            </a:r>
+          </a:p>
+          <a:p>
+            <a:r>
+              <a:rPr lang="de-DE" dirty="0" smtClean="0"/>
+              <a:t>Bilder der Zwischenergebnissen</a:t>
+            </a:r>
+          </a:p>
+        </p:txBody>
+      </p:sp>
+    </p:spTree>
+    <p:extLst>
+      <p:ext uri="{BB962C8B-B14F-4D97-AF65-F5344CB8AC3E}">
+        <p14:creationId xmlns:p14="http://schemas.microsoft.com/office/powerpoint/2010/main" val="3374651312"/>
+      </p:ext>
+    </p:extLst>
+  </p:cSld>
+  <p:clrMapOvr>
+    <a:masterClrMapping/>
+  </p:clrMapOvr>
 </p:sld>
 </file>
 

--- a/Rezptapp.pptx
+++ b/Rezptapp.pptx
@@ -119,7 +119,7 @@
   </p:defaultTextStyle>
   <p:extLst>
     <p:ext uri="{EFAFB233-063F-42B5-8137-9DF3F51BA10A}">
-      <p15:sldGuideLst xmlns="" xmlns:p15="http://schemas.microsoft.com/office/powerpoint/2012/main"/>
+      <p15:sldGuideLst xmlns:p15="http://schemas.microsoft.com/office/powerpoint/2012/main" xmlns=""/>
     </p:ext>
   </p:extLst>
 </p:presentation>
@@ -6961,8 +6961,13 @@
             </a:r>
             <a:r>
               <a:rPr lang="de-DE" sz="2800" dirty="0" smtClean="0"/>
-              <a:t> Case</a:t>
-            </a:r>
+              <a:t> </a:t>
+            </a:r>
+            <a:r>
+              <a:rPr lang="de-DE" sz="2800" dirty="0" smtClean="0"/>
+              <a:t>Cases</a:t>
+            </a:r>
+            <a:endParaRPr lang="de-DE" sz="2800" dirty="0" smtClean="0"/>
           </a:p>
           <a:p>
             <a:r>
@@ -7034,7 +7039,7 @@
             </a:r>
             <a:r>
               <a:rPr lang="de-DE" dirty="0" smtClean="0"/>
-              <a:t>Case - Privatperson</a:t>
+              <a:t>Cases </a:t>
             </a:r>
             <a:endParaRPr lang="de-DE" dirty="0"/>
           </a:p>
@@ -7063,25 +7068,31 @@
           <a:p>
             <a:r>
               <a:rPr lang="de-DE" dirty="0" smtClean="0"/>
-              <a:t>Rezept erstellen</a:t>
-            </a:r>
+              <a:t>Rezept erstellen </a:t>
+            </a:r>
+          </a:p>
+          <a:p>
             <a:r>
               <a:rPr lang="de-DE" dirty="0" smtClean="0"/>
-              <a:t> </a:t>
-            </a:r>
-          </a:p>
-          <a:p>
+              <a:t>Rezept merken / </a:t>
+            </a:r>
             <a:r>
               <a:rPr lang="de-DE" dirty="0" smtClean="0"/>
-              <a:t>Rezept merken / favorisieren</a:t>
-            </a:r>
+              <a:t>favorisieren</a:t>
+            </a:r>
+          </a:p>
+          <a:p>
+            <a:r>
+              <a:rPr lang="de-DE" dirty="0" smtClean="0"/>
+              <a:t>Rezeptdetails anzeigen</a:t>
+            </a:r>
+            <a:endParaRPr lang="de-DE" dirty="0" smtClean="0"/>
           </a:p>
           <a:p>
             <a:r>
               <a:rPr lang="de-DE" dirty="0" smtClean="0"/>
               <a:t>Rezept suchen</a:t>
             </a:r>
-            <a:endParaRPr lang="de-DE" dirty="0" smtClean="0"/>
           </a:p>
         </p:txBody>
       </p:sp>
@@ -7138,29 +7149,6 @@
           </a:p>
         </p:txBody>
       </p:sp>
-      <p:pic>
-        <p:nvPicPr>
-          <p:cNvPr id="4" name="Inhaltsplatzhalter 3" descr="Bildschirmfoto 2015-06-23 um 22.13.42.png"/>
-          <p:cNvPicPr>
-            <a:picLocks noGrp="1" noChangeAspect="1"/>
-          </p:cNvPicPr>
-          <p:nvPr>
-            <p:ph idx="1"/>
-          </p:nvPr>
-        </p:nvPicPr>
-        <p:blipFill rotWithShape="1">
-          <a:blip r:embed="rId2">
-            <a:extLst>
-              <a:ext uri="{28A0092B-C50C-407E-A947-70E740481C1C}">
-                <a14:useLocalDpi xmlns:a14="http://schemas.microsoft.com/office/drawing/2010/main" val="0"/>
-              </a:ext>
-            </a:extLst>
-          </a:blip>
-          <a:srcRect l="275" t="-588" r="-276980" b="588"/>
-          <a:stretch/>
-        </p:blipFill>
-        <p:spPr/>
-      </p:pic>
       <p:sp>
         <p:nvSpPr>
           <p:cNvPr id="5" name="Inhaltsplatzhalter 2"/>
@@ -7387,7 +7375,6 @@
               <a:rPr lang="de-DE" dirty="0" smtClean="0"/>
               <a:t>Rezepte einfügen</a:t>
             </a:r>
-            <a:endParaRPr lang="de-DE" dirty="0" smtClean="0"/>
           </a:p>
           <a:p>
             <a:r>
@@ -7397,6 +7384,34 @@
           </a:p>
         </p:txBody>
       </p:sp>
+      <p:pic>
+        <p:nvPicPr>
+          <p:cNvPr id="8" name="Inhaltsplatzhalter 7" descr="Bildschirmfoto 2015-06-24 um 20.59.02.png"/>
+          <p:cNvPicPr>
+            <a:picLocks noGrp="1" noChangeAspect="1"/>
+          </p:cNvPicPr>
+          <p:nvPr>
+            <p:ph idx="1"/>
+          </p:nvPr>
+        </p:nvPicPr>
+        <p:blipFill rotWithShape="1">
+          <a:blip r:embed="rId2">
+            <a:extLst>
+              <a:ext uri="{28A0092B-C50C-407E-A947-70E740481C1C}">
+                <a14:useLocalDpi xmlns:a14="http://schemas.microsoft.com/office/drawing/2010/main" val="0"/>
+              </a:ext>
+            </a:extLst>
+          </a:blip>
+          <a:srcRect l="824" r="-279540"/>
+          <a:stretch/>
+        </p:blipFill>
+        <p:spPr>
+          <a:xfrm>
+            <a:off x="1103313" y="2052638"/>
+            <a:ext cx="8947150" cy="4195762"/>
+          </a:xfrm>
+        </p:spPr>
+      </p:pic>
     </p:spTree>
     <p:extLst>
       <p:ext uri="{BB962C8B-B14F-4D97-AF65-F5344CB8AC3E}">
@@ -7450,34 +7465,6 @@
           </a:p>
         </p:txBody>
       </p:sp>
-      <p:pic>
-        <p:nvPicPr>
-          <p:cNvPr id="4" name="Inhaltsplatzhalter 5" descr="Bildschirmfoto 2015-06-23 um 22.12.00.png"/>
-          <p:cNvPicPr>
-            <a:picLocks noGrp="1" noChangeAspect="1"/>
-          </p:cNvPicPr>
-          <p:nvPr>
-            <p:ph idx="1"/>
-          </p:nvPr>
-        </p:nvPicPr>
-        <p:blipFill rotWithShape="1">
-          <a:blip r:embed="rId2">
-            <a:extLst>
-              <a:ext uri="{28A0092B-C50C-407E-A947-70E740481C1C}">
-                <a14:useLocalDpi xmlns:a14="http://schemas.microsoft.com/office/drawing/2010/main" val="0"/>
-              </a:ext>
-            </a:extLst>
-          </a:blip>
-          <a:srcRect l="57" t="-882" r="-282408" b="882"/>
-          <a:stretch/>
-        </p:blipFill>
-        <p:spPr>
-          <a:xfrm>
-            <a:off x="1103312" y="2052918"/>
-            <a:ext cx="8946541" cy="4195481"/>
-          </a:xfrm>
-        </p:spPr>
-      </p:pic>
       <p:sp>
         <p:nvSpPr>
           <p:cNvPr id="5" name="Inhaltsplatzhalter 2"/>
@@ -7718,10 +7705,37 @@
               <a:rPr lang="de-DE" dirty="0" smtClean="0"/>
               <a:t>Arbeitsschritte definieren</a:t>
             </a:r>
-            <a:endParaRPr lang="de-DE" dirty="0" smtClean="0"/>
-          </a:p>
-        </p:txBody>
-      </p:sp>
+          </a:p>
+        </p:txBody>
+      </p:sp>
+      <p:pic>
+        <p:nvPicPr>
+          <p:cNvPr id="7" name="Inhaltsplatzhalter 6" descr="Bildschirmfoto 2015-06-24 um 21.00.11.png"/>
+          <p:cNvPicPr>
+            <a:picLocks noGrp="1" noChangeAspect="1"/>
+          </p:cNvPicPr>
+          <p:nvPr>
+            <p:ph idx="1"/>
+          </p:nvPr>
+        </p:nvPicPr>
+        <p:blipFill rotWithShape="1">
+          <a:blip r:embed="rId2">
+            <a:extLst>
+              <a:ext uri="{28A0092B-C50C-407E-A947-70E740481C1C}">
+                <a14:useLocalDpi xmlns:a14="http://schemas.microsoft.com/office/drawing/2010/main" val="0"/>
+              </a:ext>
+            </a:extLst>
+          </a:blip>
+          <a:srcRect l="902" r="-282217"/>
+          <a:stretch/>
+        </p:blipFill>
+        <p:spPr>
+          <a:xfrm>
+            <a:off x="1103313" y="2052638"/>
+            <a:ext cx="8947150" cy="4195762"/>
+          </a:xfrm>
+        </p:spPr>
+      </p:pic>
     </p:spTree>
     <p:extLst>
       <p:ext uri="{BB962C8B-B14F-4D97-AF65-F5344CB8AC3E}">
@@ -8024,7 +8038,6 @@
               <a:rPr lang="de-DE" dirty="0" smtClean="0"/>
               <a:t>Lieblingsrezepte merken</a:t>
             </a:r>
-            <a:endParaRPr lang="de-DE" dirty="0" smtClean="0"/>
           </a:p>
           <a:p>
             <a:r>
@@ -8094,34 +8107,6 @@
           </a:p>
         </p:txBody>
       </p:sp>
-      <p:pic>
-        <p:nvPicPr>
-          <p:cNvPr id="6" name="Inhaltsplatzhalter 5" descr="Bildschirmfoto 2015-06-23 um 22.12.00.png"/>
-          <p:cNvPicPr>
-            <a:picLocks noGrp="1" noChangeAspect="1"/>
-          </p:cNvPicPr>
-          <p:nvPr>
-            <p:ph idx="1"/>
-          </p:nvPr>
-        </p:nvPicPr>
-        <p:blipFill rotWithShape="1">
-          <a:blip r:embed="rId2">
-            <a:extLst>
-              <a:ext uri="{28A0092B-C50C-407E-A947-70E740481C1C}">
-                <a14:useLocalDpi xmlns:a14="http://schemas.microsoft.com/office/drawing/2010/main" val="0"/>
-              </a:ext>
-            </a:extLst>
-          </a:blip>
-          <a:srcRect l="57" t="-882" r="-282408" b="882"/>
-          <a:stretch/>
-        </p:blipFill>
-        <p:spPr>
-          <a:xfrm>
-            <a:off x="1103312" y="2052918"/>
-            <a:ext cx="8946541" cy="4195481"/>
-          </a:xfrm>
-        </p:spPr>
-      </p:pic>
       <p:sp>
         <p:nvSpPr>
           <p:cNvPr id="7" name="Inhaltsplatzhalter 2"/>
@@ -8362,7 +8347,6 @@
               <a:rPr lang="de-DE" dirty="0" smtClean="0"/>
               <a:t>Rezeptzutaten</a:t>
             </a:r>
-            <a:endParaRPr lang="de-DE" dirty="0" smtClean="0"/>
           </a:p>
           <a:p>
             <a:r>
@@ -8379,6 +8363,34 @@
           </a:p>
         </p:txBody>
       </p:sp>
+      <p:pic>
+        <p:nvPicPr>
+          <p:cNvPr id="4" name="Inhaltsplatzhalter 3" descr="Bildschirmfoto 2015-06-24 um 21.01.05.png"/>
+          <p:cNvPicPr>
+            <a:picLocks noGrp="1" noChangeAspect="1"/>
+          </p:cNvPicPr>
+          <p:nvPr>
+            <p:ph idx="1"/>
+          </p:nvPr>
+        </p:nvPicPr>
+        <p:blipFill rotWithShape="1">
+          <a:blip r:embed="rId2">
+            <a:extLst>
+              <a:ext uri="{28A0092B-C50C-407E-A947-70E740481C1C}">
+                <a14:useLocalDpi xmlns:a14="http://schemas.microsoft.com/office/drawing/2010/main" val="0"/>
+              </a:ext>
+            </a:extLst>
+          </a:blip>
+          <a:srcRect l="-268" t="233" r="-277318" b="-233"/>
+          <a:stretch/>
+        </p:blipFill>
+        <p:spPr>
+          <a:xfrm>
+            <a:off x="1103313" y="2052638"/>
+            <a:ext cx="8947150" cy="4195762"/>
+          </a:xfrm>
+        </p:spPr>
+      </p:pic>
     </p:spTree>
     <p:extLst>
       <p:ext uri="{BB962C8B-B14F-4D97-AF65-F5344CB8AC3E}">
@@ -8432,34 +8444,6 @@
           </a:p>
         </p:txBody>
       </p:sp>
-      <p:pic>
-        <p:nvPicPr>
-          <p:cNvPr id="4" name="Inhaltsplatzhalter 5" descr="Bildschirmfoto 2015-06-23 um 22.12.00.png"/>
-          <p:cNvPicPr>
-            <a:picLocks noGrp="1" noChangeAspect="1"/>
-          </p:cNvPicPr>
-          <p:nvPr>
-            <p:ph idx="1"/>
-          </p:nvPr>
-        </p:nvPicPr>
-        <p:blipFill rotWithShape="1">
-          <a:blip r:embed="rId2">
-            <a:extLst>
-              <a:ext uri="{28A0092B-C50C-407E-A947-70E740481C1C}">
-                <a14:useLocalDpi xmlns:a14="http://schemas.microsoft.com/office/drawing/2010/main" val="0"/>
-              </a:ext>
-            </a:extLst>
-          </a:blip>
-          <a:srcRect l="57" t="-882" r="-282408" b="882"/>
-          <a:stretch/>
-        </p:blipFill>
-        <p:spPr>
-          <a:xfrm>
-            <a:off x="1103312" y="2052918"/>
-            <a:ext cx="8946541" cy="4195481"/>
-          </a:xfrm>
-        </p:spPr>
-      </p:pic>
       <p:sp>
         <p:nvSpPr>
           <p:cNvPr id="5" name="Inhaltsplatzhalter 2"/>
@@ -8686,7 +8670,6 @@
               <a:rPr lang="de-DE" dirty="0" smtClean="0"/>
               <a:t>Rezeptdetails anzeigen </a:t>
             </a:r>
-            <a:endParaRPr lang="de-DE" dirty="0" smtClean="0"/>
           </a:p>
           <a:p>
             <a:r>
@@ -8703,6 +8686,34 @@
           </a:p>
         </p:txBody>
       </p:sp>
+      <p:pic>
+        <p:nvPicPr>
+          <p:cNvPr id="6" name="Inhaltsplatzhalter 5" descr="Bildschirmfoto 2015-06-24 um 21.02.08.png"/>
+          <p:cNvPicPr>
+            <a:picLocks noGrp="1" noChangeAspect="1"/>
+          </p:cNvPicPr>
+          <p:nvPr>
+            <p:ph idx="1"/>
+          </p:nvPr>
+        </p:nvPicPr>
+        <p:blipFill rotWithShape="1">
+          <a:blip r:embed="rId2">
+            <a:extLst>
+              <a:ext uri="{28A0092B-C50C-407E-A947-70E740481C1C}">
+                <a14:useLocalDpi xmlns:a14="http://schemas.microsoft.com/office/drawing/2010/main" val="0"/>
+              </a:ext>
+            </a:extLst>
+          </a:blip>
+          <a:srcRect l="750" t="-466" r="-267682" b="466"/>
+          <a:stretch/>
+        </p:blipFill>
+        <p:spPr>
+          <a:xfrm>
+            <a:off x="1103313" y="2052638"/>
+            <a:ext cx="8947150" cy="4195762"/>
+          </a:xfrm>
+        </p:spPr>
+      </p:pic>
     </p:spTree>
     <p:extLst>
       <p:ext uri="{BB962C8B-B14F-4D97-AF65-F5344CB8AC3E}">
@@ -8756,35 +8767,6 @@
           </a:p>
         </p:txBody>
       </p:sp>
-      <p:pic>
-        <p:nvPicPr>
-          <p:cNvPr id="4" name="Inhaltsplatzhalter 5" descr="Bildschirmfoto 2015-06-23 um 22.12.00.png"/>
-          <p:cNvPicPr>
-            <a:picLocks noChangeAspect="1"/>
-          </p:cNvPicPr>
-          <p:nvPr/>
-        </p:nvPicPr>
-        <p:blipFill rotWithShape="1">
-          <a:blip r:embed="rId2">
-            <a:extLst>
-              <a:ext uri="{28A0092B-C50C-407E-A947-70E740481C1C}">
-                <a14:useLocalDpi xmlns:a14="http://schemas.microsoft.com/office/drawing/2010/main" val="0"/>
-              </a:ext>
-            </a:extLst>
-          </a:blip>
-          <a:srcRect l="57" t="-882" r="-282408" b="882"/>
-          <a:stretch/>
-        </p:blipFill>
-        <p:spPr>
-          <a:xfrm>
-            <a:off x="1103312" y="2052918"/>
-            <a:ext cx="8946541" cy="4195481"/>
-          </a:xfrm>
-          <a:prstGeom prst="rect">
-            <a:avLst/>
-          </a:prstGeom>
-        </p:spPr>
-      </p:pic>
       <p:sp>
         <p:nvSpPr>
           <p:cNvPr id="5" name="Inhaltsplatzhalter 2"/>
@@ -9011,7 +8993,6 @@
               <a:rPr lang="de-DE" dirty="0" smtClean="0"/>
               <a:t>Listenansicht der einzelnen Schritten</a:t>
             </a:r>
-            <a:endParaRPr lang="de-DE" dirty="0" smtClean="0"/>
           </a:p>
           <a:p>
             <a:r>
@@ -9027,6 +9008,29 @@
           </a:p>
         </p:txBody>
       </p:sp>
+      <p:pic>
+        <p:nvPicPr>
+          <p:cNvPr id="7" name="Inhaltsplatzhalter 6" descr="Bildschirmfoto 2015-06-24 um 21.03.07.png"/>
+          <p:cNvPicPr>
+            <a:picLocks noGrp="1" noChangeAspect="1"/>
+          </p:cNvPicPr>
+          <p:nvPr>
+            <p:ph idx="1"/>
+          </p:nvPr>
+        </p:nvPicPr>
+        <p:blipFill rotWithShape="1">
+          <a:blip r:embed="rId2">
+            <a:extLst>
+              <a:ext uri="{28A0092B-C50C-407E-A947-70E740481C1C}">
+                <a14:useLocalDpi xmlns:a14="http://schemas.microsoft.com/office/drawing/2010/main" val="0"/>
+              </a:ext>
+            </a:extLst>
+          </a:blip>
+          <a:srcRect l="-1219" t="-466" r="-277368" b="466"/>
+          <a:stretch/>
+        </p:blipFill>
+        <p:spPr/>
+      </p:pic>
     </p:spTree>
     <p:extLst>
       <p:ext uri="{BB962C8B-B14F-4D97-AF65-F5344CB8AC3E}">
@@ -9299,7 +9303,7 @@
   <a:extraClrSchemeLst/>
   <a:extLst>
     <a:ext uri="{05A4C25C-085E-4340-85A3-A5531E510DB2}">
-      <thm15:themeFamily xmlns="" xmlns:thm15="http://schemas.microsoft.com/office/thememl/2012/main" name="Ion" id="{B8441ADB-2E43-4AF7-B97A-BD870242C6A8}" vid="{BACC050B-8757-4460-95D8-E37B46A6B421}"/>
+      <thm15:themeFamily xmlns:thm15="http://schemas.microsoft.com/office/thememl/2012/main" xmlns="" name="Ion" id="{B8441ADB-2E43-4AF7-B97A-BD870242C6A8}" vid="{BACC050B-8757-4460-95D8-E37B46A6B421}"/>
     </a:ext>
   </a:extLst>
 </a:theme>
@@ -9560,7 +9564,7 @@
   <a:extraClrSchemeLst/>
   <a:extLst>
     <a:ext uri="{05A4C25C-085E-4340-85A3-A5531E510DB2}">
-      <thm15:themeFamily xmlns="" xmlns:thm15="http://schemas.microsoft.com/office/thememl/2012/main" name="Office Theme" id="{62F939B6-93AF-4DB8-9C6B-D6C7DFDC589F}" vid="{4A3C46E8-61CC-4603-A589-7422A47A8E4A}"/>
+      <thm15:themeFamily xmlns:thm15="http://schemas.microsoft.com/office/thememl/2012/main" xmlns="" name="Office Theme" id="{62F939B6-93AF-4DB8-9C6B-D6C7DFDC589F}" vid="{4A3C46E8-61CC-4603-A589-7422A47A8E4A}"/>
     </a:ext>
   </a:extLst>
 </a:theme>

--- a/Rezptapp.pptx
+++ b/Rezptapp.pptx
@@ -13,10 +13,10 @@
     <p:sldId id="258" r:id="rId4"/>
     <p:sldId id="259" r:id="rId5"/>
     <p:sldId id="266" r:id="rId6"/>
-    <p:sldId id="260" r:id="rId7"/>
-    <p:sldId id="261" r:id="rId8"/>
-    <p:sldId id="262" r:id="rId9"/>
-    <p:sldId id="265" r:id="rId10"/>
+    <p:sldId id="262" r:id="rId7"/>
+    <p:sldId id="265" r:id="rId8"/>
+    <p:sldId id="260" r:id="rId9"/>
+    <p:sldId id="261" r:id="rId10"/>
     <p:sldId id="264" r:id="rId11"/>
     <p:sldId id="263" r:id="rId12"/>
   </p:sldIdLst>
@@ -119,7 +119,7 @@
   </p:defaultTextStyle>
   <p:extLst>
     <p:ext uri="{EFAFB233-063F-42B5-8137-9DF3F51BA10A}">
-      <p15:sldGuideLst xmlns:p15="http://schemas.microsoft.com/office/powerpoint/2012/main" xmlns=""/>
+      <p15:sldGuideLst xmlns="" xmlns:p15="http://schemas.microsoft.com/office/powerpoint/2012/main"/>
     </p:ext>
   </p:extLst>
 </p:presentation>
@@ -6768,8 +6768,25 @@
               <a:rPr lang="de-DE" dirty="0" smtClean="0">
                 <a:sym typeface="Wingdings"/>
               </a:rPr>
-              <a:t> Lokale Speicherung</a:t>
-            </a:r>
+              <a:t> Lokale </a:t>
+            </a:r>
+            <a:r>
+              <a:rPr lang="de-DE" dirty="0" smtClean="0">
+                <a:sym typeface="Wingdings"/>
+              </a:rPr>
+              <a:t>Speicherung</a:t>
+            </a:r>
+          </a:p>
+          <a:p>
+            <a:r>
+              <a:rPr lang="de-DE" dirty="0" smtClean="0">
+                <a:sym typeface="Wingdings"/>
+              </a:rPr>
+              <a:t>API-Anbindung geplant</a:t>
+            </a:r>
+            <a:endParaRPr lang="de-DE" dirty="0" smtClean="0">
+              <a:sym typeface="Wingdings"/>
+            </a:endParaRPr>
           </a:p>
           <a:p>
             <a:r>
@@ -6800,6 +6817,13 @@
   <p:clrMapOvr>
     <a:masterClrMapping/>
   </p:clrMapOvr>
+  <p:timing>
+    <p:tnLst>
+      <p:par>
+        <p:cTn xmlns:p14="http://schemas.microsoft.com/office/powerpoint/2010/main" id="1" dur="indefinite" restart="never" nodeType="tmRoot"/>
+      </p:par>
+    </p:tnLst>
+  </p:timing>
 </p:sld>
 </file>
 
@@ -6961,13 +6985,8 @@
             </a:r>
             <a:r>
               <a:rPr lang="de-DE" sz="2800" dirty="0" smtClean="0"/>
-              <a:t> </a:t>
-            </a:r>
-            <a:r>
-              <a:rPr lang="de-DE" sz="2800" dirty="0" smtClean="0"/>
-              <a:t>Cases</a:t>
-            </a:r>
-            <a:endParaRPr lang="de-DE" sz="2800" dirty="0" smtClean="0"/>
+              <a:t> Cases</a:t>
+            </a:r>
           </a:p>
           <a:p>
             <a:r>
@@ -6994,6 +7013,13 @@
   <p:clrMapOvr>
     <a:masterClrMapping/>
   </p:clrMapOvr>
+  <p:timing>
+    <p:tnLst>
+      <p:par>
+        <p:cTn xmlns:p14="http://schemas.microsoft.com/office/powerpoint/2010/main" id="1" dur="indefinite" restart="never" nodeType="tmRoot"/>
+      </p:par>
+    </p:tnLst>
+  </p:timing>
 </p:sld>
 </file>
 
@@ -7035,11 +7061,7 @@
             </a:r>
             <a:r>
               <a:rPr lang="de-DE" dirty="0" smtClean="0"/>
-              <a:t> </a:t>
-            </a:r>
-            <a:r>
-              <a:rPr lang="de-DE" dirty="0" smtClean="0"/>
-              <a:t>Cases </a:t>
+              <a:t> Cases </a:t>
             </a:r>
             <a:endParaRPr lang="de-DE" dirty="0"/>
           </a:p>
@@ -7074,11 +7096,7 @@
           <a:p>
             <a:r>
               <a:rPr lang="de-DE" dirty="0" smtClean="0"/>
-              <a:t>Rezept merken / </a:t>
-            </a:r>
-            <a:r>
-              <a:rPr lang="de-DE" dirty="0" smtClean="0"/>
-              <a:t>favorisieren</a:t>
+              <a:t>Rezept merken / favorisieren</a:t>
             </a:r>
           </a:p>
           <a:p>
@@ -7086,7 +7104,6 @@
               <a:rPr lang="de-DE" dirty="0" smtClean="0"/>
               <a:t>Rezeptdetails anzeigen</a:t>
             </a:r>
-            <a:endParaRPr lang="de-DE" dirty="0" smtClean="0"/>
           </a:p>
           <a:p>
             <a:r>
@@ -7106,6 +7123,13 @@
   <p:clrMapOvr>
     <a:masterClrMapping/>
   </p:clrMapOvr>
+  <p:timing>
+    <p:tnLst>
+      <p:par>
+        <p:cTn xmlns:p14="http://schemas.microsoft.com/office/powerpoint/2010/main" id="1" dur="indefinite" restart="never" nodeType="tmRoot"/>
+      </p:par>
+    </p:tnLst>
+  </p:timing>
 </p:sld>
 </file>
 
@@ -7422,6 +7446,13 @@
   <p:clrMapOvr>
     <a:masterClrMapping/>
   </p:clrMapOvr>
+  <p:timing>
+    <p:tnLst>
+      <p:par>
+        <p:cTn xmlns:p14="http://schemas.microsoft.com/office/powerpoint/2010/main" id="1" dur="indefinite" restart="never" nodeType="tmRoot"/>
+      </p:par>
+    </p:tnLst>
+  </p:timing>
 </p:sld>
 </file>
 
@@ -7736,6 +7767,36 @@
           </a:xfrm>
         </p:spPr>
       </p:pic>
+      <p:pic>
+        <p:nvPicPr>
+          <p:cNvPr id="3" name="Bild 2" descr="Bildschirmfoto 2015-06-24 um 21.37.49.png"/>
+          <p:cNvPicPr>
+            <a:picLocks noChangeAspect="1"/>
+          </p:cNvPicPr>
+          <p:nvPr/>
+        </p:nvPicPr>
+        <p:blipFill>
+          <a:blip r:embed="rId3">
+            <a:extLst>
+              <a:ext uri="{28A0092B-C50C-407E-A947-70E740481C1C}">
+                <a14:useLocalDpi xmlns:a14="http://schemas.microsoft.com/office/drawing/2010/main" val="0"/>
+              </a:ext>
+            </a:extLst>
+          </a:blip>
+          <a:stretch>
+            <a:fillRect/>
+          </a:stretch>
+        </p:blipFill>
+        <p:spPr>
+          <a:xfrm>
+            <a:off x="1088748" y="2051538"/>
+            <a:ext cx="2354297" cy="4181231"/>
+          </a:xfrm>
+          <a:prstGeom prst="rect">
+            <a:avLst/>
+          </a:prstGeom>
+        </p:spPr>
+      </p:pic>
     </p:spTree>
     <p:extLst>
       <p:ext uri="{BB962C8B-B14F-4D97-AF65-F5344CB8AC3E}">
@@ -7746,6 +7807,81 @@
   <p:clrMapOvr>
     <a:masterClrMapping/>
   </p:clrMapOvr>
+  <p:timing>
+    <p:tnLst>
+      <p:par>
+        <p:cTn xmlns:p14="http://schemas.microsoft.com/office/powerpoint/2010/main" id="1" dur="indefinite" restart="never" nodeType="tmRoot">
+          <p:childTnLst>
+            <p:seq concurrent="1" nextAc="seek">
+              <p:cTn id="2" dur="indefinite" nodeType="mainSeq">
+                <p:childTnLst>
+                  <p:par>
+                    <p:cTn id="3" fill="hold">
+                      <p:stCondLst>
+                        <p:cond delay="indefinite"/>
+                      </p:stCondLst>
+                      <p:childTnLst>
+                        <p:par>
+                          <p:cTn id="4" fill="hold">
+                            <p:stCondLst>
+                              <p:cond delay="0"/>
+                            </p:stCondLst>
+                            <p:childTnLst>
+                              <p:par>
+                                <p:cTn id="5" presetID="1" presetClass="entr" presetSubtype="0" fill="hold" nodeType="clickEffect">
+                                  <p:stCondLst>
+                                    <p:cond delay="0"/>
+                                  </p:stCondLst>
+                                  <p:childTnLst>
+                                    <p:set>
+                                      <p:cBhvr>
+                                        <p:cTn id="6" dur="1" fill="hold">
+                                          <p:stCondLst>
+                                            <p:cond delay="0"/>
+                                          </p:stCondLst>
+                                        </p:cTn>
+                                        <p:tgtEl>
+                                          <p:spTgt spid="3"/>
+                                        </p:tgtEl>
+                                        <p:attrNameLst>
+                                          <p:attrName>style.visibility</p:attrName>
+                                        </p:attrNameLst>
+                                      </p:cBhvr>
+                                      <p:to>
+                                        <p:strVal val="visible"/>
+                                      </p:to>
+                                    </p:set>
+                                  </p:childTnLst>
+                                </p:cTn>
+                              </p:par>
+                            </p:childTnLst>
+                          </p:cTn>
+                        </p:par>
+                      </p:childTnLst>
+                    </p:cTn>
+                  </p:par>
+                </p:childTnLst>
+              </p:cTn>
+              <p:prevCondLst>
+                <p:cond evt="onPrev" delay="0">
+                  <p:tgtEl>
+                    <p:sldTgt/>
+                  </p:tgtEl>
+                </p:cond>
+              </p:prevCondLst>
+              <p:nextCondLst>
+                <p:cond evt="onNext" delay="0">
+                  <p:tgtEl>
+                    <p:sldTgt/>
+                  </p:tgtEl>
+                </p:cond>
+              </p:nextCondLst>
+            </p:seq>
+          </p:childTnLst>
+        </p:cTn>
+      </p:par>
+    </p:tnLst>
+  </p:timing>
 </p:sld>
 </file>
 
@@ -7783,38 +7919,15 @@
           <a:p>
             <a:r>
               <a:rPr lang="de-DE" dirty="0" smtClean="0"/>
-              <a:t>Merkzettel</a:t>
+              <a:t>Detail-Seite</a:t>
             </a:r>
             <a:endParaRPr lang="de-DE" dirty="0"/>
           </a:p>
         </p:txBody>
       </p:sp>
-      <p:pic>
-        <p:nvPicPr>
-          <p:cNvPr id="6" name="Inhaltsplatzhalter 5" descr="Bildschirmfoto 2015-06-23 um 22.12.00.png"/>
-          <p:cNvPicPr>
-            <a:picLocks noGrp="1" noChangeAspect="1"/>
-          </p:cNvPicPr>
-          <p:nvPr>
-            <p:ph idx="1"/>
-          </p:nvPr>
-        </p:nvPicPr>
-        <p:blipFill rotWithShape="1">
-          <a:blip r:embed="rId2">
-            <a:extLst>
-              <a:ext uri="{28A0092B-C50C-407E-A947-70E740481C1C}">
-                <a14:useLocalDpi xmlns:a14="http://schemas.microsoft.com/office/drawing/2010/main" val="0"/>
-              </a:ext>
-            </a:extLst>
-          </a:blip>
-          <a:srcRect l="57" t="-882" r="-282408" b="882"/>
-          <a:stretch/>
-        </p:blipFill>
-        <p:spPr/>
-      </p:pic>
-      <p:sp>
-        <p:nvSpPr>
-          <p:cNvPr id="9" name="Inhaltsplatzhalter 2"/>
+      <p:sp>
+        <p:nvSpPr>
+          <p:cNvPr id="5" name="Inhaltsplatzhalter 2"/>
           <p:cNvSpPr txBox="1">
             <a:spLocks/>
           </p:cNvSpPr>
@@ -8036,34 +8149,167 @@
           <a:p>
             <a:r>
               <a:rPr lang="de-DE" dirty="0" smtClean="0"/>
-              <a:t>Lieblingsrezepte merken</a:t>
+              <a:t>Rezeptdetails anzeigen </a:t>
             </a:r>
           </a:p>
           <a:p>
             <a:r>
               <a:rPr lang="de-DE" dirty="0" smtClean="0"/>
-              <a:t>Vermerkte Rezepte anzeigen</a:t>
+              <a:t>Bilder anschauen</a:t>
             </a:r>
           </a:p>
           <a:p>
             <a:r>
               <a:rPr lang="de-DE" dirty="0" smtClean="0"/>
-              <a:t>Nach einem bestimmten Rezept filtern</a:t>
+              <a:t>Rezept nach Personenzahl anpassen</a:t>
             </a:r>
             <a:endParaRPr lang="de-DE" dirty="0"/>
           </a:p>
         </p:txBody>
       </p:sp>
+      <p:pic>
+        <p:nvPicPr>
+          <p:cNvPr id="6" name="Inhaltsplatzhalter 5" descr="Bildschirmfoto 2015-06-24 um 21.02.08.png"/>
+          <p:cNvPicPr>
+            <a:picLocks noGrp="1" noChangeAspect="1"/>
+          </p:cNvPicPr>
+          <p:nvPr>
+            <p:ph idx="1"/>
+          </p:nvPr>
+        </p:nvPicPr>
+        <p:blipFill rotWithShape="1">
+          <a:blip r:embed="rId2">
+            <a:extLst>
+              <a:ext uri="{28A0092B-C50C-407E-A947-70E740481C1C}">
+                <a14:useLocalDpi xmlns:a14="http://schemas.microsoft.com/office/drawing/2010/main" val="0"/>
+              </a:ext>
+            </a:extLst>
+          </a:blip>
+          <a:srcRect l="750" t="-466" r="-267682" b="466"/>
+          <a:stretch/>
+        </p:blipFill>
+        <p:spPr>
+          <a:xfrm>
+            <a:off x="1103313" y="2052638"/>
+            <a:ext cx="8947150" cy="4195762"/>
+          </a:xfrm>
+        </p:spPr>
+      </p:pic>
+      <p:pic>
+        <p:nvPicPr>
+          <p:cNvPr id="3" name="Bild 2" descr="Bildschirmfoto 2015-06-24 um 21.39.54.png"/>
+          <p:cNvPicPr>
+            <a:picLocks noChangeAspect="1"/>
+          </p:cNvPicPr>
+          <p:nvPr/>
+        </p:nvPicPr>
+        <p:blipFill>
+          <a:blip r:embed="rId3">
+            <a:extLst>
+              <a:ext uri="{28A0092B-C50C-407E-A947-70E740481C1C}">
+                <a14:useLocalDpi xmlns:a14="http://schemas.microsoft.com/office/drawing/2010/main" val="0"/>
+              </a:ext>
+            </a:extLst>
+          </a:blip>
+          <a:stretch>
+            <a:fillRect/>
+          </a:stretch>
+        </p:blipFill>
+        <p:spPr>
+          <a:xfrm>
+            <a:off x="1126880" y="2061307"/>
+            <a:ext cx="2377652" cy="4194000"/>
+          </a:xfrm>
+          <a:prstGeom prst="rect">
+            <a:avLst/>
+          </a:prstGeom>
+        </p:spPr>
+      </p:pic>
     </p:spTree>
     <p:extLst>
       <p:ext uri="{BB962C8B-B14F-4D97-AF65-F5344CB8AC3E}">
-        <p14:creationId xmlns:p14="http://schemas.microsoft.com/office/powerpoint/2010/main" val="775034076"/>
+        <p14:creationId xmlns:p14="http://schemas.microsoft.com/office/powerpoint/2010/main" val="1109848632"/>
       </p:ext>
     </p:extLst>
   </p:cSld>
   <p:clrMapOvr>
     <a:masterClrMapping/>
   </p:clrMapOvr>
+  <p:timing>
+    <p:tnLst>
+      <p:par>
+        <p:cTn xmlns:p14="http://schemas.microsoft.com/office/powerpoint/2010/main" id="1" dur="indefinite" restart="never" nodeType="tmRoot">
+          <p:childTnLst>
+            <p:seq concurrent="1" nextAc="seek">
+              <p:cTn id="2" dur="indefinite" nodeType="mainSeq">
+                <p:childTnLst>
+                  <p:par>
+                    <p:cTn id="3" fill="hold">
+                      <p:stCondLst>
+                        <p:cond delay="indefinite"/>
+                      </p:stCondLst>
+                      <p:childTnLst>
+                        <p:par>
+                          <p:cTn id="4" fill="hold">
+                            <p:stCondLst>
+                              <p:cond delay="0"/>
+                            </p:stCondLst>
+                            <p:childTnLst>
+                              <p:par>
+                                <p:cTn id="5" presetID="1" presetClass="entr" presetSubtype="0" fill="hold" nodeType="clickEffect">
+                                  <p:stCondLst>
+                                    <p:cond delay="0"/>
+                                  </p:stCondLst>
+                                  <p:childTnLst>
+                                    <p:set>
+                                      <p:cBhvr>
+                                        <p:cTn id="6" dur="1" fill="hold">
+                                          <p:stCondLst>
+                                            <p:cond delay="0"/>
+                                          </p:stCondLst>
+                                        </p:cTn>
+                                        <p:tgtEl>
+                                          <p:spTgt spid="3"/>
+                                        </p:tgtEl>
+                                        <p:attrNameLst>
+                                          <p:attrName>style.visibility</p:attrName>
+                                        </p:attrNameLst>
+                                      </p:cBhvr>
+                                      <p:to>
+                                        <p:strVal val="visible"/>
+                                      </p:to>
+                                    </p:set>
+                                  </p:childTnLst>
+                                </p:cTn>
+                              </p:par>
+                            </p:childTnLst>
+                          </p:cTn>
+                        </p:par>
+                      </p:childTnLst>
+                    </p:cTn>
+                  </p:par>
+                </p:childTnLst>
+              </p:cTn>
+              <p:prevCondLst>
+                <p:cond evt="onPrev" delay="0">
+                  <p:tgtEl>
+                    <p:sldTgt/>
+                  </p:tgtEl>
+                </p:cond>
+              </p:prevCondLst>
+              <p:nextCondLst>
+                <p:cond evt="onNext" delay="0">
+                  <p:tgtEl>
+                    <p:sldTgt/>
+                  </p:tgtEl>
+                </p:cond>
+              </p:nextCondLst>
+            </p:seq>
+          </p:childTnLst>
+        </p:cTn>
+      </p:par>
+    </p:tnLst>
+  </p:timing>
 </p:sld>
 </file>
 
@@ -8101,7 +8347,7 @@
           <a:p>
             <a:r>
               <a:rPr lang="de-DE" dirty="0" smtClean="0"/>
-              <a:t>Suche</a:t>
+              <a:t>Zubereitung</a:t>
             </a:r>
             <a:endParaRPr lang="de-DE" dirty="0"/>
           </a:p>
@@ -8109,7 +8355,7 @@
       </p:sp>
       <p:sp>
         <p:nvSpPr>
-          <p:cNvPr id="7" name="Inhaltsplatzhalter 2"/>
+          <p:cNvPr id="5" name="Inhaltsplatzhalter 2"/>
           <p:cNvSpPr txBox="1">
             <a:spLocks/>
           </p:cNvSpPr>
@@ -8331,41 +8577,26 @@
           <a:p>
             <a:r>
               <a:rPr lang="de-DE" dirty="0" smtClean="0"/>
-              <a:t>Nach einem Rezept filtern</a:t>
-            </a:r>
-          </a:p>
-          <a:p>
-            <a:pPr lvl="1"/>
+              <a:t>Listenansicht der einzelnen Schritten</a:t>
+            </a:r>
+          </a:p>
+          <a:p>
             <a:r>
               <a:rPr lang="de-DE" dirty="0" smtClean="0"/>
-              <a:t>Rezeptname</a:t>
-            </a:r>
-          </a:p>
-          <a:p>
-            <a:pPr lvl="1"/>
+              <a:t>Icons von zu verwendenden Werkzeugen</a:t>
+            </a:r>
+          </a:p>
+          <a:p>
             <a:r>
               <a:rPr lang="de-DE" dirty="0" smtClean="0"/>
-              <a:t>Rezeptzutaten</a:t>
-            </a:r>
-          </a:p>
-          <a:p>
-            <a:r>
-              <a:rPr lang="de-DE" dirty="0" smtClean="0"/>
-              <a:t>Rezeptdetails anzeigen</a:t>
-            </a:r>
-          </a:p>
-          <a:p>
-            <a:r>
-              <a:rPr lang="de-DE" dirty="0" smtClean="0"/>
-              <a:t>Vegetarische und Vegane Rezepte anzeigen</a:t>
-            </a:r>
-            <a:endParaRPr lang="de-DE" dirty="0"/>
+              <a:t>Bilder der Zwischenergebnissen</a:t>
+            </a:r>
           </a:p>
         </p:txBody>
       </p:sp>
       <p:pic>
         <p:nvPicPr>
-          <p:cNvPr id="4" name="Inhaltsplatzhalter 3" descr="Bildschirmfoto 2015-06-24 um 21.01.05.png"/>
+          <p:cNvPr id="7" name="Inhaltsplatzhalter 6" descr="Bildschirmfoto 2015-06-24 um 21.03.07.png"/>
           <p:cNvPicPr>
             <a:picLocks noGrp="1" noChangeAspect="1"/>
           </p:cNvPicPr>
@@ -8381,26 +8612,28 @@
               </a:ext>
             </a:extLst>
           </a:blip>
-          <a:srcRect l="-268" t="233" r="-277318" b="-233"/>
+          <a:srcRect l="-1219" t="-466" r="-277368" b="466"/>
           <a:stretch/>
         </p:blipFill>
-        <p:spPr>
-          <a:xfrm>
-            <a:off x="1103313" y="2052638"/>
-            <a:ext cx="8947150" cy="4195762"/>
-          </a:xfrm>
-        </p:spPr>
+        <p:spPr/>
       </p:pic>
     </p:spTree>
     <p:extLst>
       <p:ext uri="{BB962C8B-B14F-4D97-AF65-F5344CB8AC3E}">
-        <p14:creationId xmlns:p14="http://schemas.microsoft.com/office/powerpoint/2010/main" val="3316431477"/>
+        <p14:creationId xmlns:p14="http://schemas.microsoft.com/office/powerpoint/2010/main" val="3374651312"/>
       </p:ext>
     </p:extLst>
   </p:cSld>
   <p:clrMapOvr>
     <a:masterClrMapping/>
   </p:clrMapOvr>
+  <p:timing>
+    <p:tnLst>
+      <p:par>
+        <p:cTn xmlns:p14="http://schemas.microsoft.com/office/powerpoint/2010/main" id="1" dur="indefinite" restart="never" nodeType="tmRoot"/>
+      </p:par>
+    </p:tnLst>
+  </p:timing>
 </p:sld>
 </file>
 
@@ -8438,15 +8671,38 @@
           <a:p>
             <a:r>
               <a:rPr lang="de-DE" dirty="0" smtClean="0"/>
-              <a:t>Detail-Seite</a:t>
+              <a:t>Merkzettel</a:t>
             </a:r>
             <a:endParaRPr lang="de-DE" dirty="0"/>
           </a:p>
         </p:txBody>
       </p:sp>
-      <p:sp>
-        <p:nvSpPr>
-          <p:cNvPr id="5" name="Inhaltsplatzhalter 2"/>
+      <p:pic>
+        <p:nvPicPr>
+          <p:cNvPr id="6" name="Inhaltsplatzhalter 5" descr="Bildschirmfoto 2015-06-23 um 22.12.00.png"/>
+          <p:cNvPicPr>
+            <a:picLocks noGrp="1" noChangeAspect="1"/>
+          </p:cNvPicPr>
+          <p:nvPr>
+            <p:ph idx="1"/>
+          </p:nvPr>
+        </p:nvPicPr>
+        <p:blipFill rotWithShape="1">
+          <a:blip r:embed="rId2">
+            <a:extLst>
+              <a:ext uri="{28A0092B-C50C-407E-A947-70E740481C1C}">
+                <a14:useLocalDpi xmlns:a14="http://schemas.microsoft.com/office/drawing/2010/main" val="0"/>
+              </a:ext>
+            </a:extLst>
+          </a:blip>
+          <a:srcRect l="57" t="-882" r="-282408" b="882"/>
+          <a:stretch/>
+        </p:blipFill>
+        <p:spPr/>
+      </p:pic>
+      <p:sp>
+        <p:nvSpPr>
+          <p:cNvPr id="9" name="Inhaltsplatzhalter 2"/>
           <p:cNvSpPr txBox="1">
             <a:spLocks/>
           </p:cNvSpPr>
@@ -8668,62 +8924,41 @@
           <a:p>
             <a:r>
               <a:rPr lang="de-DE" dirty="0" smtClean="0"/>
-              <a:t>Rezeptdetails anzeigen </a:t>
+              <a:t>Lieblingsrezepte merken</a:t>
             </a:r>
           </a:p>
           <a:p>
             <a:r>
               <a:rPr lang="de-DE" dirty="0" smtClean="0"/>
-              <a:t>Bilder anschauen</a:t>
+              <a:t>Vermerkte Rezepte anzeigen</a:t>
             </a:r>
           </a:p>
           <a:p>
             <a:r>
               <a:rPr lang="de-DE" dirty="0" smtClean="0"/>
-              <a:t>Rezept nach Personenzahl anpassen</a:t>
+              <a:t>Nach einem bestimmten Rezept filtern</a:t>
             </a:r>
             <a:endParaRPr lang="de-DE" dirty="0"/>
           </a:p>
         </p:txBody>
       </p:sp>
-      <p:pic>
-        <p:nvPicPr>
-          <p:cNvPr id="6" name="Inhaltsplatzhalter 5" descr="Bildschirmfoto 2015-06-24 um 21.02.08.png"/>
-          <p:cNvPicPr>
-            <a:picLocks noGrp="1" noChangeAspect="1"/>
-          </p:cNvPicPr>
-          <p:nvPr>
-            <p:ph idx="1"/>
-          </p:nvPr>
-        </p:nvPicPr>
-        <p:blipFill rotWithShape="1">
-          <a:blip r:embed="rId2">
-            <a:extLst>
-              <a:ext uri="{28A0092B-C50C-407E-A947-70E740481C1C}">
-                <a14:useLocalDpi xmlns:a14="http://schemas.microsoft.com/office/drawing/2010/main" val="0"/>
-              </a:ext>
-            </a:extLst>
-          </a:blip>
-          <a:srcRect l="750" t="-466" r="-267682" b="466"/>
-          <a:stretch/>
-        </p:blipFill>
-        <p:spPr>
-          <a:xfrm>
-            <a:off x="1103313" y="2052638"/>
-            <a:ext cx="8947150" cy="4195762"/>
-          </a:xfrm>
-        </p:spPr>
-      </p:pic>
     </p:spTree>
     <p:extLst>
       <p:ext uri="{BB962C8B-B14F-4D97-AF65-F5344CB8AC3E}">
-        <p14:creationId xmlns:p14="http://schemas.microsoft.com/office/powerpoint/2010/main" val="1109848632"/>
+        <p14:creationId xmlns:p14="http://schemas.microsoft.com/office/powerpoint/2010/main" val="775034076"/>
       </p:ext>
     </p:extLst>
   </p:cSld>
   <p:clrMapOvr>
     <a:masterClrMapping/>
   </p:clrMapOvr>
+  <p:timing>
+    <p:tnLst>
+      <p:par>
+        <p:cTn xmlns:p14="http://schemas.microsoft.com/office/powerpoint/2010/main" id="1" dur="indefinite" restart="never" nodeType="tmRoot"/>
+      </p:par>
+    </p:tnLst>
+  </p:timing>
 </p:sld>
 </file>
 
@@ -8761,7 +8996,7 @@
           <a:p>
             <a:r>
               <a:rPr lang="de-DE" dirty="0" smtClean="0"/>
-              <a:t>Zubereitung</a:t>
+              <a:t>Suche</a:t>
             </a:r>
             <a:endParaRPr lang="de-DE" dirty="0"/>
           </a:p>
@@ -8769,7 +9004,7 @@
       </p:sp>
       <p:sp>
         <p:nvSpPr>
-          <p:cNvPr id="5" name="Inhaltsplatzhalter 2"/>
+          <p:cNvPr id="7" name="Inhaltsplatzhalter 2"/>
           <p:cNvSpPr txBox="1">
             <a:spLocks/>
           </p:cNvSpPr>
@@ -8991,26 +9226,41 @@
           <a:p>
             <a:r>
               <a:rPr lang="de-DE" dirty="0" smtClean="0"/>
-              <a:t>Listenansicht der einzelnen Schritten</a:t>
-            </a:r>
-          </a:p>
-          <a:p>
+              <a:t>Nach einem Rezept filtern</a:t>
+            </a:r>
+          </a:p>
+          <a:p>
+            <a:pPr lvl="1"/>
             <a:r>
               <a:rPr lang="de-DE" dirty="0" smtClean="0"/>
-              <a:t>Icons von zu verwendenden Werkzeugen</a:t>
-            </a:r>
-          </a:p>
-          <a:p>
+              <a:t>Rezeptname</a:t>
+            </a:r>
+          </a:p>
+          <a:p>
+            <a:pPr lvl="1"/>
             <a:r>
               <a:rPr lang="de-DE" dirty="0" smtClean="0"/>
-              <a:t>Bilder der Zwischenergebnissen</a:t>
-            </a:r>
+              <a:t>Rezeptzutaten</a:t>
+            </a:r>
+          </a:p>
+          <a:p>
+            <a:r>
+              <a:rPr lang="de-DE" dirty="0" smtClean="0"/>
+              <a:t>Rezeptdetails anzeigen</a:t>
+            </a:r>
+          </a:p>
+          <a:p>
+            <a:r>
+              <a:rPr lang="de-DE" dirty="0" smtClean="0"/>
+              <a:t>Vegetarische und Vegane Rezepte anzeigen</a:t>
+            </a:r>
+            <a:endParaRPr lang="de-DE" dirty="0"/>
           </a:p>
         </p:txBody>
       </p:sp>
       <p:pic>
         <p:nvPicPr>
-          <p:cNvPr id="7" name="Inhaltsplatzhalter 6" descr="Bildschirmfoto 2015-06-24 um 21.03.07.png"/>
+          <p:cNvPr id="4" name="Inhaltsplatzhalter 3" descr="Bildschirmfoto 2015-06-24 um 21.01.05.png"/>
           <p:cNvPicPr>
             <a:picLocks noGrp="1" noChangeAspect="1"/>
           </p:cNvPicPr>
@@ -9026,21 +9276,33 @@
               </a:ext>
             </a:extLst>
           </a:blip>
-          <a:srcRect l="-1219" t="-466" r="-277368" b="466"/>
+          <a:srcRect l="-268" t="233" r="-277318" b="-233"/>
           <a:stretch/>
         </p:blipFill>
-        <p:spPr/>
+        <p:spPr>
+          <a:xfrm>
+            <a:off x="1103313" y="2052638"/>
+            <a:ext cx="8947150" cy="4195762"/>
+          </a:xfrm>
+        </p:spPr>
       </p:pic>
     </p:spTree>
     <p:extLst>
       <p:ext uri="{BB962C8B-B14F-4D97-AF65-F5344CB8AC3E}">
-        <p14:creationId xmlns:p14="http://schemas.microsoft.com/office/powerpoint/2010/main" val="3374651312"/>
+        <p14:creationId xmlns:p14="http://schemas.microsoft.com/office/powerpoint/2010/main" val="3316431477"/>
       </p:ext>
     </p:extLst>
   </p:cSld>
   <p:clrMapOvr>
     <a:masterClrMapping/>
   </p:clrMapOvr>
+  <p:timing>
+    <p:tnLst>
+      <p:par>
+        <p:cTn xmlns:p14="http://schemas.microsoft.com/office/powerpoint/2010/main" id="1" dur="indefinite" restart="never" nodeType="tmRoot"/>
+      </p:par>
+    </p:tnLst>
+  </p:timing>
 </p:sld>
 </file>
 
@@ -9303,7 +9565,7 @@
   <a:extraClrSchemeLst/>
   <a:extLst>
     <a:ext uri="{05A4C25C-085E-4340-85A3-A5531E510DB2}">
-      <thm15:themeFamily xmlns:thm15="http://schemas.microsoft.com/office/thememl/2012/main" xmlns="" name="Ion" id="{B8441ADB-2E43-4AF7-B97A-BD870242C6A8}" vid="{BACC050B-8757-4460-95D8-E37B46A6B421}"/>
+      <thm15:themeFamily xmlns="" xmlns:thm15="http://schemas.microsoft.com/office/thememl/2012/main" name="Ion" id="{B8441ADB-2E43-4AF7-B97A-BD870242C6A8}" vid="{BACC050B-8757-4460-95D8-E37B46A6B421}"/>
     </a:ext>
   </a:extLst>
 </a:theme>
@@ -9564,7 +9826,7 @@
   <a:extraClrSchemeLst/>
   <a:extLst>
     <a:ext uri="{05A4C25C-085E-4340-85A3-A5531E510DB2}">
-      <thm15:themeFamily xmlns:thm15="http://schemas.microsoft.com/office/thememl/2012/main" xmlns="" name="Office Theme" id="{62F939B6-93AF-4DB8-9C6B-D6C7DFDC589F}" vid="{4A3C46E8-61CC-4603-A589-7422A47A8E4A}"/>
+      <thm15:themeFamily xmlns="" xmlns:thm15="http://schemas.microsoft.com/office/thememl/2012/main" name="Office Theme" id="{62F939B6-93AF-4DB8-9C6B-D6C7DFDC589F}" vid="{4A3C46E8-61CC-4603-A589-7422A47A8E4A}"/>
     </a:ext>
   </a:extLst>
 </a:theme>

--- a/Rezptapp.pptx
+++ b/Rezptapp.pptx
@@ -5,7 +5,7 @@
     <p:sldMasterId id="2147483671" r:id="rId1"/>
   </p:sldMasterIdLst>
   <p:notesMasterIdLst>
-    <p:notesMasterId r:id="rId13"/>
+    <p:notesMasterId r:id="rId14"/>
   </p:notesMasterIdLst>
   <p:sldIdLst>
     <p:sldId id="256" r:id="rId2"/>
@@ -18,7 +18,8 @@
     <p:sldId id="260" r:id="rId9"/>
     <p:sldId id="261" r:id="rId10"/>
     <p:sldId id="264" r:id="rId11"/>
-    <p:sldId id="263" r:id="rId12"/>
+    <p:sldId id="267" r:id="rId12"/>
+    <p:sldId id="263" r:id="rId13"/>
   </p:sldIdLst>
   <p:sldSz cx="12192000" cy="6858000"/>
   <p:notesSz cx="6858000" cy="9144000"/>
@@ -119,7 +120,7 @@
   </p:defaultTextStyle>
   <p:extLst>
     <p:ext uri="{EFAFB233-063F-42B5-8137-9DF3F51BA10A}">
-      <p15:sldGuideLst xmlns="" xmlns:p15="http://schemas.microsoft.com/office/powerpoint/2012/main"/>
+      <p15:sldGuideLst xmlns:p15="http://schemas.microsoft.com/office/powerpoint/2012/main" xmlns=""/>
     </p:ext>
   </p:extLst>
 </p:presentation>
@@ -707,7 +708,7 @@
           <a:p>
             <a:fld id="{0F565E2B-0033-4D47-8B58-5FB2078FE6FF}" type="slidenum">
               <a:rPr lang="de-DE"/>
-              <a:t>11</a:t>
+              <a:t>12</a:t>
             </a:fld>
             <a:endParaRPr lang="de-DE"/>
           </a:p>
@@ -6768,13 +6769,7 @@
               <a:rPr lang="de-DE" dirty="0" smtClean="0">
                 <a:sym typeface="Wingdings"/>
               </a:rPr>
-              <a:t> Lokale </a:t>
-            </a:r>
-            <a:r>
-              <a:rPr lang="de-DE" dirty="0" smtClean="0">
-                <a:sym typeface="Wingdings"/>
-              </a:rPr>
-              <a:t>Speicherung</a:t>
+              <a:t> Lokale Speicherung</a:t>
             </a:r>
           </a:p>
           <a:p>
@@ -6784,9 +6779,6 @@
               </a:rPr>
               <a:t>API-Anbindung geplant</a:t>
             </a:r>
-            <a:endParaRPr lang="de-DE" dirty="0" smtClean="0">
-              <a:sym typeface="Wingdings"/>
-            </a:endParaRPr>
           </a:p>
           <a:p>
             <a:r>
@@ -6828,6 +6820,71 @@
 </file>
 
 <file path=ppt/slides/slide11.xml><?xml version="1.0" encoding="utf-8"?>
+<p:sld xmlns:a="http://schemas.openxmlformats.org/drawingml/2006/main" xmlns:r="http://schemas.openxmlformats.org/officeDocument/2006/relationships" xmlns:p="http://schemas.openxmlformats.org/presentationml/2006/main">
+  <p:cSld>
+    <p:spTree>
+      <p:nvGrpSpPr>
+        <p:cNvPr id="1" name=""/>
+        <p:cNvGrpSpPr/>
+        <p:nvPr/>
+      </p:nvGrpSpPr>
+      <p:grpSpPr>
+        <a:xfrm>
+          <a:off x="0" y="0"/>
+          <a:ext cx="0" cy="0"/>
+          <a:chOff x="0" y="0"/>
+          <a:chExt cx="0" cy="0"/>
+        </a:xfrm>
+      </p:grpSpPr>
+      <p:sp>
+        <p:nvSpPr>
+          <p:cNvPr id="2" name="Titel 1"/>
+          <p:cNvSpPr>
+            <a:spLocks noGrp="1"/>
+          </p:cNvSpPr>
+          <p:nvPr>
+            <p:ph type="title"/>
+          </p:nvPr>
+        </p:nvSpPr>
+        <p:spPr>
+          <a:xfrm>
+            <a:off x="685188" y="2592179"/>
+            <a:ext cx="9404723" cy="1400530"/>
+          </a:xfrm>
+        </p:spPr>
+        <p:txBody>
+          <a:bodyPr/>
+          <a:lstStyle/>
+          <a:p>
+            <a:pPr algn="ctr"/>
+            <a:r>
+              <a:rPr lang="de-DE" sz="7200" dirty="0" smtClean="0"/>
+              <a:t>DEMO... </a:t>
+            </a:r>
+            <a:r>
+              <a:rPr lang="de-DE" sz="7200" dirty="0" smtClean="0">
+                <a:sym typeface="Wingdings"/>
+              </a:rPr>
+              <a:t> </a:t>
+            </a:r>
+            <a:endParaRPr lang="de-DE" sz="7200" dirty="0"/>
+          </a:p>
+        </p:txBody>
+      </p:sp>
+    </p:spTree>
+    <p:extLst>
+      <p:ext uri="{BB962C8B-B14F-4D97-AF65-F5344CB8AC3E}">
+        <p14:creationId xmlns:p14="http://schemas.microsoft.com/office/powerpoint/2010/main" val="3481388925"/>
+      </p:ext>
+    </p:extLst>
+  </p:cSld>
+  <p:clrMapOvr>
+    <a:masterClrMapping/>
+  </p:clrMapOvr>
+</p:sld>
+</file>
+
+<file path=ppt/slides/slide12.xml><?xml version="1.0" encoding="utf-8"?>
 <p:sld xmlns:a="http://schemas.openxmlformats.org/drawingml/2006/main" xmlns:r="http://schemas.openxmlformats.org/officeDocument/2006/relationships" xmlns:p="http://schemas.openxmlformats.org/presentationml/2006/main">
   <p:cSld>
     <p:spTree>
@@ -7741,7 +7798,7 @@
       </p:sp>
       <p:pic>
         <p:nvPicPr>
-          <p:cNvPr id="7" name="Inhaltsplatzhalter 6" descr="Bildschirmfoto 2015-06-24 um 21.00.11.png"/>
+          <p:cNvPr id="6" name="Inhaltsplatzhalter 5" descr="Bildschirmfoto 2015-06-24 um 22.35.07.png"/>
           <p:cNvPicPr>
             <a:picLocks noGrp="1" noChangeAspect="1"/>
           </p:cNvPicPr>
@@ -7757,19 +7814,14 @@
               </a:ext>
             </a:extLst>
           </a:blip>
-          <a:srcRect l="902" r="-282217"/>
+          <a:srcRect l="-820" r="-277896"/>
           <a:stretch/>
         </p:blipFill>
-        <p:spPr>
-          <a:xfrm>
-            <a:off x="1103313" y="2052638"/>
-            <a:ext cx="8947150" cy="4195762"/>
-          </a:xfrm>
-        </p:spPr>
+        <p:spPr/>
       </p:pic>
       <p:pic>
         <p:nvPicPr>
-          <p:cNvPr id="3" name="Bild 2" descr="Bildschirmfoto 2015-06-24 um 21.37.49.png"/>
+          <p:cNvPr id="8" name="Bild 7" descr="Bildschirmfoto 2015-06-24 um 22.35.21.png"/>
           <p:cNvPicPr>
             <a:picLocks noChangeAspect="1"/>
           </p:cNvPicPr>
@@ -7789,8 +7841,8 @@
         </p:blipFill>
         <p:spPr>
           <a:xfrm>
-            <a:off x="1088748" y="2051538"/>
-            <a:ext cx="2354297" cy="4181231"/>
+            <a:off x="1123462" y="2045105"/>
+            <a:ext cx="2354384" cy="4187664"/>
           </a:xfrm>
           <a:prstGeom prst="rect">
             <a:avLst/>
@@ -7841,7 +7893,7 @@
                                           </p:stCondLst>
                                         </p:cTn>
                                         <p:tgtEl>
-                                          <p:spTgt spid="3"/>
+                                          <p:spTgt spid="8"/>
                                         </p:tgtEl>
                                         <p:attrNameLst>
                                           <p:attrName>style.visibility</p:attrName>
@@ -8197,7 +8249,7 @@
       </p:pic>
       <p:pic>
         <p:nvPicPr>
-          <p:cNvPr id="3" name="Bild 2" descr="Bildschirmfoto 2015-06-24 um 21.39.54.png"/>
+          <p:cNvPr id="8" name="Bild 7" descr="Bildschirmfoto 2015-06-24 um 22.43.47.png"/>
           <p:cNvPicPr>
             <a:picLocks noChangeAspect="1"/>
           </p:cNvPicPr>
@@ -8217,8 +8269,8 @@
         </p:blipFill>
         <p:spPr>
           <a:xfrm>
-            <a:off x="1126880" y="2061307"/>
-            <a:ext cx="2377652" cy="4194000"/>
+            <a:off x="1123461" y="2060771"/>
+            <a:ext cx="2364154" cy="4187571"/>
           </a:xfrm>
           <a:prstGeom prst="rect">
             <a:avLst/>
@@ -8269,7 +8321,7 @@
                                           </p:stCondLst>
                                         </p:cTn>
                                         <p:tgtEl>
-                                          <p:spTgt spid="3"/>
+                                          <p:spTgt spid="8"/>
                                         </p:tgtEl>
                                         <p:attrNameLst>
                                           <p:attrName>style.visibility</p:attrName>
@@ -9260,7 +9312,7 @@
       </p:sp>
       <p:pic>
         <p:nvPicPr>
-          <p:cNvPr id="4" name="Inhaltsplatzhalter 3" descr="Bildschirmfoto 2015-06-24 um 21.01.05.png"/>
+          <p:cNvPr id="5" name="Inhaltsplatzhalter 4" descr="Bildschirmfoto 2015-06-24 um 22.36.28.png"/>
           <p:cNvPicPr>
             <a:picLocks noGrp="1" noChangeAspect="1"/>
           </p:cNvPicPr>
@@ -9276,15 +9328,10 @@
               </a:ext>
             </a:extLst>
           </a:blip>
-          <a:srcRect l="-268" t="233" r="-277318" b="-233"/>
+          <a:srcRect l="624" t="-466" r="-277769" b="466"/>
           <a:stretch/>
         </p:blipFill>
-        <p:spPr>
-          <a:xfrm>
-            <a:off x="1103313" y="2052638"/>
-            <a:ext cx="8947150" cy="4195762"/>
-          </a:xfrm>
-        </p:spPr>
+        <p:spPr/>
       </p:pic>
     </p:spTree>
     <p:extLst>
@@ -9565,7 +9612,7 @@
   <a:extraClrSchemeLst/>
   <a:extLst>
     <a:ext uri="{05A4C25C-085E-4340-85A3-A5531E510DB2}">
-      <thm15:themeFamily xmlns="" xmlns:thm15="http://schemas.microsoft.com/office/thememl/2012/main" name="Ion" id="{B8441ADB-2E43-4AF7-B97A-BD870242C6A8}" vid="{BACC050B-8757-4460-95D8-E37B46A6B421}"/>
+      <thm15:themeFamily xmlns:thm15="http://schemas.microsoft.com/office/thememl/2012/main" xmlns="" name="Ion" id="{B8441ADB-2E43-4AF7-B97A-BD870242C6A8}" vid="{BACC050B-8757-4460-95D8-E37B46A6B421}"/>
     </a:ext>
   </a:extLst>
 </a:theme>
@@ -9826,7 +9873,7 @@
   <a:extraClrSchemeLst/>
   <a:extLst>
     <a:ext uri="{05A4C25C-085E-4340-85A3-A5531E510DB2}">
-      <thm15:themeFamily xmlns="" xmlns:thm15="http://schemas.microsoft.com/office/thememl/2012/main" name="Office Theme" id="{62F939B6-93AF-4DB8-9C6B-D6C7DFDC589F}" vid="{4A3C46E8-61CC-4603-A589-7422A47A8E4A}"/>
+      <thm15:themeFamily xmlns:thm15="http://schemas.microsoft.com/office/thememl/2012/main" xmlns="" name="Office Theme" id="{62F939B6-93AF-4DB8-9C6B-D6C7DFDC589F}" vid="{4A3C46E8-61CC-4603-A589-7422A47A8E4A}"/>
     </a:ext>
   </a:extLst>
 </a:theme>

--- a/Rezptapp.pptx
+++ b/Rezptapp.pptx
@@ -7,6 +7,9 @@
   <p:notesMasterIdLst>
     <p:notesMasterId r:id="rId14"/>
   </p:notesMasterIdLst>
+  <p:handoutMasterIdLst>
+    <p:handoutMasterId r:id="rId15"/>
+  </p:handoutMasterIdLst>
   <p:sldIdLst>
     <p:sldId id="256" r:id="rId2"/>
     <p:sldId id="257" r:id="rId3"/>
@@ -120,10 +123,176 @@
   </p:defaultTextStyle>
   <p:extLst>
     <p:ext uri="{EFAFB233-063F-42B5-8137-9DF3F51BA10A}">
-      <p15:sldGuideLst xmlns:p15="http://schemas.microsoft.com/office/powerpoint/2012/main" xmlns=""/>
+      <p15:sldGuideLst xmlns="" xmlns:p15="http://schemas.microsoft.com/office/powerpoint/2012/main"/>
     </p:ext>
   </p:extLst>
 </p:presentation>
+</file>
+
+<file path=ppt/handoutMasters/handoutMaster1.xml><?xml version="1.0" encoding="utf-8"?>
+<p:handoutMaster xmlns:a="http://schemas.openxmlformats.org/drawingml/2006/main" xmlns:r="http://schemas.openxmlformats.org/officeDocument/2006/relationships" xmlns:p="http://schemas.openxmlformats.org/presentationml/2006/main">
+  <p:cSld>
+    <p:bg>
+      <p:bgRef idx="1001">
+        <a:schemeClr val="bg1"/>
+      </p:bgRef>
+    </p:bg>
+    <p:spTree>
+      <p:nvGrpSpPr>
+        <p:cNvPr id="1" name=""/>
+        <p:cNvGrpSpPr/>
+        <p:nvPr/>
+      </p:nvGrpSpPr>
+      <p:grpSpPr>
+        <a:xfrm>
+          <a:off x="0" y="0"/>
+          <a:ext cx="0" cy="0"/>
+          <a:chOff x="0" y="0"/>
+          <a:chExt cx="0" cy="0"/>
+        </a:xfrm>
+      </p:grpSpPr>
+      <p:sp>
+        <p:nvSpPr>
+          <p:cNvPr id="2" name="Überschriftenplatzhalter 1"/>
+          <p:cNvSpPr>
+            <a:spLocks noGrp="1"/>
+          </p:cNvSpPr>
+          <p:nvPr>
+            <p:ph type="hdr" sz="quarter"/>
+          </p:nvPr>
+        </p:nvSpPr>
+        <p:spPr>
+          <a:xfrm>
+            <a:off x="0" y="0"/>
+            <a:ext cx="2971800" cy="457200"/>
+          </a:xfrm>
+          <a:prstGeom prst="rect">
+            <a:avLst/>
+          </a:prstGeom>
+        </p:spPr>
+        <p:txBody>
+          <a:bodyPr vert="horz" lIns="91440" tIns="45720" rIns="91440" bIns="45720" rtlCol="0"/>
+          <a:lstStyle>
+            <a:lvl1pPr algn="l">
+              <a:defRPr sz="1200"/>
+            </a:lvl1pPr>
+          </a:lstStyle>
+          <a:p>
+            <a:endParaRPr lang="de-DE"/>
+          </a:p>
+        </p:txBody>
+      </p:sp>
+      <p:sp>
+        <p:nvSpPr>
+          <p:cNvPr id="3" name="Datumsplatzhalter 2"/>
+          <p:cNvSpPr>
+            <a:spLocks noGrp="1"/>
+          </p:cNvSpPr>
+          <p:nvPr>
+            <p:ph type="dt" sz="quarter" idx="1"/>
+          </p:nvPr>
+        </p:nvSpPr>
+        <p:spPr>
+          <a:xfrm>
+            <a:off x="3884613" y="0"/>
+            <a:ext cx="2971800" cy="457200"/>
+          </a:xfrm>
+          <a:prstGeom prst="rect">
+            <a:avLst/>
+          </a:prstGeom>
+        </p:spPr>
+        <p:txBody>
+          <a:bodyPr vert="horz" lIns="91440" tIns="45720" rIns="91440" bIns="45720" rtlCol="0"/>
+          <a:lstStyle>
+            <a:lvl1pPr algn="r">
+              <a:defRPr sz="1200"/>
+            </a:lvl1pPr>
+          </a:lstStyle>
+          <a:p>
+            <a:fld id="{F4FE8215-EE1A-924D-8693-33ABFEE13E2C}" type="datetime1">
+              <a:rPr lang="de-DE" smtClean="0"/>
+              <a:t>25.06.15</a:t>
+            </a:fld>
+            <a:endParaRPr lang="de-DE"/>
+          </a:p>
+        </p:txBody>
+      </p:sp>
+      <p:sp>
+        <p:nvSpPr>
+          <p:cNvPr id="4" name="Fußzeilenplatzhalter 3"/>
+          <p:cNvSpPr>
+            <a:spLocks noGrp="1"/>
+          </p:cNvSpPr>
+          <p:nvPr>
+            <p:ph type="ftr" sz="quarter" idx="2"/>
+          </p:nvPr>
+        </p:nvSpPr>
+        <p:spPr>
+          <a:xfrm>
+            <a:off x="0" y="8685213"/>
+            <a:ext cx="2971800" cy="457200"/>
+          </a:xfrm>
+          <a:prstGeom prst="rect">
+            <a:avLst/>
+          </a:prstGeom>
+        </p:spPr>
+        <p:txBody>
+          <a:bodyPr vert="horz" lIns="91440" tIns="45720" rIns="91440" bIns="45720" rtlCol="0" anchor="b"/>
+          <a:lstStyle>
+            <a:lvl1pPr algn="l">
+              <a:defRPr sz="1200"/>
+            </a:lvl1pPr>
+          </a:lstStyle>
+          <a:p>
+            <a:endParaRPr lang="de-DE"/>
+          </a:p>
+        </p:txBody>
+      </p:sp>
+      <p:sp>
+        <p:nvSpPr>
+          <p:cNvPr id="5" name="Foliennummernplatzhalter 4"/>
+          <p:cNvSpPr>
+            <a:spLocks noGrp="1"/>
+          </p:cNvSpPr>
+          <p:nvPr>
+            <p:ph type="sldNum" sz="quarter" idx="3"/>
+          </p:nvPr>
+        </p:nvSpPr>
+        <p:spPr>
+          <a:xfrm>
+            <a:off x="3884613" y="8685213"/>
+            <a:ext cx="2971800" cy="457200"/>
+          </a:xfrm>
+          <a:prstGeom prst="rect">
+            <a:avLst/>
+          </a:prstGeom>
+        </p:spPr>
+        <p:txBody>
+          <a:bodyPr vert="horz" lIns="91440" tIns="45720" rIns="91440" bIns="45720" rtlCol="0" anchor="b"/>
+          <a:lstStyle>
+            <a:lvl1pPr algn="r">
+              <a:defRPr sz="1200"/>
+            </a:lvl1pPr>
+          </a:lstStyle>
+          <a:p>
+            <a:fld id="{9A01B226-8DA6-3641-964F-72E250814566}" type="slidenum">
+              <a:rPr lang="de-DE" smtClean="0"/>
+              <a:t>‹Nr.›</a:t>
+            </a:fld>
+            <a:endParaRPr lang="de-DE"/>
+          </a:p>
+        </p:txBody>
+      </p:sp>
+    </p:spTree>
+    <p:extLst>
+      <p:ext uri="{BB962C8B-B14F-4D97-AF65-F5344CB8AC3E}">
+        <p14:creationId xmlns:p14="http://schemas.microsoft.com/office/powerpoint/2010/main" val="2221761844"/>
+      </p:ext>
+    </p:extLst>
+  </p:cSld>
+  <p:clrMap bg1="lt1" tx1="dk1" bg2="lt2" tx2="dk2" accent1="accent1" accent2="accent2" accent3="accent3" accent4="accent4" accent5="accent5" accent6="accent6" hlink="hlink" folHlink="folHlink"/>
+  <p:hf hdr="0" ftr="0" dt="0"/>
+</p:handoutMaster>
 </file>
 
 <file path=ppt/notesMasters/notesMaster1.xml><?xml version="1.0" encoding="utf-8"?>
@@ -206,9 +375,9 @@
             </a:lvl1pPr>
           </a:lstStyle>
           <a:p>
-            <a:fld id="{9F85C77C-F69C-4500-9FAE-D7D50C9B1661}" type="datetimeFigureOut">
-              <a:rPr lang="de-DE"/>
-              <a:t>24.06.15</a:t>
+            <a:fld id="{C3CFEF23-EBEC-114D-A423-C9403082D5EC}" type="datetime1">
+              <a:rPr lang="de-DE" smtClean="0"/>
+              <a:t>25.06.15</a:t>
             </a:fld>
             <a:endParaRPr lang="de-DE"/>
           </a:p>
@@ -380,6 +549,7 @@
     </p:extLst>
   </p:cSld>
   <p:clrMap bg1="lt1" tx1="dk1" bg2="lt2" tx2="dk2" accent1="accent1" accent2="accent2" accent3="accent3" accent4="accent4" accent5="accent5" accent6="accent6" hlink="hlink" folHlink="folHlink"/>
+  <p:hf hdr="0" ftr="0" dt="0"/>
   <p:notesStyle>
     <a:lvl1pPr marL="0" algn="l" defTabSz="914400" rtl="0" eaLnBrk="1" latinLnBrk="0" hangingPunct="1">
       <a:defRPr sz="1200" kern="1200">
@@ -707,6 +877,90 @@
           <a:lstStyle/>
           <a:p>
             <a:fld id="{0F565E2B-0033-4D47-8B58-5FB2078FE6FF}" type="slidenum">
+              <a:rPr lang="de-DE" smtClean="0"/>
+              <a:t>3</a:t>
+            </a:fld>
+            <a:endParaRPr lang="de-DE"/>
+          </a:p>
+        </p:txBody>
+      </p:sp>
+    </p:spTree>
+    <p:extLst>
+      <p:ext uri="{BB962C8B-B14F-4D97-AF65-F5344CB8AC3E}">
+        <p14:creationId xmlns:p14="http://schemas.microsoft.com/office/powerpoint/2010/main" val="3965521269"/>
+      </p:ext>
+    </p:extLst>
+  </p:cSld>
+  <p:clrMapOvr>
+    <a:masterClrMapping/>
+  </p:clrMapOvr>
+</p:notes>
+</file>
+
+<file path=ppt/notesSlides/notesSlide4.xml><?xml version="1.0" encoding="utf-8"?>
+<p:notes xmlns:a="http://schemas.openxmlformats.org/drawingml/2006/main" xmlns:r="http://schemas.openxmlformats.org/officeDocument/2006/relationships" xmlns:p="http://schemas.openxmlformats.org/presentationml/2006/main">
+  <p:cSld>
+    <p:spTree>
+      <p:nvGrpSpPr>
+        <p:cNvPr id="1" name=""/>
+        <p:cNvGrpSpPr/>
+        <p:nvPr/>
+      </p:nvGrpSpPr>
+      <p:grpSpPr>
+        <a:xfrm>
+          <a:off x="0" y="0"/>
+          <a:ext cx="0" cy="0"/>
+          <a:chOff x="0" y="0"/>
+          <a:chExt cx="0" cy="0"/>
+        </a:xfrm>
+      </p:grpSpPr>
+      <p:sp>
+        <p:nvSpPr>
+          <p:cNvPr id="2" name="Folienbildplatzhalter 1"/>
+          <p:cNvSpPr>
+            <a:spLocks noGrp="1" noRot="1" noChangeAspect="1"/>
+          </p:cNvSpPr>
+          <p:nvPr>
+            <p:ph type="sldImg"/>
+          </p:nvPr>
+        </p:nvSpPr>
+        <p:spPr/>
+      </p:sp>
+      <p:sp>
+        <p:nvSpPr>
+          <p:cNvPr id="3" name="Notizenplatzhalter 2"/>
+          <p:cNvSpPr>
+            <a:spLocks noGrp="1"/>
+          </p:cNvSpPr>
+          <p:nvPr>
+            <p:ph type="body" idx="1"/>
+          </p:nvPr>
+        </p:nvSpPr>
+        <p:spPr/>
+        <p:txBody>
+          <a:bodyPr/>
+          <a:lstStyle/>
+          <a:p>
+            <a:endParaRPr lang="de-DE"/>
+          </a:p>
+        </p:txBody>
+      </p:sp>
+      <p:sp>
+        <p:nvSpPr>
+          <p:cNvPr id="4" name="Foliennummernplatzhalter 3"/>
+          <p:cNvSpPr>
+            <a:spLocks noGrp="1"/>
+          </p:cNvSpPr>
+          <p:nvPr>
+            <p:ph type="sldNum" sz="quarter" idx="10"/>
+          </p:nvPr>
+        </p:nvSpPr>
+        <p:spPr/>
+        <p:txBody>
+          <a:bodyPr/>
+          <a:lstStyle/>
+          <a:p>
+            <a:fld id="{0F565E2B-0033-4D47-8B58-5FB2078FE6FF}" type="slidenum">
               <a:rPr lang="de-DE"/>
               <a:t>12</a:t>
             </a:fld>
@@ -908,9 +1162,9 @@
           <a:bodyPr/>
           <a:lstStyle/>
           <a:p>
-            <a:fld id="{4AAD347D-5ACD-4C99-B74B-A9C85AD731AF}" type="datetimeFigureOut">
-              <a:rPr lang="en-US" smtClean="0"/>
-              <a:t>24.06.15</a:t>
+            <a:fld id="{D9314DD1-E9DB-1449-A55C-B473D813F71E}" type="datetime1">
+              <a:rPr lang="de-DE" smtClean="0"/>
+              <a:t>25.06.15</a:t>
             </a:fld>
             <a:endParaRPr lang="en-US" dirty="0"/>
           </a:p>
@@ -1183,9 +1437,9 @@
           <a:bodyPr/>
           <a:lstStyle/>
           <a:p>
-            <a:fld id="{4509A250-FF31-4206-8172-F9D3106AACB1}" type="datetimeFigureOut">
-              <a:rPr lang="en-US" smtClean="0"/>
-              <a:t>24.06.15</a:t>
+            <a:fld id="{E878B277-116C-454B-A711-3C0C1EDFF3C6}" type="datetime1">
+              <a:rPr lang="de-DE" smtClean="0"/>
+              <a:t>25.06.15</a:t>
             </a:fld>
             <a:endParaRPr lang="en-US" dirty="0"/>
           </a:p>
@@ -1377,9 +1631,9 @@
           <a:bodyPr/>
           <a:lstStyle/>
           <a:p>
-            <a:fld id="{4509A250-FF31-4206-8172-F9D3106AACB1}" type="datetimeFigureOut">
-              <a:rPr lang="en-US" smtClean="0"/>
-              <a:t>24.06.15</a:t>
+            <a:fld id="{BB254958-029C-8B44-A60D-61E75C000B3C}" type="datetime1">
+              <a:rPr lang="de-DE" smtClean="0"/>
+              <a:t>25.06.15</a:t>
             </a:fld>
             <a:endParaRPr lang="en-US" dirty="0"/>
           </a:p>
@@ -1645,9 +1899,9 @@
           <a:bodyPr/>
           <a:lstStyle/>
           <a:p>
-            <a:fld id="{4509A250-FF31-4206-8172-F9D3106AACB1}" type="datetimeFigureOut">
-              <a:rPr lang="en-US" smtClean="0"/>
-              <a:t>24.06.15</a:t>
+            <a:fld id="{01FB6862-2E72-B948-9552-AEB9716E568D}" type="datetime1">
+              <a:rPr lang="de-DE" smtClean="0"/>
+              <a:t>25.06.15</a:t>
             </a:fld>
             <a:endParaRPr lang="en-US" dirty="0"/>
           </a:p>
@@ -1977,9 +2231,9 @@
           <a:bodyPr/>
           <a:lstStyle/>
           <a:p>
-            <a:fld id="{4509A250-FF31-4206-8172-F9D3106AACB1}" type="datetimeFigureOut">
-              <a:rPr lang="en-US" smtClean="0"/>
-              <a:t>24.06.15</a:t>
+            <a:fld id="{6133B1D6-6CC6-8547-9A2B-9E049BDBDC72}" type="datetime1">
+              <a:rPr lang="de-DE" smtClean="0"/>
+              <a:t>25.06.15</a:t>
             </a:fld>
             <a:endParaRPr lang="en-US" dirty="0"/>
           </a:p>
@@ -2587,9 +2841,9 @@
           <a:bodyPr/>
           <a:lstStyle/>
           <a:p>
-            <a:fld id="{4509A250-FF31-4206-8172-F9D3106AACB1}" type="datetimeFigureOut">
-              <a:rPr lang="en-US" smtClean="0"/>
-              <a:t>24.06.15</a:t>
+            <a:fld id="{39304890-A84B-014A-9E7E-40019CF576BC}" type="datetime1">
+              <a:rPr lang="de-DE" smtClean="0"/>
+              <a:t>25.06.15</a:t>
             </a:fld>
             <a:endParaRPr lang="en-US" dirty="0"/>
           </a:p>
@@ -3434,9 +3688,9 @@
           <a:bodyPr/>
           <a:lstStyle/>
           <a:p>
-            <a:fld id="{4509A250-FF31-4206-8172-F9D3106AACB1}" type="datetimeFigureOut">
-              <a:rPr lang="en-US" smtClean="0"/>
-              <a:t>24.06.15</a:t>
+            <a:fld id="{3256CB3C-D5C9-B545-A0B5-3A300EE194BE}" type="datetime1">
+              <a:rPr lang="de-DE" smtClean="0"/>
+              <a:t>25.06.15</a:t>
             </a:fld>
             <a:endParaRPr lang="en-US" dirty="0"/>
           </a:p>
@@ -3604,9 +3858,9 @@
           <a:bodyPr/>
           <a:lstStyle/>
           <a:p>
-            <a:fld id="{4509A250-FF31-4206-8172-F9D3106AACB1}" type="datetimeFigureOut">
-              <a:rPr lang="en-US" smtClean="0"/>
-              <a:t>24.06.15</a:t>
+            <a:fld id="{2D8D60B6-1A3F-AE42-BE66-5351F94845A7}" type="datetime1">
+              <a:rPr lang="de-DE" smtClean="0"/>
+              <a:t>25.06.15</a:t>
             </a:fld>
             <a:endParaRPr lang="en-US" dirty="0"/>
           </a:p>
@@ -3784,9 +4038,9 @@
           <a:bodyPr/>
           <a:lstStyle/>
           <a:p>
-            <a:fld id="{4509A250-FF31-4206-8172-F9D3106AACB1}" type="datetimeFigureOut">
-              <a:rPr lang="en-US" smtClean="0"/>
-              <a:t>24.06.15</a:t>
+            <a:fld id="{1DE15592-7ED2-7B4C-BA1B-3BB9B0E99849}" type="datetime1">
+              <a:rPr lang="de-DE" smtClean="0"/>
+              <a:t>25.06.15</a:t>
             </a:fld>
             <a:endParaRPr lang="en-US" dirty="0"/>
           </a:p>
@@ -3954,9 +4208,9 @@
           <a:bodyPr/>
           <a:lstStyle/>
           <a:p>
-            <a:fld id="{4509A250-FF31-4206-8172-F9D3106AACB1}" type="datetimeFigureOut">
-              <a:rPr lang="en-US" smtClean="0"/>
-              <a:t>24.06.15</a:t>
+            <a:fld id="{18348CA6-B841-3245-911D-D41556F56EEF}" type="datetime1">
+              <a:rPr lang="de-DE" smtClean="0"/>
+              <a:t>25.06.15</a:t>
             </a:fld>
             <a:endParaRPr lang="en-US" dirty="0"/>
           </a:p>
@@ -4198,9 +4452,9 @@
           <a:bodyPr/>
           <a:lstStyle/>
           <a:p>
-            <a:fld id="{9796027F-7875-4030-9381-8BD8C4F21935}" type="datetimeFigureOut">
-              <a:rPr lang="en-US" smtClean="0"/>
-              <a:t>24.06.15</a:t>
+            <a:fld id="{38F9C69F-AF46-9947-AC34-C2B1621FE9E6}" type="datetime1">
+              <a:rPr lang="de-DE" smtClean="0"/>
+              <a:t>25.06.15</a:t>
             </a:fld>
             <a:endParaRPr lang="en-US" dirty="0"/>
           </a:p>
@@ -4490,9 +4744,9 @@
           <a:bodyPr/>
           <a:lstStyle/>
           <a:p>
-            <a:fld id="{9796027F-7875-4030-9381-8BD8C4F21935}" type="datetimeFigureOut">
-              <a:rPr lang="en-US" smtClean="0"/>
-              <a:t>24.06.15</a:t>
+            <a:fld id="{501475DF-218D-DE45-B06B-635536E3AAC7}" type="datetime1">
+              <a:rPr lang="de-DE" smtClean="0"/>
+              <a:t>25.06.15</a:t>
             </a:fld>
             <a:endParaRPr lang="en-US" dirty="0"/>
           </a:p>
@@ -4928,9 +5182,9 @@
           <a:bodyPr/>
           <a:lstStyle/>
           <a:p>
-            <a:fld id="{9796027F-7875-4030-9381-8BD8C4F21935}" type="datetimeFigureOut">
-              <a:rPr lang="en-US" smtClean="0"/>
-              <a:t>24.06.15</a:t>
+            <a:fld id="{6CAA3AEF-DEBA-5A45-A91E-69E676F6F8C3}" type="datetime1">
+              <a:rPr lang="de-DE" smtClean="0"/>
+              <a:t>25.06.15</a:t>
             </a:fld>
             <a:endParaRPr lang="en-US" dirty="0"/>
           </a:p>
@@ -5046,9 +5300,9 @@
           <a:bodyPr/>
           <a:lstStyle/>
           <a:p>
-            <a:fld id="{4509A250-FF31-4206-8172-F9D3106AACB1}" type="datetimeFigureOut">
-              <a:rPr lang="en-US" smtClean="0"/>
-              <a:t>24.06.15</a:t>
+            <a:fld id="{013CD5B0-38B4-AA49-ADE9-F31630F28F85}" type="datetime1">
+              <a:rPr lang="de-DE" smtClean="0"/>
+              <a:t>25.06.15</a:t>
             </a:fld>
             <a:endParaRPr lang="en-US" dirty="0"/>
           </a:p>
@@ -5141,9 +5395,9 @@
           <a:bodyPr/>
           <a:lstStyle/>
           <a:p>
-            <a:fld id="{4509A250-FF31-4206-8172-F9D3106AACB1}" type="datetimeFigureOut">
-              <a:rPr lang="en-US" smtClean="0"/>
-              <a:t>24.06.15</a:t>
+            <a:fld id="{670D0A0D-5EB3-7249-AA7A-2E894016EE51}" type="datetime1">
+              <a:rPr lang="de-DE" smtClean="0"/>
+              <a:t>25.06.15</a:t>
             </a:fld>
             <a:endParaRPr lang="en-US" dirty="0"/>
           </a:p>
@@ -5420,9 +5674,9 @@
           <a:bodyPr/>
           <a:lstStyle/>
           <a:p>
-            <a:fld id="{4509A250-FF31-4206-8172-F9D3106AACB1}" type="datetimeFigureOut">
-              <a:rPr lang="en-US" smtClean="0"/>
-              <a:t>24.06.15</a:t>
+            <a:fld id="{A40232E1-E83D-E946-AD46-EDA41718E0F8}" type="datetime1">
+              <a:rPr lang="de-DE" smtClean="0"/>
+              <a:t>25.06.15</a:t>
             </a:fld>
             <a:endParaRPr lang="en-US" dirty="0"/>
           </a:p>
@@ -5695,9 +5949,9 @@
           <a:bodyPr/>
           <a:lstStyle/>
           <a:p>
-            <a:fld id="{4509A250-FF31-4206-8172-F9D3106AACB1}" type="datetimeFigureOut">
-              <a:rPr lang="en-US" smtClean="0"/>
-              <a:t>24.06.15</a:t>
+            <a:fld id="{93996BAC-BFF8-6049-8531-B5BB1F16B3BB}" type="datetime1">
+              <a:rPr lang="de-DE" smtClean="0"/>
+              <a:t>25.06.15</a:t>
             </a:fld>
             <a:endParaRPr lang="en-US" dirty="0"/>
           </a:p>
@@ -6124,9 +6378,9 @@
             </a:lvl1pPr>
           </a:lstStyle>
           <a:p>
-            <a:fld id="{4AAD347D-5ACD-4C99-B74B-A9C85AD731AF}" type="datetimeFigureOut">
-              <a:rPr lang="en-US" smtClean="0"/>
-              <a:t>24.06.15</a:t>
+            <a:fld id="{4F91E1AD-B02E-9D48-ACFF-4BE0A2F6D95C}" type="datetime1">
+              <a:rPr lang="de-DE" smtClean="0"/>
+              <a:t>25.06.15</a:t>
             </a:fld>
             <a:endParaRPr lang="en-US" dirty="0"/>
           </a:p>
@@ -6203,10 +6457,10 @@
             </a:lvl1pPr>
           </a:lstStyle>
           <a:p>
-            <a:fld id="{D57F1E4F-1CFF-5643-939E-02111984F565}" type="slidenum">
-              <a:rPr lang="en-US" smtClean="0"/>
-              <a:t>‹Nr.›</a:t>
-            </a:fld>
+            <a:r>
+              <a:rPr lang="en-US" dirty="0" smtClean="0"/>
+              <a:t>Nr.1</a:t>
+            </a:r>
             <a:endParaRPr lang="en-US" dirty="0"/>
           </a:p>
         </p:txBody>
@@ -6238,7 +6492,14 @@
     <p:sldLayoutId id="2147483687" r:id="rId16"/>
     <p:sldLayoutId id="2147483688" r:id="rId17"/>
   </p:sldLayoutIdLst>
-  <p:hf sldNum="0" hdr="0" ftr="0" dt="0"/>
+  <p:timing>
+    <p:tnLst>
+      <p:par>
+        <p:cTn xmlns:p14="http://schemas.microsoft.com/office/powerpoint/2010/main" id="1" dur="indefinite" restart="never" nodeType="tmRoot"/>
+      </p:par>
+    </p:tnLst>
+  </p:timing>
+  <p:hf hdr="0" ftr="0" dt="0"/>
   <p:txStyles>
     <p:titleStyle>
       <a:lvl1pPr algn="l" defTabSz="457200" rtl="0" eaLnBrk="1" latinLnBrk="0" hangingPunct="1">
@@ -6777,15 +7038,13 @@
               <a:rPr lang="de-DE" dirty="0" smtClean="0">
                 <a:sym typeface="Wingdings"/>
               </a:rPr>
-              <a:t>API-Anbindung geplant</a:t>
-            </a:r>
-          </a:p>
-          <a:p>
+              <a:t>Rezept </a:t>
+            </a:r>
             <a:r>
               <a:rPr lang="de-DE" dirty="0" smtClean="0">
                 <a:sym typeface="Wingdings"/>
               </a:rPr>
-              <a:t>Rezept nach Personenzahl anpassen</a:t>
+              <a:t>nach Personenzahl anpassen</a:t>
             </a:r>
           </a:p>
           <a:p>
@@ -6795,7 +7054,65 @@
               </a:rPr>
               <a:t>Zubereitung in Listenform </a:t>
             </a:r>
+            <a:endParaRPr lang="de-DE" dirty="0" smtClean="0">
+              <a:sym typeface="Wingdings"/>
+            </a:endParaRPr>
+          </a:p>
+          <a:p>
+            <a:r>
+              <a:rPr lang="de-DE" dirty="0" smtClean="0">
+                <a:sym typeface="Wingdings"/>
+              </a:rPr>
+              <a:t>Geplant: </a:t>
+            </a:r>
+          </a:p>
+          <a:p>
+            <a:pPr lvl="1"/>
+            <a:r>
+              <a:rPr lang="de-DE" dirty="0" smtClean="0">
+                <a:sym typeface="Wingdings"/>
+              </a:rPr>
+              <a:t>API-Anbindung </a:t>
+            </a:r>
+            <a:r>
+              <a:rPr lang="de-DE" dirty="0" smtClean="0">
+                <a:sym typeface="Wingdings"/>
+              </a:rPr>
+              <a:t>für neue Rezepte</a:t>
+            </a:r>
+          </a:p>
+          <a:p>
+            <a:pPr lvl="1"/>
+            <a:r>
+              <a:rPr lang="de-DE" dirty="0" smtClean="0">
+                <a:sym typeface="Wingdings"/>
+              </a:rPr>
+              <a:t>Visual Identity</a:t>
+            </a:r>
             <a:endParaRPr lang="de-DE" dirty="0"/>
+          </a:p>
+        </p:txBody>
+      </p:sp>
+      <p:sp>
+        <p:nvSpPr>
+          <p:cNvPr id="4" name="Foliennummernplatzhalter 3"/>
+          <p:cNvSpPr>
+            <a:spLocks noGrp="1"/>
+          </p:cNvSpPr>
+          <p:nvPr>
+            <p:ph type="sldNum" sz="quarter" idx="12"/>
+          </p:nvPr>
+        </p:nvSpPr>
+        <p:spPr/>
+        <p:txBody>
+          <a:bodyPr/>
+          <a:lstStyle/>
+          <a:p>
+            <a:fld id="{D57F1E4F-1CFF-5643-939E-02111984F565}" type="slidenum">
+              <a:rPr lang="en-US" smtClean="0"/>
+              <a:t>10</a:t>
+            </a:fld>
+            <a:endParaRPr lang="en-US" dirty="0"/>
           </a:p>
         </p:txBody>
       </p:sp>
@@ -6871,6 +7188,29 @@
           </a:p>
         </p:txBody>
       </p:sp>
+      <p:sp>
+        <p:nvSpPr>
+          <p:cNvPr id="3" name="Foliennummernplatzhalter 2"/>
+          <p:cNvSpPr>
+            <a:spLocks noGrp="1"/>
+          </p:cNvSpPr>
+          <p:nvPr>
+            <p:ph type="sldNum" sz="quarter" idx="12"/>
+          </p:nvPr>
+        </p:nvSpPr>
+        <p:spPr/>
+        <p:txBody>
+          <a:bodyPr/>
+          <a:lstStyle/>
+          <a:p>
+            <a:fld id="{D57F1E4F-1CFF-5643-939E-02111984F565}" type="slidenum">
+              <a:rPr lang="en-US" smtClean="0"/>
+              <a:t>11</a:t>
+            </a:fld>
+            <a:endParaRPr lang="en-US" dirty="0"/>
+          </a:p>
+        </p:txBody>
+      </p:sp>
     </p:spTree>
     <p:extLst>
       <p:ext uri="{BB962C8B-B14F-4D97-AF65-F5344CB8AC3E}">
@@ -6881,6 +7221,13 @@
   <p:clrMapOvr>
     <a:masterClrMapping/>
   </p:clrMapOvr>
+  <p:timing>
+    <p:tnLst>
+      <p:par>
+        <p:cTn xmlns:p14="http://schemas.microsoft.com/office/powerpoint/2010/main" id="1" dur="indefinite" restart="never" nodeType="tmRoot"/>
+      </p:par>
+    </p:tnLst>
+  </p:timing>
 </p:sld>
 </file>
 
@@ -7056,7 +7403,36 @@
               <a:rPr lang="de-DE" sz="2800" dirty="0" smtClean="0"/>
               <a:t>Besonderheiten</a:t>
             </a:r>
+          </a:p>
+          <a:p>
+            <a:r>
+              <a:rPr lang="de-DE" sz="2800" dirty="0" smtClean="0"/>
+              <a:t>Demo</a:t>
+            </a:r>
             <a:endParaRPr lang="de-DE" sz="2800" dirty="0"/>
+          </a:p>
+        </p:txBody>
+      </p:sp>
+      <p:sp>
+        <p:nvSpPr>
+          <p:cNvPr id="4" name="Foliennummernplatzhalter 3"/>
+          <p:cNvSpPr>
+            <a:spLocks noGrp="1"/>
+          </p:cNvSpPr>
+          <p:nvPr>
+            <p:ph type="sldNum" sz="quarter" idx="12"/>
+          </p:nvPr>
+        </p:nvSpPr>
+        <p:spPr/>
+        <p:txBody>
+          <a:bodyPr/>
+          <a:lstStyle/>
+          <a:p>
+            <a:fld id="{D57F1E4F-1CFF-5643-939E-02111984F565}" type="slidenum">
+              <a:rPr lang="en-US" smtClean="0"/>
+              <a:t>2</a:t>
+            </a:fld>
+            <a:endParaRPr lang="en-US" dirty="0"/>
           </a:p>
         </p:txBody>
       </p:sp>
@@ -7167,6 +7543,29 @@
               <a:rPr lang="de-DE" dirty="0" smtClean="0"/>
               <a:t>Rezept suchen</a:t>
             </a:r>
+          </a:p>
+        </p:txBody>
+      </p:sp>
+      <p:sp>
+        <p:nvSpPr>
+          <p:cNvPr id="4" name="Foliennummernplatzhalter 3"/>
+          <p:cNvSpPr>
+            <a:spLocks noGrp="1"/>
+          </p:cNvSpPr>
+          <p:nvPr>
+            <p:ph type="sldNum" sz="quarter" idx="12"/>
+          </p:nvPr>
+        </p:nvSpPr>
+        <p:spPr/>
+        <p:txBody>
+          <a:bodyPr/>
+          <a:lstStyle/>
+          <a:p>
+            <a:fld id="{D57F1E4F-1CFF-5643-939E-02111984F565}" type="slidenum">
+              <a:rPr lang="en-US" smtClean="0"/>
+              <a:t>3</a:t>
+            </a:fld>
+            <a:endParaRPr lang="en-US" dirty="0"/>
           </a:p>
         </p:txBody>
       </p:sp>
@@ -7493,6 +7892,29 @@
           </a:xfrm>
         </p:spPr>
       </p:pic>
+      <p:sp>
+        <p:nvSpPr>
+          <p:cNvPr id="3" name="Foliennummernplatzhalter 2"/>
+          <p:cNvSpPr>
+            <a:spLocks noGrp="1"/>
+          </p:cNvSpPr>
+          <p:nvPr>
+            <p:ph type="sldNum" sz="quarter" idx="12"/>
+          </p:nvPr>
+        </p:nvSpPr>
+        <p:spPr/>
+        <p:txBody>
+          <a:bodyPr/>
+          <a:lstStyle/>
+          <a:p>
+            <a:fld id="{D57F1E4F-1CFF-5643-939E-02111984F565}" type="slidenum">
+              <a:rPr lang="en-US" smtClean="0"/>
+              <a:t>4</a:t>
+            </a:fld>
+            <a:endParaRPr lang="en-US" dirty="0"/>
+          </a:p>
+        </p:txBody>
+      </p:sp>
     </p:spTree>
     <p:extLst>
       <p:ext uri="{BB962C8B-B14F-4D97-AF65-F5344CB8AC3E}">
@@ -7849,6 +8271,29 @@
           </a:prstGeom>
         </p:spPr>
       </p:pic>
+      <p:sp>
+        <p:nvSpPr>
+          <p:cNvPr id="3" name="Foliennummernplatzhalter 2"/>
+          <p:cNvSpPr>
+            <a:spLocks noGrp="1"/>
+          </p:cNvSpPr>
+          <p:nvPr>
+            <p:ph type="sldNum" sz="quarter" idx="12"/>
+          </p:nvPr>
+        </p:nvSpPr>
+        <p:spPr/>
+        <p:txBody>
+          <a:bodyPr/>
+          <a:lstStyle/>
+          <a:p>
+            <a:fld id="{D57F1E4F-1CFF-5643-939E-02111984F565}" type="slidenum">
+              <a:rPr lang="en-US" smtClean="0"/>
+              <a:t>5</a:t>
+            </a:fld>
+            <a:endParaRPr lang="en-US" dirty="0"/>
+          </a:p>
+        </p:txBody>
+      </p:sp>
     </p:spTree>
     <p:extLst>
       <p:ext uri="{BB962C8B-B14F-4D97-AF65-F5344CB8AC3E}">
@@ -8277,6 +8722,29 @@
           </a:prstGeom>
         </p:spPr>
       </p:pic>
+      <p:sp>
+        <p:nvSpPr>
+          <p:cNvPr id="3" name="Foliennummernplatzhalter 2"/>
+          <p:cNvSpPr>
+            <a:spLocks noGrp="1"/>
+          </p:cNvSpPr>
+          <p:nvPr>
+            <p:ph type="sldNum" sz="quarter" idx="12"/>
+          </p:nvPr>
+        </p:nvSpPr>
+        <p:spPr/>
+        <p:txBody>
+          <a:bodyPr/>
+          <a:lstStyle/>
+          <a:p>
+            <a:fld id="{D57F1E4F-1CFF-5643-939E-02111984F565}" type="slidenum">
+              <a:rPr lang="en-US" smtClean="0"/>
+              <a:t>6</a:t>
+            </a:fld>
+            <a:endParaRPr lang="en-US" dirty="0"/>
+          </a:p>
+        </p:txBody>
+      </p:sp>
     </p:spTree>
     <p:extLst>
       <p:ext uri="{BB962C8B-B14F-4D97-AF65-F5344CB8AC3E}">
@@ -8669,6 +9137,29 @@
         </p:blipFill>
         <p:spPr/>
       </p:pic>
+      <p:sp>
+        <p:nvSpPr>
+          <p:cNvPr id="3" name="Foliennummernplatzhalter 2"/>
+          <p:cNvSpPr>
+            <a:spLocks noGrp="1"/>
+          </p:cNvSpPr>
+          <p:nvPr>
+            <p:ph type="sldNum" sz="quarter" idx="12"/>
+          </p:nvPr>
+        </p:nvSpPr>
+        <p:spPr/>
+        <p:txBody>
+          <a:bodyPr/>
+          <a:lstStyle/>
+          <a:p>
+            <a:fld id="{D57F1E4F-1CFF-5643-939E-02111984F565}" type="slidenum">
+              <a:rPr lang="en-US" smtClean="0"/>
+              <a:t>7</a:t>
+            </a:fld>
+            <a:endParaRPr lang="en-US" dirty="0"/>
+          </a:p>
+        </p:txBody>
+      </p:sp>
     </p:spTree>
     <p:extLst>
       <p:ext uri="{BB962C8B-B14F-4D97-AF65-F5344CB8AC3E}">
@@ -8994,6 +9485,29 @@
           </a:p>
         </p:txBody>
       </p:sp>
+      <p:sp>
+        <p:nvSpPr>
+          <p:cNvPr id="3" name="Foliennummernplatzhalter 2"/>
+          <p:cNvSpPr>
+            <a:spLocks noGrp="1"/>
+          </p:cNvSpPr>
+          <p:nvPr>
+            <p:ph type="sldNum" sz="quarter" idx="12"/>
+          </p:nvPr>
+        </p:nvSpPr>
+        <p:spPr/>
+        <p:txBody>
+          <a:bodyPr/>
+          <a:lstStyle/>
+          <a:p>
+            <a:fld id="{D57F1E4F-1CFF-5643-939E-02111984F565}" type="slidenum">
+              <a:rPr lang="en-US" smtClean="0"/>
+              <a:t>8</a:t>
+            </a:fld>
+            <a:endParaRPr lang="en-US" dirty="0"/>
+          </a:p>
+        </p:txBody>
+      </p:sp>
     </p:spTree>
     <p:extLst>
       <p:ext uri="{BB962C8B-B14F-4D97-AF65-F5344CB8AC3E}">
@@ -9333,6 +9847,29 @@
         </p:blipFill>
         <p:spPr/>
       </p:pic>
+      <p:sp>
+        <p:nvSpPr>
+          <p:cNvPr id="3" name="Foliennummernplatzhalter 2"/>
+          <p:cNvSpPr>
+            <a:spLocks noGrp="1"/>
+          </p:cNvSpPr>
+          <p:nvPr>
+            <p:ph type="sldNum" sz="quarter" idx="12"/>
+          </p:nvPr>
+        </p:nvSpPr>
+        <p:spPr/>
+        <p:txBody>
+          <a:bodyPr/>
+          <a:lstStyle/>
+          <a:p>
+            <a:fld id="{D57F1E4F-1CFF-5643-939E-02111984F565}" type="slidenum">
+              <a:rPr lang="en-US" smtClean="0"/>
+              <a:t>9</a:t>
+            </a:fld>
+            <a:endParaRPr lang="en-US" dirty="0"/>
+          </a:p>
+        </p:txBody>
+      </p:sp>
     </p:spTree>
     <p:extLst>
       <p:ext uri="{BB962C8B-B14F-4D97-AF65-F5344CB8AC3E}">
@@ -9612,7 +10149,7 @@
   <a:extraClrSchemeLst/>
   <a:extLst>
     <a:ext uri="{05A4C25C-085E-4340-85A3-A5531E510DB2}">
-      <thm15:themeFamily xmlns:thm15="http://schemas.microsoft.com/office/thememl/2012/main" xmlns="" name="Ion" id="{B8441ADB-2E43-4AF7-B97A-BD870242C6A8}" vid="{BACC050B-8757-4460-95D8-E37B46A6B421}"/>
+      <thm15:themeFamily xmlns="" xmlns:thm15="http://schemas.microsoft.com/office/thememl/2012/main" name="Ion" id="{B8441ADB-2E43-4AF7-B97A-BD870242C6A8}" vid="{BACC050B-8757-4460-95D8-E37B46A6B421}"/>
     </a:ext>
   </a:extLst>
 </a:theme>
@@ -9873,8 +10410,328 @@
   <a:extraClrSchemeLst/>
   <a:extLst>
     <a:ext uri="{05A4C25C-085E-4340-85A3-A5531E510DB2}">
-      <thm15:themeFamily xmlns:thm15="http://schemas.microsoft.com/office/thememl/2012/main" xmlns="" name="Office Theme" id="{62F939B6-93AF-4DB8-9C6B-D6C7DFDC589F}" vid="{4A3C46E8-61CC-4603-A589-7422A47A8E4A}"/>
+      <thm15:themeFamily xmlns="" xmlns:thm15="http://schemas.microsoft.com/office/thememl/2012/main" name="Office Theme" id="{62F939B6-93AF-4DB8-9C6B-D6C7DFDC589F}" vid="{4A3C46E8-61CC-4603-A589-7422A47A8E4A}"/>
     </a:ext>
   </a:extLst>
 </a:theme>
+</file>
+
+<file path=ppt/theme/theme3.xml><?xml version="1.0" encoding="utf-8"?>
+<a:theme xmlns:a="http://schemas.openxmlformats.org/drawingml/2006/main" name="Office-Design">
+  <a:themeElements>
+    <a:clrScheme name="Office">
+      <a:dk1>
+        <a:sysClr val="windowText" lastClr="000000"/>
+      </a:dk1>
+      <a:lt1>
+        <a:sysClr val="window" lastClr="FFFFFF"/>
+      </a:lt1>
+      <a:dk2>
+        <a:srgbClr val="1F497D"/>
+      </a:dk2>
+      <a:lt2>
+        <a:srgbClr val="EEECE1"/>
+      </a:lt2>
+      <a:accent1>
+        <a:srgbClr val="4F81BD"/>
+      </a:accent1>
+      <a:accent2>
+        <a:srgbClr val="C0504D"/>
+      </a:accent2>
+      <a:accent3>
+        <a:srgbClr val="9BBB59"/>
+      </a:accent3>
+      <a:accent4>
+        <a:srgbClr val="8064A2"/>
+      </a:accent4>
+      <a:accent5>
+        <a:srgbClr val="4BACC6"/>
+      </a:accent5>
+      <a:accent6>
+        <a:srgbClr val="F79646"/>
+      </a:accent6>
+      <a:hlink>
+        <a:srgbClr val="0000FF"/>
+      </a:hlink>
+      <a:folHlink>
+        <a:srgbClr val="800080"/>
+      </a:folHlink>
+    </a:clrScheme>
+    <a:fontScheme name="Office">
+      <a:majorFont>
+        <a:latin typeface="Calibri"/>
+        <a:ea typeface=""/>
+        <a:cs typeface=""/>
+        <a:font script="Jpan" typeface="ＭＳ Ｐゴシック"/>
+        <a:font script="Hang" typeface="맑은 고딕"/>
+        <a:font script="Hans" typeface="宋体"/>
+        <a:font script="Hant" typeface="新細明體"/>
+        <a:font script="Arab" typeface="Times New Roman"/>
+        <a:font script="Hebr" typeface="Times New Roman"/>
+        <a:font script="Thai" typeface="Angsana New"/>
+        <a:font script="Ethi" typeface="Nyala"/>
+        <a:font script="Beng" typeface="Vrinda"/>
+        <a:font script="Gujr" typeface="Shruti"/>
+        <a:font script="Khmr" typeface="MoolBoran"/>
+        <a:font script="Knda" typeface="Tunga"/>
+        <a:font script="Guru" typeface="Raavi"/>
+        <a:font script="Cans" typeface="Euphemia"/>
+        <a:font script="Cher" typeface="Plantagenet Cherokee"/>
+        <a:font script="Yiii" typeface="Microsoft Yi Baiti"/>
+        <a:font script="Tibt" typeface="Microsoft Himalaya"/>
+        <a:font script="Thaa" typeface="MV Boli"/>
+        <a:font script="Deva" typeface="Mangal"/>
+        <a:font script="Telu" typeface="Gautami"/>
+        <a:font script="Taml" typeface="Latha"/>
+        <a:font script="Syrc" typeface="Estrangelo Edessa"/>
+        <a:font script="Orya" typeface="Kalinga"/>
+        <a:font script="Mlym" typeface="Kartika"/>
+        <a:font script="Laoo" typeface="DokChampa"/>
+        <a:font script="Sinh" typeface="Iskoola Pota"/>
+        <a:font script="Mong" typeface="Mongolian Baiti"/>
+        <a:font script="Viet" typeface="Times New Roman"/>
+        <a:font script="Uigh" typeface="Microsoft Uighur"/>
+        <a:font script="Geor" typeface="Sylfaen"/>
+      </a:majorFont>
+      <a:minorFont>
+        <a:latin typeface="Calibri"/>
+        <a:ea typeface=""/>
+        <a:cs typeface=""/>
+        <a:font script="Jpan" typeface="ＭＳ Ｐゴシック"/>
+        <a:font script="Hang" typeface="맑은 고딕"/>
+        <a:font script="Hans" typeface="宋体"/>
+        <a:font script="Hant" typeface="新細明體"/>
+        <a:font script="Arab" typeface="Arial"/>
+        <a:font script="Hebr" typeface="Arial"/>
+        <a:font script="Thai" typeface="Cordia New"/>
+        <a:font script="Ethi" typeface="Nyala"/>
+        <a:font script="Beng" typeface="Vrinda"/>
+        <a:font script="Gujr" typeface="Shruti"/>
+        <a:font script="Khmr" typeface="DaunPenh"/>
+        <a:font script="Knda" typeface="Tunga"/>
+        <a:font script="Guru" typeface="Raavi"/>
+        <a:font script="Cans" typeface="Euphemia"/>
+        <a:font script="Cher" typeface="Plantagenet Cherokee"/>
+        <a:font script="Yiii" typeface="Microsoft Yi Baiti"/>
+        <a:font script="Tibt" typeface="Microsoft Himalaya"/>
+        <a:font script="Thaa" typeface="MV Boli"/>
+        <a:font script="Deva" typeface="Mangal"/>
+        <a:font script="Telu" typeface="Gautami"/>
+        <a:font script="Taml" typeface="Latha"/>
+        <a:font script="Syrc" typeface="Estrangelo Edessa"/>
+        <a:font script="Orya" typeface="Kalinga"/>
+        <a:font script="Mlym" typeface="Kartika"/>
+        <a:font script="Laoo" typeface="DokChampa"/>
+        <a:font script="Sinh" typeface="Iskoola Pota"/>
+        <a:font script="Mong" typeface="Mongolian Baiti"/>
+        <a:font script="Viet" typeface="Arial"/>
+        <a:font script="Uigh" typeface="Microsoft Uighur"/>
+        <a:font script="Geor" typeface="Sylfaen"/>
+      </a:minorFont>
+    </a:fontScheme>
+    <a:fmtScheme name="Office">
+      <a:fillStyleLst>
+        <a:solidFill>
+          <a:schemeClr val="phClr"/>
+        </a:solidFill>
+        <a:gradFill rotWithShape="1">
+          <a:gsLst>
+            <a:gs pos="0">
+              <a:schemeClr val="phClr">
+                <a:tint val="50000"/>
+                <a:satMod val="300000"/>
+              </a:schemeClr>
+            </a:gs>
+            <a:gs pos="35000">
+              <a:schemeClr val="phClr">
+                <a:tint val="37000"/>
+                <a:satMod val="300000"/>
+              </a:schemeClr>
+            </a:gs>
+            <a:gs pos="100000">
+              <a:schemeClr val="phClr">
+                <a:tint val="15000"/>
+                <a:satMod val="350000"/>
+              </a:schemeClr>
+            </a:gs>
+          </a:gsLst>
+          <a:lin ang="16200000" scaled="1"/>
+        </a:gradFill>
+        <a:gradFill rotWithShape="1">
+          <a:gsLst>
+            <a:gs pos="0">
+              <a:schemeClr val="phClr">
+                <a:tint val="100000"/>
+                <a:shade val="100000"/>
+                <a:satMod val="130000"/>
+              </a:schemeClr>
+            </a:gs>
+            <a:gs pos="100000">
+              <a:schemeClr val="phClr">
+                <a:tint val="50000"/>
+                <a:shade val="100000"/>
+                <a:satMod val="350000"/>
+              </a:schemeClr>
+            </a:gs>
+          </a:gsLst>
+          <a:lin ang="16200000" scaled="0"/>
+        </a:gradFill>
+      </a:fillStyleLst>
+      <a:lnStyleLst>
+        <a:ln w="9525" cap="flat" cmpd="sng" algn="ctr">
+          <a:solidFill>
+            <a:schemeClr val="phClr">
+              <a:shade val="95000"/>
+              <a:satMod val="105000"/>
+            </a:schemeClr>
+          </a:solidFill>
+          <a:prstDash val="solid"/>
+        </a:ln>
+        <a:ln w="25400" cap="flat" cmpd="sng" algn="ctr">
+          <a:solidFill>
+            <a:schemeClr val="phClr"/>
+          </a:solidFill>
+          <a:prstDash val="solid"/>
+        </a:ln>
+        <a:ln w="38100" cap="flat" cmpd="sng" algn="ctr">
+          <a:solidFill>
+            <a:schemeClr val="phClr"/>
+          </a:solidFill>
+          <a:prstDash val="solid"/>
+        </a:ln>
+      </a:lnStyleLst>
+      <a:effectStyleLst>
+        <a:effectStyle>
+          <a:effectLst>
+            <a:outerShdw blurRad="40000" dist="20000" dir="5400000" rotWithShape="0">
+              <a:srgbClr val="000000">
+                <a:alpha val="38000"/>
+              </a:srgbClr>
+            </a:outerShdw>
+          </a:effectLst>
+        </a:effectStyle>
+        <a:effectStyle>
+          <a:effectLst>
+            <a:outerShdw blurRad="40000" dist="23000" dir="5400000" rotWithShape="0">
+              <a:srgbClr val="000000">
+                <a:alpha val="35000"/>
+              </a:srgbClr>
+            </a:outerShdw>
+          </a:effectLst>
+        </a:effectStyle>
+        <a:effectStyle>
+          <a:effectLst>
+            <a:outerShdw blurRad="40000" dist="23000" dir="5400000" rotWithShape="0">
+              <a:srgbClr val="000000">
+                <a:alpha val="35000"/>
+              </a:srgbClr>
+            </a:outerShdw>
+          </a:effectLst>
+          <a:scene3d>
+            <a:camera prst="orthographicFront">
+              <a:rot lat="0" lon="0" rev="0"/>
+            </a:camera>
+            <a:lightRig rig="threePt" dir="t">
+              <a:rot lat="0" lon="0" rev="1200000"/>
+            </a:lightRig>
+          </a:scene3d>
+          <a:sp3d>
+            <a:bevelT w="63500" h="25400"/>
+          </a:sp3d>
+        </a:effectStyle>
+      </a:effectStyleLst>
+      <a:bgFillStyleLst>
+        <a:solidFill>
+          <a:schemeClr val="phClr"/>
+        </a:solidFill>
+        <a:gradFill rotWithShape="1">
+          <a:gsLst>
+            <a:gs pos="0">
+              <a:schemeClr val="phClr">
+                <a:tint val="40000"/>
+                <a:satMod val="350000"/>
+              </a:schemeClr>
+            </a:gs>
+            <a:gs pos="40000">
+              <a:schemeClr val="phClr">
+                <a:tint val="45000"/>
+                <a:shade val="99000"/>
+                <a:satMod val="350000"/>
+              </a:schemeClr>
+            </a:gs>
+            <a:gs pos="100000">
+              <a:schemeClr val="phClr">
+                <a:shade val="20000"/>
+                <a:satMod val="255000"/>
+              </a:schemeClr>
+            </a:gs>
+          </a:gsLst>
+          <a:path path="circle">
+            <a:fillToRect l="50000" t="-80000" r="50000" b="180000"/>
+          </a:path>
+        </a:gradFill>
+        <a:gradFill rotWithShape="1">
+          <a:gsLst>
+            <a:gs pos="0">
+              <a:schemeClr val="phClr">
+                <a:tint val="80000"/>
+                <a:satMod val="300000"/>
+              </a:schemeClr>
+            </a:gs>
+            <a:gs pos="100000">
+              <a:schemeClr val="phClr">
+                <a:shade val="30000"/>
+                <a:satMod val="200000"/>
+              </a:schemeClr>
+            </a:gs>
+          </a:gsLst>
+          <a:path path="circle">
+            <a:fillToRect l="50000" t="50000" r="50000" b="50000"/>
+          </a:path>
+        </a:gradFill>
+      </a:bgFillStyleLst>
+    </a:fmtScheme>
+  </a:themeElements>
+  <a:objectDefaults>
+    <a:spDef>
+      <a:spPr/>
+      <a:bodyPr/>
+      <a:lstStyle/>
+      <a:style>
+        <a:lnRef idx="1">
+          <a:schemeClr val="accent1"/>
+        </a:lnRef>
+        <a:fillRef idx="3">
+          <a:schemeClr val="accent1"/>
+        </a:fillRef>
+        <a:effectRef idx="2">
+          <a:schemeClr val="accent1"/>
+        </a:effectRef>
+        <a:fontRef idx="minor">
+          <a:schemeClr val="lt1"/>
+        </a:fontRef>
+      </a:style>
+    </a:spDef>
+    <a:lnDef>
+      <a:spPr/>
+      <a:bodyPr/>
+      <a:lstStyle/>
+      <a:style>
+        <a:lnRef idx="2">
+          <a:schemeClr val="accent1"/>
+        </a:lnRef>
+        <a:fillRef idx="0">
+          <a:schemeClr val="accent1"/>
+        </a:fillRef>
+        <a:effectRef idx="1">
+          <a:schemeClr val="accent1"/>
+        </a:effectRef>
+        <a:fontRef idx="minor">
+          <a:schemeClr val="tx1"/>
+        </a:fontRef>
+      </a:style>
+    </a:lnDef>
+  </a:objectDefaults>
+  <a:extraClrSchemeLst/>
+</a:theme>
 </file>